--- a/Document/발표PPT양식.pptx
+++ b/Document/발표PPT양식.pptx
@@ -13929,114 +13929,42 @@
           </a:fontRef>
         </p:style>
       </p:cxnSp>
-      <p:sp>
-        <p:nvSpPr>
-          <p:cNvPr id="28" name="TextBox 27">
+      <p:pic>
+        <p:nvPicPr>
+          <p:cNvPr id="6" name="그림 5">
             <a:extLst>
               <a:ext uri="{FF2B5EF4-FFF2-40B4-BE49-F238E27FC236}">
-                <a16:creationId xmlns:a16="http://schemas.microsoft.com/office/drawing/2014/main" id="{1D970E4A-A9C6-4C76-B413-8F122DEBABDF}"/>
+                <a16:creationId xmlns:a16="http://schemas.microsoft.com/office/drawing/2014/main" id="{F984F2CD-00E2-4438-AEED-1AB2C7FD62F5}"/>
               </a:ext>
             </a:extLst>
           </p:cNvPr>
-          <p:cNvSpPr txBox="1"/>
+          <p:cNvPicPr>
+            <a:picLocks noChangeAspect="1"/>
+          </p:cNvPicPr>
           <p:nvPr/>
-        </p:nvSpPr>
+        </p:nvPicPr>
+        <p:blipFill>
+          <a:blip r:embed="rId3">
+            <a:extLst>
+              <a:ext uri="{28A0092B-C50C-407E-A947-70E740481C1C}">
+                <a14:useLocalDpi xmlns:a14="http://schemas.microsoft.com/office/drawing/2010/main" val="0"/>
+              </a:ext>
+            </a:extLst>
+          </a:blip>
+          <a:stretch>
+            <a:fillRect/>
+          </a:stretch>
+        </p:blipFill>
         <p:spPr>
           <a:xfrm>
-            <a:off x="3131840" y="2410238"/>
-            <a:ext cx="4104456" cy="2236959"/>
+            <a:off x="4477617" y="1921921"/>
+            <a:ext cx="3014158" cy="3014158"/>
           </a:xfrm>
           <a:prstGeom prst="rect">
             <a:avLst/>
           </a:prstGeom>
-          <a:noFill/>
         </p:spPr>
-        <p:txBody>
-          <a:bodyPr wrap="square" rtlCol="0">
-            <a:spAutoFit/>
-          </a:bodyPr>
-          <a:lstStyle/>
-          <a:p>
-            <a:pPr marL="457200" indent="-457200">
-              <a:lnSpc>
-                <a:spcPct val="150000"/>
-              </a:lnSpc>
-              <a:buAutoNum type="arabicPeriod"/>
-            </a:pPr>
-            <a:r>
-              <a:rPr lang="ko-KR" altLang="en-US" sz="2400" b="1" spc="-150" dirty="0">
-                <a:solidFill>
-                  <a:srgbClr val="17375E"/>
-                </a:solidFill>
-              </a:rPr>
-              <a:t>아</a:t>
-            </a:r>
-            <a:endParaRPr lang="en-US" altLang="ko-KR" sz="2400" b="1" spc="-150" dirty="0">
-              <a:solidFill>
-                <a:srgbClr val="17375E"/>
-              </a:solidFill>
-            </a:endParaRPr>
-          </a:p>
-          <a:p>
-            <a:pPr marL="457200" indent="-457200">
-              <a:lnSpc>
-                <a:spcPct val="150000"/>
-              </a:lnSpc>
-              <a:buAutoNum type="arabicPeriod"/>
-            </a:pPr>
-            <a:r>
-              <a:rPr lang="ko-KR" altLang="en-US" sz="2400" b="1" spc="-150" dirty="0">
-                <a:solidFill>
-                  <a:srgbClr val="17375E"/>
-                </a:solidFill>
-              </a:rPr>
-              <a:t>기</a:t>
-            </a:r>
-            <a:endParaRPr lang="en-US" altLang="ko-KR" sz="2400" b="1" spc="-150" dirty="0">
-              <a:solidFill>
-                <a:srgbClr val="17375E"/>
-              </a:solidFill>
-            </a:endParaRPr>
-          </a:p>
-          <a:p>
-            <a:pPr marL="457200" indent="-457200">
-              <a:lnSpc>
-                <a:spcPct val="150000"/>
-              </a:lnSpc>
-              <a:buAutoNum type="arabicPeriod"/>
-            </a:pPr>
-            <a:r>
-              <a:rPr lang="ko-KR" altLang="en-US" sz="2400" b="1" spc="-150" dirty="0">
-                <a:solidFill>
-                  <a:srgbClr val="17375E"/>
-                </a:solidFill>
-              </a:rPr>
-              <a:t>그</a:t>
-            </a:r>
-            <a:endParaRPr lang="en-US" altLang="ko-KR" sz="2400" b="1" spc="-150" dirty="0">
-              <a:solidFill>
-                <a:srgbClr val="17375E"/>
-              </a:solidFill>
-            </a:endParaRPr>
-          </a:p>
-          <a:p>
-            <a:pPr marL="457200" indent="-457200">
-              <a:lnSpc>
-                <a:spcPct val="150000"/>
-              </a:lnSpc>
-              <a:buAutoNum type="arabicPeriod"/>
-            </a:pPr>
-            <a:r>
-              <a:rPr lang="ko-KR" altLang="en-US" sz="2400" b="1" spc="-150" dirty="0">
-                <a:solidFill>
-                  <a:srgbClr val="17375E"/>
-                </a:solidFill>
-              </a:rPr>
-              <a:t>데</a:t>
-            </a:r>
-          </a:p>
-        </p:txBody>
-      </p:sp>
+      </p:pic>
     </p:spTree>
     <p:extLst>
       <p:ext uri="{BB962C8B-B14F-4D97-AF65-F5344CB8AC3E}">
@@ -14225,7 +14153,7 @@
         <p:spPr>
           <a:xfrm>
             <a:off x="3131840" y="2410238"/>
-            <a:ext cx="4104456" cy="2236959"/>
+            <a:ext cx="4104456" cy="574966"/>
           </a:xfrm>
           <a:prstGeom prst="rect">
             <a:avLst/>
@@ -14250,71 +14178,13 @@
                   <a:srgbClr val="17375E"/>
                 </a:solidFill>
               </a:rPr>
-              <a:t>아</a:t>
+              <a:t>작품의 가지는 의미</a:t>
             </a:r>
             <a:endParaRPr lang="en-US" altLang="ko-KR" sz="2400" b="1" spc="-150" dirty="0">
               <a:solidFill>
                 <a:srgbClr val="17375E"/>
               </a:solidFill>
             </a:endParaRPr>
-          </a:p>
-          <a:p>
-            <a:pPr marL="457200" indent="-457200">
-              <a:lnSpc>
-                <a:spcPct val="150000"/>
-              </a:lnSpc>
-              <a:buAutoNum type="arabicPeriod"/>
-            </a:pPr>
-            <a:r>
-              <a:rPr lang="ko-KR" altLang="en-US" sz="2400" b="1" spc="-150" dirty="0">
-                <a:solidFill>
-                  <a:srgbClr val="17375E"/>
-                </a:solidFill>
-              </a:rPr>
-              <a:t>기</a:t>
-            </a:r>
-            <a:endParaRPr lang="en-US" altLang="ko-KR" sz="2400" b="1" spc="-150" dirty="0">
-              <a:solidFill>
-                <a:srgbClr val="17375E"/>
-              </a:solidFill>
-            </a:endParaRPr>
-          </a:p>
-          <a:p>
-            <a:pPr marL="457200" indent="-457200">
-              <a:lnSpc>
-                <a:spcPct val="150000"/>
-              </a:lnSpc>
-              <a:buAutoNum type="arabicPeriod"/>
-            </a:pPr>
-            <a:r>
-              <a:rPr lang="ko-KR" altLang="en-US" sz="2400" b="1" spc="-150" dirty="0">
-                <a:solidFill>
-                  <a:srgbClr val="17375E"/>
-                </a:solidFill>
-              </a:rPr>
-              <a:t>그</a:t>
-            </a:r>
-            <a:endParaRPr lang="en-US" altLang="ko-KR" sz="2400" b="1" spc="-150" dirty="0">
-              <a:solidFill>
-                <a:srgbClr val="17375E"/>
-              </a:solidFill>
-            </a:endParaRPr>
-          </a:p>
-          <a:p>
-            <a:pPr marL="457200" indent="-457200">
-              <a:lnSpc>
-                <a:spcPct val="150000"/>
-              </a:lnSpc>
-              <a:buAutoNum type="arabicPeriod"/>
-            </a:pPr>
-            <a:r>
-              <a:rPr lang="ko-KR" altLang="en-US" sz="2400" b="1" spc="-150" dirty="0">
-                <a:solidFill>
-                  <a:srgbClr val="17375E"/>
-                </a:solidFill>
-              </a:rPr>
-              <a:t>데</a:t>
-            </a:r>
           </a:p>
         </p:txBody>
       </p:sp>
@@ -18350,7 +18220,7 @@
         <p:spPr>
           <a:xfrm>
             <a:off x="755576" y="3501008"/>
-            <a:ext cx="1368152" cy="1441613"/>
+            <a:ext cx="1368152" cy="333617"/>
           </a:xfrm>
           <a:prstGeom prst="rect">
             <a:avLst/>
@@ -18371,57 +18241,12 @@
               <a:buChar char="-"/>
             </a:pPr>
             <a:r>
+              <a:rPr lang="ko-KR" altLang="en-US" sz="1200" b="1" spc="-150" dirty="0" err="1"/>
+              <a:t>블루라이트</a:t>
+            </a:r>
+            <a:r>
               <a:rPr lang="ko-KR" altLang="en-US" sz="1200" b="1" spc="-150" dirty="0"/>
-              <a:t>아이디어 및 </a:t>
-            </a:r>
-            <a:br>
-              <a:rPr lang="en-US" altLang="ko-KR" sz="1200" b="1" spc="-150" dirty="0"/>
-            </a:br>
-            <a:r>
-              <a:rPr lang="ko-KR" altLang="en-US" sz="1200" b="1" spc="-150" dirty="0"/>
-              <a:t>개념적 설계</a:t>
-            </a:r>
-            <a:endParaRPr lang="en-US" altLang="ko-KR" sz="1200" b="1" spc="-150" dirty="0"/>
-          </a:p>
-          <a:p>
-            <a:pPr marL="171450" indent="-171450">
-              <a:lnSpc>
-                <a:spcPct val="150000"/>
-              </a:lnSpc>
-              <a:buFontTx/>
-              <a:buChar char="-"/>
-            </a:pPr>
-            <a:r>
-              <a:rPr lang="ko-KR" altLang="en-US" sz="1200" b="1" spc="-150" dirty="0"/>
-              <a:t>기술적 설계</a:t>
-            </a:r>
-            <a:endParaRPr lang="en-US" altLang="ko-KR" sz="1200" b="1" spc="-150" dirty="0"/>
-          </a:p>
-          <a:p>
-            <a:pPr marL="171450" indent="-171450">
-              <a:lnSpc>
-                <a:spcPct val="150000"/>
-              </a:lnSpc>
-              <a:buFontTx/>
-              <a:buChar char="-"/>
-            </a:pPr>
-            <a:r>
-              <a:rPr lang="ko-KR" altLang="en-US" sz="1200" b="1" spc="-150" dirty="0"/>
-              <a:t>그래픽 설계</a:t>
-            </a:r>
-            <a:endParaRPr lang="en-US" altLang="ko-KR" sz="1200" b="1" spc="-150" dirty="0"/>
-          </a:p>
-          <a:p>
-            <a:pPr marL="171450" indent="-171450">
-              <a:lnSpc>
-                <a:spcPct val="150000"/>
-              </a:lnSpc>
-              <a:buFontTx/>
-              <a:buChar char="-"/>
-            </a:pPr>
-            <a:r>
-              <a:rPr lang="ko-KR" altLang="en-US" sz="1200" b="1" spc="-150" dirty="0"/>
-              <a:t>데이터 설계</a:t>
+              <a:t> 필터</a:t>
             </a:r>
             <a:endParaRPr lang="en-US" altLang="ko-KR" sz="1200" b="1" spc="-150" dirty="0"/>
           </a:p>
@@ -18579,7 +18404,7 @@
         <p:spPr>
           <a:xfrm>
             <a:off x="4906209" y="3501008"/>
-            <a:ext cx="1368152" cy="1441613"/>
+            <a:ext cx="1368152" cy="333617"/>
           </a:xfrm>
           <a:prstGeom prst="rect">
             <a:avLst/>
@@ -18601,56 +18426,7 @@
             </a:pPr>
             <a:r>
               <a:rPr lang="ko-KR" altLang="en-US" sz="1200" b="1" spc="-150" dirty="0"/>
-              <a:t>아이디어 및 </a:t>
-            </a:r>
-            <a:br>
-              <a:rPr lang="en-US" altLang="ko-KR" sz="1200" b="1" spc="-150" dirty="0"/>
-            </a:br>
-            <a:r>
-              <a:rPr lang="ko-KR" altLang="en-US" sz="1200" b="1" spc="-150" dirty="0"/>
-              <a:t>개념적 설계</a:t>
-            </a:r>
-            <a:endParaRPr lang="en-US" altLang="ko-KR" sz="1200" b="1" spc="-150" dirty="0"/>
-          </a:p>
-          <a:p>
-            <a:pPr marL="171450" indent="-171450">
-              <a:lnSpc>
-                <a:spcPct val="150000"/>
-              </a:lnSpc>
-              <a:buFontTx/>
-              <a:buChar char="-"/>
-            </a:pPr>
-            <a:r>
-              <a:rPr lang="ko-KR" altLang="en-US" sz="1200" b="1" spc="-150" dirty="0"/>
-              <a:t>기술적 설계</a:t>
-            </a:r>
-            <a:endParaRPr lang="en-US" altLang="ko-KR" sz="1200" b="1" spc="-150" dirty="0"/>
-          </a:p>
-          <a:p>
-            <a:pPr marL="171450" indent="-171450">
-              <a:lnSpc>
-                <a:spcPct val="150000"/>
-              </a:lnSpc>
-              <a:buFontTx/>
-              <a:buChar char="-"/>
-            </a:pPr>
-            <a:r>
-              <a:rPr lang="ko-KR" altLang="en-US" sz="1200" b="1" spc="-150" dirty="0"/>
-              <a:t>그래픽 설계</a:t>
-            </a:r>
-            <a:endParaRPr lang="en-US" altLang="ko-KR" sz="1200" b="1" spc="-150" dirty="0"/>
-          </a:p>
-          <a:p>
-            <a:pPr marL="171450" indent="-171450">
-              <a:lnSpc>
-                <a:spcPct val="150000"/>
-              </a:lnSpc>
-              <a:buFontTx/>
-              <a:buChar char="-"/>
-            </a:pPr>
-            <a:r>
-              <a:rPr lang="ko-KR" altLang="en-US" sz="1200" b="1" spc="-150" dirty="0"/>
-              <a:t>데이터 설계</a:t>
+              <a:t>시연</a:t>
             </a:r>
             <a:endParaRPr lang="en-US" altLang="ko-KR" sz="1200" b="1" spc="-150" dirty="0"/>
           </a:p>
@@ -18789,7 +18565,7 @@
           <a:lstStyle/>
           <a:p>
             <a:pPr algn="ctr"/>
-            <a:endParaRPr lang="ko-KR" altLang="en-US" b="1"/>
+            <a:endParaRPr lang="ko-KR" altLang="en-US" b="1" dirty="0"/>
           </a:p>
         </p:txBody>
       </p:sp>
@@ -18808,7 +18584,7 @@
         <p:spPr>
           <a:xfrm>
             <a:off x="7020272" y="3501008"/>
-            <a:ext cx="1368152" cy="1441613"/>
+            <a:ext cx="1368152" cy="333617"/>
           </a:xfrm>
           <a:prstGeom prst="rect">
             <a:avLst/>
@@ -18830,56 +18606,7 @@
             </a:pPr>
             <a:r>
               <a:rPr lang="ko-KR" altLang="en-US" sz="1200" b="1" spc="-150" dirty="0"/>
-              <a:t>아이디어 및 </a:t>
-            </a:r>
-            <a:br>
-              <a:rPr lang="en-US" altLang="ko-KR" sz="1200" b="1" spc="-150" dirty="0"/>
-            </a:br>
-            <a:r>
-              <a:rPr lang="ko-KR" altLang="en-US" sz="1200" b="1" spc="-150" dirty="0"/>
-              <a:t>개념적 설계</a:t>
-            </a:r>
-            <a:endParaRPr lang="en-US" altLang="ko-KR" sz="1200" b="1" spc="-150" dirty="0"/>
-          </a:p>
-          <a:p>
-            <a:pPr marL="171450" indent="-171450">
-              <a:lnSpc>
-                <a:spcPct val="150000"/>
-              </a:lnSpc>
-              <a:buFontTx/>
-              <a:buChar char="-"/>
-            </a:pPr>
-            <a:r>
-              <a:rPr lang="ko-KR" altLang="en-US" sz="1200" b="1" spc="-150" dirty="0"/>
-              <a:t>기술적 설계</a:t>
-            </a:r>
-            <a:endParaRPr lang="en-US" altLang="ko-KR" sz="1200" b="1" spc="-150" dirty="0"/>
-          </a:p>
-          <a:p>
-            <a:pPr marL="171450" indent="-171450">
-              <a:lnSpc>
-                <a:spcPct val="150000"/>
-              </a:lnSpc>
-              <a:buFontTx/>
-              <a:buChar char="-"/>
-            </a:pPr>
-            <a:r>
-              <a:rPr lang="ko-KR" altLang="en-US" sz="1200" b="1" spc="-150" dirty="0"/>
-              <a:t>그래픽 설계</a:t>
-            </a:r>
-            <a:endParaRPr lang="en-US" altLang="ko-KR" sz="1200" b="1" spc="-150" dirty="0"/>
-          </a:p>
-          <a:p>
-            <a:pPr marL="171450" indent="-171450">
-              <a:lnSpc>
-                <a:spcPct val="150000"/>
-              </a:lnSpc>
-              <a:buFontTx/>
-              <a:buChar char="-"/>
-            </a:pPr>
-            <a:r>
-              <a:rPr lang="ko-KR" altLang="en-US" sz="1200" b="1" spc="-150" dirty="0"/>
-              <a:t>데이터 설계</a:t>
+              <a:t>의미</a:t>
             </a:r>
             <a:endParaRPr lang="en-US" altLang="ko-KR" sz="1200" b="1" spc="-150" dirty="0"/>
           </a:p>

--- a/Document/발표PPT양식.pptx
+++ b/Document/발표PPT양식.pptx
@@ -5,16 +5,16 @@
     <p:sldMasterId id="2147483648" r:id="rId1"/>
   </p:sldMasterIdLst>
   <p:notesMasterIdLst>
-    <p:notesMasterId r:id="rId25"/>
+    <p:notesMasterId r:id="rId27"/>
   </p:notesMasterIdLst>
   <p:sldIdLst>
     <p:sldId id="257" r:id="rId2"/>
     <p:sldId id="260" r:id="rId3"/>
-    <p:sldId id="287" r:id="rId4"/>
-    <p:sldId id="296" r:id="rId5"/>
-    <p:sldId id="299" r:id="rId6"/>
-    <p:sldId id="293" r:id="rId7"/>
-    <p:sldId id="294" r:id="rId8"/>
+    <p:sldId id="296" r:id="rId4"/>
+    <p:sldId id="299" r:id="rId5"/>
+    <p:sldId id="293" r:id="rId6"/>
+    <p:sldId id="294" r:id="rId7"/>
+    <p:sldId id="287" r:id="rId8"/>
     <p:sldId id="295" r:id="rId9"/>
     <p:sldId id="288" r:id="rId10"/>
     <p:sldId id="289" r:id="rId11"/>
@@ -22,15 +22,17 @@
     <p:sldId id="291" r:id="rId13"/>
     <p:sldId id="297" r:id="rId14"/>
     <p:sldId id="298" r:id="rId15"/>
-    <p:sldId id="261" r:id="rId16"/>
-    <p:sldId id="258" r:id="rId17"/>
-    <p:sldId id="264" r:id="rId18"/>
-    <p:sldId id="267" r:id="rId19"/>
-    <p:sldId id="265" r:id="rId20"/>
-    <p:sldId id="269" r:id="rId21"/>
-    <p:sldId id="262" r:id="rId22"/>
-    <p:sldId id="274" r:id="rId23"/>
-    <p:sldId id="259" r:id="rId24"/>
+    <p:sldId id="301" r:id="rId16"/>
+    <p:sldId id="300" r:id="rId17"/>
+    <p:sldId id="261" r:id="rId18"/>
+    <p:sldId id="258" r:id="rId19"/>
+    <p:sldId id="264" r:id="rId20"/>
+    <p:sldId id="267" r:id="rId21"/>
+    <p:sldId id="265" r:id="rId22"/>
+    <p:sldId id="269" r:id="rId23"/>
+    <p:sldId id="262" r:id="rId24"/>
+    <p:sldId id="274" r:id="rId25"/>
+    <p:sldId id="259" r:id="rId26"/>
   </p:sldIdLst>
   <p:sldSz cx="9144000" cy="6858000" type="screen4x3"/>
   <p:notesSz cx="6858000" cy="9144000"/>
@@ -6389,7 +6391,7 @@
             <a:fld id="{65771C21-3757-4199-83DE-22960358A2A5}" type="datetimeFigureOut">
               <a:rPr lang="ko-KR" altLang="en-US" smtClean="0"/>
               <a:pPr/>
-              <a:t>2019-11-30</a:t>
+              <a:t>2019-12-01</a:t>
             </a:fld>
             <a:endParaRPr lang="ko-KR" altLang="en-US"/>
           </a:p>
@@ -7414,6 +7416,11 @@
         </p:txBody>
       </p:sp>
     </p:spTree>
+    <p:extLst>
+      <p:ext uri="{BB962C8B-B14F-4D97-AF65-F5344CB8AC3E}">
+        <p14:creationId xmlns:p14="http://schemas.microsoft.com/office/powerpoint/2010/main" val="3904559952"/>
+      </p:ext>
+    </p:extLst>
   </p:cSld>
   <p:clrMapOvr>
     <a:masterClrMapping/>
@@ -7513,7 +7520,7 @@
             <a:fld id="{04A4E647-5A0F-41E6-A0EF-B58D8C1C6CD4}" type="slidenum">
               <a:rPr lang="ko-KR" altLang="en-US" smtClean="0"/>
               <a:pPr/>
-              <a:t>16</a:t>
+              <a:t>17</a:t>
             </a:fld>
             <a:endParaRPr lang="ko-KR" altLang="en-US"/>
           </a:p>
@@ -7619,7 +7626,7 @@
             <a:fld id="{04A4E647-5A0F-41E6-A0EF-B58D8C1C6CD4}" type="slidenum">
               <a:rPr lang="ko-KR" altLang="en-US" smtClean="0"/>
               <a:pPr/>
-              <a:t>17</a:t>
+              <a:t>18</a:t>
             </a:fld>
             <a:endParaRPr lang="ko-KR" altLang="en-US"/>
           </a:p>
@@ -7725,7 +7732,7 @@
             <a:fld id="{04A4E647-5A0F-41E6-A0EF-B58D8C1C6CD4}" type="slidenum">
               <a:rPr lang="ko-KR" altLang="en-US" smtClean="0"/>
               <a:pPr/>
-              <a:t>18</a:t>
+              <a:t>19</a:t>
             </a:fld>
             <a:endParaRPr lang="ko-KR" altLang="en-US"/>
           </a:p>
@@ -7831,7 +7838,7 @@
             <a:fld id="{04A4E647-5A0F-41E6-A0EF-B58D8C1C6CD4}" type="slidenum">
               <a:rPr lang="ko-KR" altLang="en-US" smtClean="0"/>
               <a:pPr/>
-              <a:t>19</a:t>
+              <a:t>20</a:t>
             </a:fld>
             <a:endParaRPr lang="ko-KR" altLang="en-US"/>
           </a:p>
@@ -8020,6 +8027,9 @@
             </a:r>
             <a:endParaRPr lang="ko-KR" altLang="en-US" sz="1200" dirty="0"/>
           </a:p>
+          <a:p>
+            <a:endParaRPr lang="ko-KR" altLang="en-US" dirty="0"/>
+          </a:p>
         </p:txBody>
       </p:sp>
       <p:sp>
@@ -8040,7 +8050,7 @@
             <a:fld id="{04A4E647-5A0F-41E6-A0EF-B58D8C1C6CD4}" type="slidenum">
               <a:rPr lang="ko-KR" altLang="en-US" smtClean="0"/>
               <a:pPr/>
-              <a:t>20</a:t>
+              <a:t>21</a:t>
             </a:fld>
             <a:endParaRPr lang="ko-KR" altLang="en-US"/>
           </a:p>
@@ -8123,9 +8133,6 @@
             </a:r>
             <a:endParaRPr lang="ko-KR" altLang="en-US" sz="1200" dirty="0"/>
           </a:p>
-          <a:p>
-            <a:endParaRPr lang="ko-KR" altLang="en-US" dirty="0"/>
-          </a:p>
         </p:txBody>
       </p:sp>
       <p:sp>
@@ -8146,7 +8153,7 @@
             <a:fld id="{04A4E647-5A0F-41E6-A0EF-B58D8C1C6CD4}" type="slidenum">
               <a:rPr lang="ko-KR" altLang="en-US" smtClean="0"/>
               <a:pPr/>
-              <a:t>21</a:t>
+              <a:t>22</a:t>
             </a:fld>
             <a:endParaRPr lang="ko-KR" altLang="en-US"/>
           </a:p>
@@ -8252,7 +8259,7 @@
             <a:fld id="{04A4E647-5A0F-41E6-A0EF-B58D8C1C6CD4}" type="slidenum">
               <a:rPr lang="ko-KR" altLang="en-US" smtClean="0"/>
               <a:pPr/>
-              <a:t>22</a:t>
+              <a:t>23</a:t>
             </a:fld>
             <a:endParaRPr lang="ko-KR" altLang="en-US"/>
           </a:p>
@@ -8358,7 +8365,113 @@
             <a:fld id="{04A4E647-5A0F-41E6-A0EF-B58D8C1C6CD4}" type="slidenum">
               <a:rPr lang="ko-KR" altLang="en-US" smtClean="0"/>
               <a:pPr/>
-              <a:t>23</a:t>
+              <a:t>24</a:t>
+            </a:fld>
+            <a:endParaRPr lang="ko-KR" altLang="en-US"/>
+          </a:p>
+        </p:txBody>
+      </p:sp>
+    </p:spTree>
+  </p:cSld>
+  <p:clrMapOvr>
+    <a:masterClrMapping/>
+  </p:clrMapOvr>
+</p:notes>
+</file>
+
+<file path=ppt/notesSlides/notesSlide24.xml><?xml version="1.0" encoding="utf-8"?>
+<p:notes xmlns:a="http://schemas.openxmlformats.org/drawingml/2006/main" xmlns:r="http://schemas.openxmlformats.org/officeDocument/2006/relationships" xmlns:p="http://schemas.openxmlformats.org/presentationml/2006/main">
+  <p:cSld>
+    <p:spTree>
+      <p:nvGrpSpPr>
+        <p:cNvPr id="1" name=""/>
+        <p:cNvGrpSpPr/>
+        <p:nvPr/>
+      </p:nvGrpSpPr>
+      <p:grpSpPr>
+        <a:xfrm>
+          <a:off x="0" y="0"/>
+          <a:ext cx="0" cy="0"/>
+          <a:chOff x="0" y="0"/>
+          <a:chExt cx="0" cy="0"/>
+        </a:xfrm>
+      </p:grpSpPr>
+      <p:sp>
+        <p:nvSpPr>
+          <p:cNvPr id="2" name="슬라이드 이미지 개체 틀 1"/>
+          <p:cNvSpPr>
+            <a:spLocks noGrp="1" noRot="1" noChangeAspect="1"/>
+          </p:cNvSpPr>
+          <p:nvPr>
+            <p:ph type="sldImg"/>
+          </p:nvPr>
+        </p:nvSpPr>
+        <p:spPr/>
+      </p:sp>
+      <p:sp>
+        <p:nvSpPr>
+          <p:cNvPr id="3" name="슬라이드 노트 개체 틀 2"/>
+          <p:cNvSpPr>
+            <a:spLocks noGrp="1"/>
+          </p:cNvSpPr>
+          <p:nvPr>
+            <p:ph type="body" idx="1"/>
+          </p:nvPr>
+        </p:nvSpPr>
+        <p:spPr/>
+        <p:txBody>
+          <a:bodyPr>
+            <a:normAutofit/>
+          </a:bodyPr>
+          <a:lstStyle/>
+          <a:p>
+            <a:pPr marL="0" marR="0" indent="0" algn="l" defTabSz="914400" rtl="0" eaLnBrk="1" fontAlgn="auto" latinLnBrk="1" hangingPunct="1">
+              <a:lnSpc>
+                <a:spcPct val="100000"/>
+              </a:lnSpc>
+              <a:spcBef>
+                <a:spcPts val="0"/>
+              </a:spcBef>
+              <a:spcAft>
+                <a:spcPts val="0"/>
+              </a:spcAft>
+              <a:buClrTx/>
+              <a:buSzTx/>
+              <a:buFontTx/>
+              <a:buNone/>
+              <a:tabLst/>
+              <a:defRPr/>
+            </a:pPr>
+            <a:r>
+              <a:rPr lang="en-US" altLang="ko-KR" sz="1200" dirty="0"/>
+              <a:t>http://minheeblog.tistory.com/category/PPT</a:t>
+            </a:r>
+            <a:endParaRPr lang="ko-KR" altLang="en-US" sz="1200" dirty="0"/>
+          </a:p>
+          <a:p>
+            <a:endParaRPr lang="ko-KR" altLang="en-US" dirty="0"/>
+          </a:p>
+        </p:txBody>
+      </p:sp>
+      <p:sp>
+        <p:nvSpPr>
+          <p:cNvPr id="4" name="슬라이드 번호 개체 틀 3"/>
+          <p:cNvSpPr>
+            <a:spLocks noGrp="1"/>
+          </p:cNvSpPr>
+          <p:nvPr>
+            <p:ph type="sldNum" sz="quarter" idx="10"/>
+          </p:nvPr>
+        </p:nvSpPr>
+        <p:spPr/>
+        <p:txBody>
+          <a:bodyPr/>
+          <a:lstStyle/>
+          <a:p>
+            <a:fld id="{04A4E647-5A0F-41E6-A0EF-B58D8C1C6CD4}" type="slidenum">
+              <a:rPr lang="ko-KR" altLang="en-US" smtClean="0"/>
+              <a:pPr/>
+              <a:t>25</a:t>
             </a:fld>
             <a:endParaRPr lang="ko-KR" altLang="en-US"/>
           </a:p>
@@ -8471,6 +8584,11 @@
         </p:txBody>
       </p:sp>
     </p:spTree>
+    <p:extLst>
+      <p:ext uri="{BB962C8B-B14F-4D97-AF65-F5344CB8AC3E}">
+        <p14:creationId xmlns:p14="http://schemas.microsoft.com/office/powerpoint/2010/main" val="2294298829"/>
+      </p:ext>
+    </p:extLst>
   </p:cSld>
   <p:clrMapOvr>
     <a:masterClrMapping/>
@@ -8577,11 +8695,6 @@
         </p:txBody>
       </p:sp>
     </p:spTree>
-    <p:extLst>
-      <p:ext uri="{BB962C8B-B14F-4D97-AF65-F5344CB8AC3E}">
-        <p14:creationId xmlns:p14="http://schemas.microsoft.com/office/powerpoint/2010/main" val="2294298829"/>
-      </p:ext>
-    </p:extLst>
   </p:cSld>
   <p:clrMapOvr>
     <a:masterClrMapping/>
@@ -8678,16 +8791,80 @@
           <a:bodyPr/>
           <a:lstStyle/>
           <a:p>
+            <a:pPr marL="0" marR="0" lvl="0" indent="0" algn="r" defTabSz="914400" rtl="0" eaLnBrk="1" fontAlgn="auto" latinLnBrk="1" hangingPunct="1">
+              <a:lnSpc>
+                <a:spcPct val="100000"/>
+              </a:lnSpc>
+              <a:spcBef>
+                <a:spcPts val="0"/>
+              </a:spcBef>
+              <a:spcAft>
+                <a:spcPts val="0"/>
+              </a:spcAft>
+              <a:buClrTx/>
+              <a:buSzTx/>
+              <a:buFontTx/>
+              <a:buNone/>
+              <a:tabLst/>
+              <a:defRPr/>
+            </a:pPr>
             <a:fld id="{04A4E647-5A0F-41E6-A0EF-B58D8C1C6CD4}" type="slidenum">
-              <a:rPr lang="ko-KR" altLang="en-US" smtClean="0"/>
-              <a:pPr/>
+              <a:rPr kumimoji="0" lang="ko-KR" altLang="en-US" sz="1200" b="0" i="0" u="none" strike="noStrike" kern="1200" cap="none" spc="0" normalizeH="0" baseline="0" noProof="0" smtClean="0">
+                <a:ln>
+                  <a:noFill/>
+                </a:ln>
+                <a:solidFill>
+                  <a:prstClr val="black"/>
+                </a:solidFill>
+                <a:effectLst/>
+                <a:uLnTx/>
+                <a:uFillTx/>
+                <a:latin typeface="맑은 고딕"/>
+                <a:ea typeface="맑은 고딕" panose="020B0503020000020004" pitchFamily="34" charset="-127"/>
+                <a:cs typeface="+mn-cs"/>
+              </a:rPr>
+              <a:pPr marL="0" marR="0" lvl="0" indent="0" algn="r" defTabSz="914400" rtl="0" eaLnBrk="1" fontAlgn="auto" latinLnBrk="1" hangingPunct="1">
+                <a:lnSpc>
+                  <a:spcPct val="100000"/>
+                </a:lnSpc>
+                <a:spcBef>
+                  <a:spcPts val="0"/>
+                </a:spcBef>
+                <a:spcAft>
+                  <a:spcPts val="0"/>
+                </a:spcAft>
+                <a:buClrTx/>
+                <a:buSzTx/>
+                <a:buFontTx/>
+                <a:buNone/>
+                <a:tabLst/>
+                <a:defRPr/>
+              </a:pPr>
               <a:t>5</a:t>
             </a:fld>
-            <a:endParaRPr lang="ko-KR" altLang="en-US"/>
+            <a:endParaRPr kumimoji="0" lang="ko-KR" altLang="en-US" sz="1200" b="0" i="0" u="none" strike="noStrike" kern="1200" cap="none" spc="0" normalizeH="0" baseline="0" noProof="0">
+              <a:ln>
+                <a:noFill/>
+              </a:ln>
+              <a:solidFill>
+                <a:prstClr val="black"/>
+              </a:solidFill>
+              <a:effectLst/>
+              <a:uLnTx/>
+              <a:uFillTx/>
+              <a:latin typeface="맑은 고딕"/>
+              <a:ea typeface="맑은 고딕" panose="020B0503020000020004" pitchFamily="34" charset="-127"/>
+              <a:cs typeface="+mn-cs"/>
+            </a:endParaRPr>
           </a:p>
         </p:txBody>
       </p:sp>
     </p:spTree>
+    <p:extLst>
+      <p:ext uri="{BB962C8B-B14F-4D97-AF65-F5344CB8AC3E}">
+        <p14:creationId xmlns:p14="http://schemas.microsoft.com/office/powerpoint/2010/main" val="3186697162"/>
+      </p:ext>
+    </p:extLst>
   </p:cSld>
   <p:clrMapOvr>
     <a:masterClrMapping/>
@@ -8855,7 +9032,7 @@
     </p:spTree>
     <p:extLst>
       <p:ext uri="{BB962C8B-B14F-4D97-AF65-F5344CB8AC3E}">
-        <p14:creationId xmlns:p14="http://schemas.microsoft.com/office/powerpoint/2010/main" val="3186697162"/>
+        <p14:creationId xmlns:p14="http://schemas.microsoft.com/office/powerpoint/2010/main" val="4108848025"/>
       </p:ext>
     </p:extLst>
   </p:cSld>
@@ -8954,80 +9131,16 @@
           <a:bodyPr/>
           <a:lstStyle/>
           <a:p>
-            <a:pPr marL="0" marR="0" lvl="0" indent="0" algn="r" defTabSz="914400" rtl="0" eaLnBrk="1" fontAlgn="auto" latinLnBrk="1" hangingPunct="1">
-              <a:lnSpc>
-                <a:spcPct val="100000"/>
-              </a:lnSpc>
-              <a:spcBef>
-                <a:spcPts val="0"/>
-              </a:spcBef>
-              <a:spcAft>
-                <a:spcPts val="0"/>
-              </a:spcAft>
-              <a:buClrTx/>
-              <a:buSzTx/>
-              <a:buFontTx/>
-              <a:buNone/>
-              <a:tabLst/>
-              <a:defRPr/>
-            </a:pPr>
             <a:fld id="{04A4E647-5A0F-41E6-A0EF-B58D8C1C6CD4}" type="slidenum">
-              <a:rPr kumimoji="0" lang="ko-KR" altLang="en-US" sz="1200" b="0" i="0" u="none" strike="noStrike" kern="1200" cap="none" spc="0" normalizeH="0" baseline="0" noProof="0" smtClean="0">
-                <a:ln>
-                  <a:noFill/>
-                </a:ln>
-                <a:solidFill>
-                  <a:prstClr val="black"/>
-                </a:solidFill>
-                <a:effectLst/>
-                <a:uLnTx/>
-                <a:uFillTx/>
-                <a:latin typeface="맑은 고딕"/>
-                <a:ea typeface="맑은 고딕" panose="020B0503020000020004" pitchFamily="34" charset="-127"/>
-                <a:cs typeface="+mn-cs"/>
-              </a:rPr>
-              <a:pPr marL="0" marR="0" lvl="0" indent="0" algn="r" defTabSz="914400" rtl="0" eaLnBrk="1" fontAlgn="auto" latinLnBrk="1" hangingPunct="1">
-                <a:lnSpc>
-                  <a:spcPct val="100000"/>
-                </a:lnSpc>
-                <a:spcBef>
-                  <a:spcPts val="0"/>
-                </a:spcBef>
-                <a:spcAft>
-                  <a:spcPts val="0"/>
-                </a:spcAft>
-                <a:buClrTx/>
-                <a:buSzTx/>
-                <a:buFontTx/>
-                <a:buNone/>
-                <a:tabLst/>
-                <a:defRPr/>
-              </a:pPr>
+              <a:rPr lang="ko-KR" altLang="en-US" smtClean="0"/>
+              <a:pPr/>
               <a:t>7</a:t>
             </a:fld>
-            <a:endParaRPr kumimoji="0" lang="ko-KR" altLang="en-US" sz="1200" b="0" i="0" u="none" strike="noStrike" kern="1200" cap="none" spc="0" normalizeH="0" baseline="0" noProof="0">
-              <a:ln>
-                <a:noFill/>
-              </a:ln>
-              <a:solidFill>
-                <a:prstClr val="black"/>
-              </a:solidFill>
-              <a:effectLst/>
-              <a:uLnTx/>
-              <a:uFillTx/>
-              <a:latin typeface="맑은 고딕"/>
-              <a:ea typeface="맑은 고딕" panose="020B0503020000020004" pitchFamily="34" charset="-127"/>
-              <a:cs typeface="+mn-cs"/>
-            </a:endParaRPr>
+            <a:endParaRPr lang="ko-KR" altLang="en-US"/>
           </a:p>
         </p:txBody>
       </p:sp>
     </p:spTree>
-    <p:extLst>
-      <p:ext uri="{BB962C8B-B14F-4D97-AF65-F5344CB8AC3E}">
-        <p14:creationId xmlns:p14="http://schemas.microsoft.com/office/powerpoint/2010/main" val="4108848025"/>
-      </p:ext>
-    </p:extLst>
   </p:cSld>
   <p:clrMapOvr>
     <a:masterClrMapping/>
@@ -9437,7 +9550,7 @@
             <a:fld id="{A22FE722-38C7-4231-8BB5-7A27D4E5977D}" type="datetimeFigureOut">
               <a:rPr lang="ko-KR" altLang="en-US" smtClean="0"/>
               <a:pPr/>
-              <a:t>2019-11-30</a:t>
+              <a:t>2019-12-01</a:t>
             </a:fld>
             <a:endParaRPr lang="ko-KR" altLang="en-US"/>
           </a:p>
@@ -9602,7 +9715,7 @@
             <a:fld id="{A22FE722-38C7-4231-8BB5-7A27D4E5977D}" type="datetimeFigureOut">
               <a:rPr lang="ko-KR" altLang="en-US" smtClean="0"/>
               <a:pPr/>
-              <a:t>2019-11-30</a:t>
+              <a:t>2019-12-01</a:t>
             </a:fld>
             <a:endParaRPr lang="ko-KR" altLang="en-US"/>
           </a:p>
@@ -9777,7 +9890,7 @@
             <a:fld id="{A22FE722-38C7-4231-8BB5-7A27D4E5977D}" type="datetimeFigureOut">
               <a:rPr lang="ko-KR" altLang="en-US" smtClean="0"/>
               <a:pPr/>
-              <a:t>2019-11-30</a:t>
+              <a:t>2019-12-01</a:t>
             </a:fld>
             <a:endParaRPr lang="ko-KR" altLang="en-US"/>
           </a:p>
@@ -9942,7 +10055,7 @@
             <a:fld id="{A22FE722-38C7-4231-8BB5-7A27D4E5977D}" type="datetimeFigureOut">
               <a:rPr lang="ko-KR" altLang="en-US" smtClean="0"/>
               <a:pPr/>
-              <a:t>2019-11-30</a:t>
+              <a:t>2019-12-01</a:t>
             </a:fld>
             <a:endParaRPr lang="ko-KR" altLang="en-US"/>
           </a:p>
@@ -10184,7 +10297,7 @@
             <a:fld id="{A22FE722-38C7-4231-8BB5-7A27D4E5977D}" type="datetimeFigureOut">
               <a:rPr lang="ko-KR" altLang="en-US" smtClean="0"/>
               <a:pPr/>
-              <a:t>2019-11-30</a:t>
+              <a:t>2019-12-01</a:t>
             </a:fld>
             <a:endParaRPr lang="ko-KR" altLang="en-US"/>
           </a:p>
@@ -10466,7 +10579,7 @@
             <a:fld id="{A22FE722-38C7-4231-8BB5-7A27D4E5977D}" type="datetimeFigureOut">
               <a:rPr lang="ko-KR" altLang="en-US" smtClean="0"/>
               <a:pPr/>
-              <a:t>2019-11-30</a:t>
+              <a:t>2019-12-01</a:t>
             </a:fld>
             <a:endParaRPr lang="ko-KR" altLang="en-US"/>
           </a:p>
@@ -10882,7 +10995,7 @@
             <a:fld id="{A22FE722-38C7-4231-8BB5-7A27D4E5977D}" type="datetimeFigureOut">
               <a:rPr lang="ko-KR" altLang="en-US" smtClean="0"/>
               <a:pPr/>
-              <a:t>2019-11-30</a:t>
+              <a:t>2019-12-01</a:t>
             </a:fld>
             <a:endParaRPr lang="ko-KR" altLang="en-US"/>
           </a:p>
@@ -10996,7 +11109,7 @@
             <a:fld id="{A22FE722-38C7-4231-8BB5-7A27D4E5977D}" type="datetimeFigureOut">
               <a:rPr lang="ko-KR" altLang="en-US" smtClean="0"/>
               <a:pPr/>
-              <a:t>2019-11-30</a:t>
+              <a:t>2019-12-01</a:t>
             </a:fld>
             <a:endParaRPr lang="ko-KR" altLang="en-US"/>
           </a:p>
@@ -11088,7 +11201,7 @@
             <a:fld id="{A22FE722-38C7-4231-8BB5-7A27D4E5977D}" type="datetimeFigureOut">
               <a:rPr lang="ko-KR" altLang="en-US" smtClean="0"/>
               <a:pPr/>
-              <a:t>2019-11-30</a:t>
+              <a:t>2019-12-01</a:t>
             </a:fld>
             <a:endParaRPr lang="ko-KR" altLang="en-US"/>
           </a:p>
@@ -11360,7 +11473,7 @@
             <a:fld id="{A22FE722-38C7-4231-8BB5-7A27D4E5977D}" type="datetimeFigureOut">
               <a:rPr lang="ko-KR" altLang="en-US" smtClean="0"/>
               <a:pPr/>
-              <a:t>2019-11-30</a:t>
+              <a:t>2019-12-01</a:t>
             </a:fld>
             <a:endParaRPr lang="ko-KR" altLang="en-US"/>
           </a:p>
@@ -11609,7 +11722,7 @@
             <a:fld id="{A22FE722-38C7-4231-8BB5-7A27D4E5977D}" type="datetimeFigureOut">
               <a:rPr lang="ko-KR" altLang="en-US" smtClean="0"/>
               <a:pPr/>
-              <a:t>2019-11-30</a:t>
+              <a:t>2019-12-01</a:t>
             </a:fld>
             <a:endParaRPr lang="ko-KR" altLang="en-US"/>
           </a:p>
@@ -11817,7 +11930,7 @@
             <a:fld id="{A22FE722-38C7-4231-8BB5-7A27D4E5977D}" type="datetimeFigureOut">
               <a:rPr lang="ko-KR" altLang="en-US" smtClean="0"/>
               <a:pPr/>
-              <a:t>2019-11-30</a:t>
+              <a:t>2019-12-01</a:t>
             </a:fld>
             <a:endParaRPr lang="ko-KR" altLang="en-US"/>
           </a:p>
@@ -12516,6 +12629,42 @@
           </a:fontRef>
         </p:style>
       </p:cxnSp>
+      <p:pic>
+        <p:nvPicPr>
+          <p:cNvPr id="9" name="그림 8">
+            <a:extLst>
+              <a:ext uri="{FF2B5EF4-FFF2-40B4-BE49-F238E27FC236}">
+                <a16:creationId xmlns:a16="http://schemas.microsoft.com/office/drawing/2014/main" id="{E2958BB5-50C3-459A-8AE5-BFC92AA22516}"/>
+              </a:ext>
+            </a:extLst>
+          </p:cNvPr>
+          <p:cNvPicPr>
+            <a:picLocks noChangeAspect="1"/>
+          </p:cNvPicPr>
+          <p:nvPr/>
+        </p:nvPicPr>
+        <p:blipFill>
+          <a:blip r:embed="rId3">
+            <a:extLst>
+              <a:ext uri="{28A0092B-C50C-407E-A947-70E740481C1C}">
+                <a14:useLocalDpi xmlns:a14="http://schemas.microsoft.com/office/drawing/2010/main" val="0"/>
+              </a:ext>
+            </a:extLst>
+          </a:blip>
+          <a:stretch>
+            <a:fillRect/>
+          </a:stretch>
+        </p:blipFill>
+        <p:spPr>
+          <a:xfrm>
+            <a:off x="3502057" y="320276"/>
+            <a:ext cx="2150063" cy="2150063"/>
+          </a:xfrm>
+          <a:prstGeom prst="rect">
+            <a:avLst/>
+          </a:prstGeom>
+        </p:spPr>
+      </p:pic>
     </p:spTree>
   </p:cSld>
   <p:clrMapOvr>
@@ -13398,6 +13547,126 @@
           </a:p>
         </p:txBody>
       </p:sp>
+      <p:pic>
+        <p:nvPicPr>
+          <p:cNvPr id="2" name="그림 1">
+            <a:extLst>
+              <a:ext uri="{FF2B5EF4-FFF2-40B4-BE49-F238E27FC236}">
+                <a16:creationId xmlns:a16="http://schemas.microsoft.com/office/drawing/2014/main" id="{7AAF7599-8921-4C08-82F8-5E1154C57076}"/>
+              </a:ext>
+            </a:extLst>
+          </p:cNvPr>
+          <p:cNvPicPr>
+            <a:picLocks noChangeAspect="1"/>
+          </p:cNvPicPr>
+          <p:nvPr/>
+        </p:nvPicPr>
+        <p:blipFill>
+          <a:blip r:embed="rId3"/>
+          <a:stretch>
+            <a:fillRect/>
+          </a:stretch>
+        </p:blipFill>
+        <p:spPr>
+          <a:xfrm>
+            <a:off x="827584" y="2482744"/>
+            <a:ext cx="1757363" cy="3124200"/>
+          </a:xfrm>
+          <a:prstGeom prst="rect">
+            <a:avLst/>
+          </a:prstGeom>
+        </p:spPr>
+      </p:pic>
+      <p:pic>
+        <p:nvPicPr>
+          <p:cNvPr id="4" name="그림 3">
+            <a:extLst>
+              <a:ext uri="{FF2B5EF4-FFF2-40B4-BE49-F238E27FC236}">
+                <a16:creationId xmlns:a16="http://schemas.microsoft.com/office/drawing/2014/main" id="{8EBC21B7-3357-4A62-9EA3-F2AE38BABA69}"/>
+              </a:ext>
+            </a:extLst>
+          </p:cNvPr>
+          <p:cNvPicPr>
+            <a:picLocks noChangeAspect="1"/>
+          </p:cNvPicPr>
+          <p:nvPr/>
+        </p:nvPicPr>
+        <p:blipFill>
+          <a:blip r:embed="rId4"/>
+          <a:stretch>
+            <a:fillRect/>
+          </a:stretch>
+        </p:blipFill>
+        <p:spPr>
+          <a:xfrm>
+            <a:off x="2604671" y="2482744"/>
+            <a:ext cx="1757363" cy="3124200"/>
+          </a:xfrm>
+          <a:prstGeom prst="rect">
+            <a:avLst/>
+          </a:prstGeom>
+        </p:spPr>
+      </p:pic>
+      <p:pic>
+        <p:nvPicPr>
+          <p:cNvPr id="5" name="그림 4">
+            <a:extLst>
+              <a:ext uri="{FF2B5EF4-FFF2-40B4-BE49-F238E27FC236}">
+                <a16:creationId xmlns:a16="http://schemas.microsoft.com/office/drawing/2014/main" id="{8A7FAF8B-AC50-437C-8B05-09CFD38C75E7}"/>
+              </a:ext>
+            </a:extLst>
+          </p:cNvPr>
+          <p:cNvPicPr>
+            <a:picLocks noChangeAspect="1"/>
+          </p:cNvPicPr>
+          <p:nvPr/>
+        </p:nvPicPr>
+        <p:blipFill>
+          <a:blip r:embed="rId5"/>
+          <a:stretch>
+            <a:fillRect/>
+          </a:stretch>
+        </p:blipFill>
+        <p:spPr>
+          <a:xfrm>
+            <a:off x="4381758" y="2482744"/>
+            <a:ext cx="1757363" cy="3124201"/>
+          </a:xfrm>
+          <a:prstGeom prst="rect">
+            <a:avLst/>
+          </a:prstGeom>
+        </p:spPr>
+      </p:pic>
+      <p:pic>
+        <p:nvPicPr>
+          <p:cNvPr id="7" name="그림 6">
+            <a:extLst>
+              <a:ext uri="{FF2B5EF4-FFF2-40B4-BE49-F238E27FC236}">
+                <a16:creationId xmlns:a16="http://schemas.microsoft.com/office/drawing/2014/main" id="{7DA1946D-5A00-4AFC-8D27-1A9F10C77F44}"/>
+              </a:ext>
+            </a:extLst>
+          </p:cNvPr>
+          <p:cNvPicPr>
+            <a:picLocks noChangeAspect="1"/>
+          </p:cNvPicPr>
+          <p:nvPr/>
+        </p:nvPicPr>
+        <p:blipFill>
+          <a:blip r:embed="rId6"/>
+          <a:stretch>
+            <a:fillRect/>
+          </a:stretch>
+        </p:blipFill>
+        <p:spPr>
+          <a:xfrm>
+            <a:off x="6174178" y="2489454"/>
+            <a:ext cx="1757364" cy="3124203"/>
+          </a:xfrm>
+          <a:prstGeom prst="rect">
+            <a:avLst/>
+          </a:prstGeom>
+        </p:spPr>
+      </p:pic>
     </p:spTree>
     <p:extLst>
       <p:ext uri="{BB962C8B-B14F-4D97-AF65-F5344CB8AC3E}">
@@ -13633,7 +13902,7 @@
         <p:spPr>
           <a:xfrm>
             <a:off x="936668" y="1709538"/>
-            <a:ext cx="1980220" cy="506357"/>
+            <a:ext cx="6587660" cy="506357"/>
           </a:xfrm>
           <a:prstGeom prst="rect">
             <a:avLst/>
@@ -13652,8 +13921,16 @@
               </a:lnSpc>
             </a:pPr>
             <a:r>
-              <a:rPr lang="en-US" altLang="ko-KR" sz="1600" b="1" dirty="0" err="1"/>
-              <a:t>NormalService.kt</a:t>
+              <a:rPr lang="en-US" altLang="ko-KR" sz="1600" dirty="0" err="1"/>
+              <a:t>FirebaseRealtimeDatabase</a:t>
+            </a:r>
+            <a:r>
+              <a:rPr lang="en-US" altLang="ko-KR" sz="1600" dirty="0"/>
+              <a:t> &amp; </a:t>
+            </a:r>
+            <a:r>
+              <a:rPr lang="en-US" altLang="ko-KR" sz="1600" dirty="0" err="1"/>
+              <a:t>FirebaseStorage</a:t>
             </a:r>
             <a:endParaRPr lang="ko-KR" altLang="en-US" sz="1600" dirty="0"/>
           </a:p>
@@ -13758,6 +14035,138 @@
                 </a:schemeClr>
               </a:solidFill>
             </a:endParaRPr>
+          </a:p>
+        </p:txBody>
+      </p:sp>
+      <p:pic>
+        <p:nvPicPr>
+          <p:cNvPr id="2" name="그림 1">
+            <a:extLst>
+              <a:ext uri="{FF2B5EF4-FFF2-40B4-BE49-F238E27FC236}">
+                <a16:creationId xmlns:a16="http://schemas.microsoft.com/office/drawing/2014/main" id="{AB9FE9E9-4437-49C2-9E31-DC496ACACFA7}"/>
+              </a:ext>
+            </a:extLst>
+          </p:cNvPr>
+          <p:cNvPicPr>
+            <a:picLocks noChangeAspect="1"/>
+          </p:cNvPicPr>
+          <p:nvPr/>
+        </p:nvPicPr>
+        <p:blipFill>
+          <a:blip r:embed="rId3"/>
+          <a:stretch>
+            <a:fillRect/>
+          </a:stretch>
+        </p:blipFill>
+        <p:spPr>
+          <a:xfrm>
+            <a:off x="539552" y="2444406"/>
+            <a:ext cx="4162313" cy="2536054"/>
+          </a:xfrm>
+          <a:prstGeom prst="rect">
+            <a:avLst/>
+          </a:prstGeom>
+        </p:spPr>
+      </p:pic>
+      <p:pic>
+        <p:nvPicPr>
+          <p:cNvPr id="4" name="그림 3">
+            <a:extLst>
+              <a:ext uri="{FF2B5EF4-FFF2-40B4-BE49-F238E27FC236}">
+                <a16:creationId xmlns:a16="http://schemas.microsoft.com/office/drawing/2014/main" id="{C1F9E423-35DF-4751-B46F-F459F8145CF3}"/>
+              </a:ext>
+            </a:extLst>
+          </p:cNvPr>
+          <p:cNvPicPr>
+            <a:picLocks noChangeAspect="1"/>
+          </p:cNvPicPr>
+          <p:nvPr/>
+        </p:nvPicPr>
+        <p:blipFill>
+          <a:blip r:embed="rId4"/>
+          <a:stretch>
+            <a:fillRect/>
+          </a:stretch>
+        </p:blipFill>
+        <p:spPr>
+          <a:xfrm>
+            <a:off x="4230497" y="2441878"/>
+            <a:ext cx="4162313" cy="2536054"/>
+          </a:xfrm>
+          <a:prstGeom prst="rect">
+            <a:avLst/>
+          </a:prstGeom>
+        </p:spPr>
+      </p:pic>
+      <p:sp>
+        <p:nvSpPr>
+          <p:cNvPr id="5" name="TextBox 4">
+            <a:extLst>
+              <a:ext uri="{FF2B5EF4-FFF2-40B4-BE49-F238E27FC236}">
+                <a16:creationId xmlns:a16="http://schemas.microsoft.com/office/drawing/2014/main" id="{4E86353F-467D-469F-B2FF-E8371816D3F7}"/>
+              </a:ext>
+            </a:extLst>
+          </p:cNvPr>
+          <p:cNvSpPr txBox="1"/>
+          <p:nvPr/>
+        </p:nvSpPr>
+        <p:spPr>
+          <a:xfrm>
+            <a:off x="1896847" y="5024305"/>
+            <a:ext cx="2088232" cy="369332"/>
+          </a:xfrm>
+          <a:prstGeom prst="rect">
+            <a:avLst/>
+          </a:prstGeom>
+          <a:noFill/>
+        </p:spPr>
+        <p:txBody>
+          <a:bodyPr wrap="square" rtlCol="0">
+            <a:spAutoFit/>
+          </a:bodyPr>
+          <a:lstStyle/>
+          <a:p>
+            <a:r>
+              <a:rPr lang="en-US" altLang="ko-KR" dirty="0"/>
+              <a:t>Database</a:t>
+            </a:r>
+            <a:endParaRPr lang="ko-KR" altLang="en-US" dirty="0"/>
+          </a:p>
+        </p:txBody>
+      </p:sp>
+      <p:sp>
+        <p:nvSpPr>
+          <p:cNvPr id="12" name="TextBox 11">
+            <a:extLst>
+              <a:ext uri="{FF2B5EF4-FFF2-40B4-BE49-F238E27FC236}">
+                <a16:creationId xmlns:a16="http://schemas.microsoft.com/office/drawing/2014/main" id="{56AB6F85-5FA8-4DE4-B7A4-3A56DCD85BD9}"/>
+              </a:ext>
+            </a:extLst>
+          </p:cNvPr>
+          <p:cNvSpPr txBox="1"/>
+          <p:nvPr/>
+        </p:nvSpPr>
+        <p:spPr>
+          <a:xfrm>
+            <a:off x="6012160" y="4993552"/>
+            <a:ext cx="2088232" cy="369332"/>
+          </a:xfrm>
+          <a:prstGeom prst="rect">
+            <a:avLst/>
+          </a:prstGeom>
+          <a:noFill/>
+        </p:spPr>
+        <p:txBody>
+          <a:bodyPr wrap="square" rtlCol="0">
+            <a:spAutoFit/>
+          </a:bodyPr>
+          <a:lstStyle/>
+          <a:p>
+            <a:r>
+              <a:rPr lang="en-US" altLang="ko-KR" dirty="0"/>
+              <a:t>Storage</a:t>
+            </a:r>
+            <a:endParaRPr lang="ko-KR" altLang="en-US" dirty="0"/>
           </a:p>
         </p:txBody>
       </p:sp>
@@ -14204,16 +14613,6 @@
 <file path=ppt/slides/slide15.xml><?xml version="1.0" encoding="utf-8"?>
 <p:sld xmlns:a="http://schemas.openxmlformats.org/drawingml/2006/main" xmlns:r="http://schemas.openxmlformats.org/officeDocument/2006/relationships" xmlns:p="http://schemas.openxmlformats.org/presentationml/2006/main">
   <p:cSld>
-    <p:bg>
-      <p:bgPr>
-        <a:solidFill>
-          <a:schemeClr val="tx2">
-            <a:lumMod val="75000"/>
-          </a:schemeClr>
-        </a:solidFill>
-        <a:effectLst/>
-      </p:bgPr>
-    </p:bg>
     <p:spTree>
       <p:nvGrpSpPr>
         <p:cNvPr id="1" name=""/>
@@ -14236,8 +14635,8 @@
         </p:nvSpPr>
         <p:spPr>
           <a:xfrm>
-            <a:off x="251520" y="620688"/>
-            <a:ext cx="8640960" cy="5976664"/>
+            <a:off x="287524" y="3280989"/>
+            <a:ext cx="8640960" cy="3528392"/>
           </a:xfrm>
           <a:prstGeom prst="rect">
             <a:avLst/>
@@ -14276,29 +14675,25 @@
       </p:sp>
       <p:sp>
         <p:nvSpPr>
-          <p:cNvPr id="16" name="직사각형 15"/>
+          <p:cNvPr id="3" name="타원 2"/>
           <p:cNvSpPr/>
           <p:nvPr/>
         </p:nvSpPr>
         <p:spPr>
           <a:xfrm>
-            <a:off x="971600" y="2942942"/>
-            <a:ext cx="7200800" cy="1494170"/>
-          </a:xfrm>
-          <a:prstGeom prst="rect">
+            <a:off x="2627784" y="1370244"/>
+            <a:ext cx="3858956" cy="3858956"/>
+          </a:xfrm>
+          <a:prstGeom prst="ellipse">
             <a:avLst/>
           </a:prstGeom>
           <a:solidFill>
-            <a:schemeClr val="bg1">
-              <a:lumMod val="95000"/>
+            <a:schemeClr val="tx2">
+              <a:lumMod val="75000"/>
             </a:schemeClr>
           </a:solidFill>
           <a:ln>
-            <a:solidFill>
-              <a:schemeClr val="bg1">
-                <a:lumMod val="50000"/>
-              </a:schemeClr>
-            </a:solidFill>
+            <a:noFill/>
           </a:ln>
         </p:spPr>
         <p:style>
@@ -14328,101 +14723,6 @@
       </p:sp>
       <p:sp>
         <p:nvSpPr>
-          <p:cNvPr id="15" name="TextBox 14"/>
-          <p:cNvSpPr txBox="1"/>
-          <p:nvPr/>
-        </p:nvSpPr>
-        <p:spPr>
-          <a:xfrm>
-            <a:off x="971600" y="1196752"/>
-            <a:ext cx="7200800" cy="1015663"/>
-          </a:xfrm>
-          <a:prstGeom prst="rect">
-            <a:avLst/>
-          </a:prstGeom>
-          <a:noFill/>
-        </p:spPr>
-        <p:txBody>
-          <a:bodyPr wrap="square" rtlCol="0">
-            <a:spAutoFit/>
-          </a:bodyPr>
-          <a:lstStyle/>
-          <a:p>
-            <a:pPr algn="ctr"/>
-            <a:r>
-              <a:rPr lang="en-US" altLang="ko-KR" sz="6000" dirty="0">
-                <a:solidFill>
-                  <a:schemeClr val="bg1">
-                    <a:lumMod val="75000"/>
-                  </a:schemeClr>
-                </a:solidFill>
-                <a:latin typeface="HY헤드라인M" pitchFamily="18" charset="-127"/>
-                <a:ea typeface="HY헤드라인M" pitchFamily="18" charset="-127"/>
-              </a:rPr>
-              <a:t>“           ”</a:t>
-            </a:r>
-            <a:endParaRPr lang="ko-KR" altLang="en-US" sz="6000" dirty="0">
-              <a:solidFill>
-                <a:schemeClr val="bg1">
-                  <a:lumMod val="75000"/>
-                </a:schemeClr>
-              </a:solidFill>
-              <a:latin typeface="HY헤드라인M" pitchFamily="18" charset="-127"/>
-              <a:ea typeface="HY헤드라인M" pitchFamily="18" charset="-127"/>
-            </a:endParaRPr>
-          </a:p>
-        </p:txBody>
-      </p:sp>
-      <p:sp>
-        <p:nvSpPr>
-          <p:cNvPr id="3" name="타원 2"/>
-          <p:cNvSpPr/>
-          <p:nvPr/>
-        </p:nvSpPr>
-        <p:spPr>
-          <a:xfrm>
-            <a:off x="4067944" y="74100"/>
-            <a:ext cx="936104" cy="936104"/>
-          </a:xfrm>
-          <a:prstGeom prst="ellipse">
-            <a:avLst/>
-          </a:prstGeom>
-          <a:solidFill>
-            <a:schemeClr val="tx2">
-              <a:lumMod val="75000"/>
-            </a:schemeClr>
-          </a:solidFill>
-          <a:ln>
-            <a:noFill/>
-          </a:ln>
-        </p:spPr>
-        <p:style>
-          <a:lnRef idx="2">
-            <a:schemeClr val="accent1">
-              <a:shade val="50000"/>
-            </a:schemeClr>
-          </a:lnRef>
-          <a:fillRef idx="1">
-            <a:schemeClr val="accent1"/>
-          </a:fillRef>
-          <a:effectRef idx="0">
-            <a:schemeClr val="accent1"/>
-          </a:effectRef>
-          <a:fontRef idx="minor">
-            <a:schemeClr val="lt1"/>
-          </a:fontRef>
-        </p:style>
-        <p:txBody>
-          <a:bodyPr rtlCol="0" anchor="ctr"/>
-          <a:lstStyle/>
-          <a:p>
-            <a:pPr algn="ctr"/>
-            <a:endParaRPr lang="ko-KR" altLang="en-US"/>
-          </a:p>
-        </p:txBody>
-      </p:sp>
-      <p:sp>
-        <p:nvSpPr>
           <p:cNvPr id="4" name="TextBox 3"/>
           <p:cNvSpPr txBox="1"/>
           <p:nvPr/>
@@ -14457,14 +14757,14 @@
       </p:sp>
       <p:sp>
         <p:nvSpPr>
-          <p:cNvPr id="6" name="TextBox 5"/>
+          <p:cNvPr id="7" name="TextBox 6"/>
           <p:cNvSpPr txBox="1"/>
           <p:nvPr/>
         </p:nvSpPr>
         <p:spPr>
           <a:xfrm>
-            <a:off x="7164288" y="6546830"/>
-            <a:ext cx="1728192" cy="338554"/>
+            <a:off x="2699792" y="2564904"/>
+            <a:ext cx="3816424" cy="1754326"/>
           </a:xfrm>
           <a:prstGeom prst="rect">
             <a:avLst/>
@@ -14477,644 +14777,40 @@
           </a:bodyPr>
           <a:lstStyle/>
           <a:p>
-            <a:pPr algn="r"/>
-            <a:r>
-              <a:rPr lang="en-US" altLang="ko-KR" sz="1600" dirty="0">
-                <a:solidFill>
-                  <a:schemeClr val="bg1">
-                    <a:lumMod val="75000"/>
-                  </a:schemeClr>
-                </a:solidFill>
-              </a:rPr>
-              <a:t>MINHEEBLOG</a:t>
-            </a:r>
-            <a:endParaRPr lang="ko-KR" altLang="en-US" sz="1600" dirty="0">
-              <a:solidFill>
-                <a:schemeClr val="bg1">
-                  <a:lumMod val="75000"/>
-                </a:schemeClr>
-              </a:solidFill>
-            </a:endParaRPr>
-          </a:p>
-        </p:txBody>
-      </p:sp>
-      <p:sp>
-        <p:nvSpPr>
-          <p:cNvPr id="9" name="TextBox 8"/>
-          <p:cNvSpPr txBox="1"/>
-          <p:nvPr/>
-        </p:nvSpPr>
-        <p:spPr>
-          <a:xfrm>
-            <a:off x="3995936" y="479095"/>
-            <a:ext cx="1080120" cy="461665"/>
-          </a:xfrm>
-          <a:prstGeom prst="rect">
-            <a:avLst/>
-          </a:prstGeom>
-          <a:noFill/>
-        </p:spPr>
-        <p:txBody>
-          <a:bodyPr wrap="square" rtlCol="0">
-            <a:spAutoFit/>
-          </a:bodyPr>
-          <a:lstStyle/>
-          <a:p>
             <a:pPr algn="ctr"/>
             <a:r>
-              <a:rPr lang="en-US" altLang="ko-KR" sz="2400" dirty="0">
-                <a:solidFill>
-                  <a:schemeClr val="bg1"/>
-                </a:solidFill>
-                <a:latin typeface="HY헤드라인M" pitchFamily="18" charset="-127"/>
-                <a:ea typeface="HY헤드라인M" pitchFamily="18" charset="-127"/>
-              </a:rPr>
-              <a:t>01</a:t>
-            </a:r>
-            <a:endParaRPr lang="ko-KR" altLang="en-US" sz="2400" dirty="0">
-              <a:solidFill>
-                <a:schemeClr val="bg1"/>
-              </a:solidFill>
-              <a:latin typeface="HY헤드라인M" pitchFamily="18" charset="-127"/>
-              <a:ea typeface="HY헤드라인M" pitchFamily="18" charset="-127"/>
-            </a:endParaRPr>
-          </a:p>
-        </p:txBody>
-      </p:sp>
-      <p:sp>
-        <p:nvSpPr>
-          <p:cNvPr id="10" name="TextBox 9"/>
-          <p:cNvSpPr txBox="1"/>
-          <p:nvPr/>
-        </p:nvSpPr>
-        <p:spPr>
-          <a:xfrm>
-            <a:off x="1331640" y="3356992"/>
-            <a:ext cx="6624736" cy="523220"/>
-          </a:xfrm>
-          <a:prstGeom prst="rect">
-            <a:avLst/>
-          </a:prstGeom>
-          <a:noFill/>
-        </p:spPr>
-        <p:txBody>
-          <a:bodyPr wrap="square" rtlCol="0">
-            <a:spAutoFit/>
-          </a:bodyPr>
-          <a:lstStyle/>
-          <a:p>
-            <a:pPr algn="ctr"/>
-            <a:r>
-              <a:rPr lang="ko-KR" altLang="en-US" sz="1400" dirty="0"/>
-              <a:t>내용을 입력하세요</a:t>
-            </a:r>
-            <a:endParaRPr lang="en-US" altLang="ko-KR" sz="1400" dirty="0"/>
-          </a:p>
-          <a:p>
-            <a:pPr algn="ctr"/>
-            <a:r>
-              <a:rPr lang="en-US" altLang="ko-KR" sz="1400" dirty="0"/>
-              <a:t>http://minheeblog.tistory.com/category/PPT</a:t>
-            </a:r>
-            <a:endParaRPr lang="ko-KR" altLang="en-US" sz="1400" dirty="0"/>
-          </a:p>
-        </p:txBody>
-      </p:sp>
-      <p:sp>
-        <p:nvSpPr>
-          <p:cNvPr id="11" name="TextBox 10"/>
-          <p:cNvSpPr txBox="1"/>
-          <p:nvPr/>
-        </p:nvSpPr>
-        <p:spPr>
-          <a:xfrm>
-            <a:off x="971600" y="2062589"/>
-            <a:ext cx="7128792" cy="584775"/>
-          </a:xfrm>
-          <a:prstGeom prst="rect">
-            <a:avLst/>
-          </a:prstGeom>
-          <a:noFill/>
-        </p:spPr>
-        <p:txBody>
-          <a:bodyPr wrap="square" rtlCol="0">
-            <a:spAutoFit/>
-          </a:bodyPr>
-          <a:lstStyle/>
-          <a:p>
-            <a:pPr algn="ctr"/>
-            <a:r>
-              <a:rPr lang="ko-KR" altLang="en-US" b="1" spc="-150" dirty="0"/>
-              <a:t>심플한 </a:t>
-            </a:r>
-            <a:r>
-              <a:rPr lang="ko-KR" altLang="en-US" b="1" spc="-150" dirty="0" err="1"/>
-              <a:t>피피티를</a:t>
-            </a:r>
-            <a:r>
-              <a:rPr lang="ko-KR" altLang="en-US" b="1" spc="-150" dirty="0"/>
-              <a:t> 찾을 수 있는 가장 쉬운 방법</a:t>
-            </a:r>
-            <a:endParaRPr lang="en-US" altLang="ko-KR" b="1" spc="-150" dirty="0"/>
-          </a:p>
-          <a:p>
-            <a:pPr algn="ctr"/>
-            <a:r>
-              <a:rPr lang="ko-KR" altLang="en-US" sz="1400" b="1" spc="-150" dirty="0" err="1">
-                <a:latin typeface="+mn-ea"/>
-              </a:rPr>
-              <a:t>민희블로그에</a:t>
-            </a:r>
-            <a:r>
-              <a:rPr lang="ko-KR" altLang="en-US" sz="1400" b="1" spc="-150" dirty="0">
-                <a:latin typeface="+mn-ea"/>
-              </a:rPr>
-              <a:t> 접속하여 </a:t>
-            </a:r>
-            <a:r>
-              <a:rPr lang="ko-KR" altLang="en-US" sz="1400" b="1" spc="-150" dirty="0" err="1">
-                <a:latin typeface="+mn-ea"/>
-              </a:rPr>
-              <a:t>댓글을</a:t>
-            </a:r>
-            <a:r>
-              <a:rPr lang="ko-KR" altLang="en-US" sz="1400" b="1" spc="-150" dirty="0">
-                <a:latin typeface="+mn-ea"/>
-              </a:rPr>
-              <a:t> 남긴 뒤 </a:t>
-            </a:r>
-            <a:r>
-              <a:rPr lang="ko-KR" altLang="en-US" sz="1400" b="1" spc="-150" dirty="0" err="1">
-                <a:latin typeface="+mn-ea"/>
-              </a:rPr>
-              <a:t>심플한피피티를</a:t>
-            </a:r>
-            <a:r>
-              <a:rPr lang="ko-KR" altLang="en-US" sz="1400" b="1" spc="-150" dirty="0">
-                <a:latin typeface="+mn-ea"/>
-              </a:rPr>
-              <a:t> 사용한다</a:t>
-            </a:r>
-            <a:r>
-              <a:rPr lang="en-US" altLang="ko-KR" sz="1400" b="1" spc="-150" dirty="0">
-                <a:latin typeface="+mn-ea"/>
-              </a:rPr>
-              <a:t>.</a:t>
-            </a:r>
-            <a:endParaRPr lang="ko-KR" altLang="en-US" spc="-150" dirty="0"/>
-          </a:p>
-        </p:txBody>
-      </p:sp>
-      <p:sp>
-        <p:nvSpPr>
-          <p:cNvPr id="12" name="TextBox 11"/>
-          <p:cNvSpPr txBox="1"/>
-          <p:nvPr/>
-        </p:nvSpPr>
-        <p:spPr>
-          <a:xfrm>
-            <a:off x="2411760" y="1268760"/>
-            <a:ext cx="4320480" cy="584775"/>
-          </a:xfrm>
-          <a:prstGeom prst="rect">
-            <a:avLst/>
-          </a:prstGeom>
-          <a:noFill/>
-        </p:spPr>
-        <p:txBody>
-          <a:bodyPr wrap="square" rtlCol="0">
-            <a:spAutoFit/>
-          </a:bodyPr>
-          <a:lstStyle/>
-          <a:p>
-            <a:pPr algn="ctr"/>
-            <a:r>
-              <a:rPr lang="en-US" altLang="ko-KR" sz="3200" b="1" spc="-150" dirty="0">
-                <a:solidFill>
-                  <a:schemeClr val="tx2">
-                    <a:lumMod val="75000"/>
-                  </a:schemeClr>
-                </a:solidFill>
-                <a:latin typeface="+mj-lt"/>
-                <a:ea typeface="HY헤드라인M" pitchFamily="18" charset="-127"/>
-              </a:rPr>
-              <a:t>MINHEEBLOG</a:t>
-            </a:r>
-            <a:endParaRPr lang="ko-KR" altLang="en-US" sz="3200" b="1" spc="-150" dirty="0">
-              <a:solidFill>
-                <a:schemeClr val="tx2">
-                  <a:lumMod val="75000"/>
-                </a:schemeClr>
-              </a:solidFill>
-              <a:latin typeface="+mj-lt"/>
-              <a:ea typeface="HY헤드라인M" pitchFamily="18" charset="-127"/>
-            </a:endParaRPr>
-          </a:p>
-        </p:txBody>
-      </p:sp>
-      <p:cxnSp>
-        <p:nvCxnSpPr>
-          <p:cNvPr id="14" name="직선 연결선 13"/>
-          <p:cNvCxnSpPr/>
-          <p:nvPr/>
-        </p:nvCxnSpPr>
-        <p:spPr>
-          <a:xfrm>
-            <a:off x="2123728" y="1916832"/>
-            <a:ext cx="4824536" cy="0"/>
-          </a:xfrm>
-          <a:prstGeom prst="line">
-            <a:avLst/>
-          </a:prstGeom>
-          <a:ln>
-            <a:gradFill>
-              <a:gsLst>
-                <a:gs pos="0">
-                  <a:schemeClr val="bg1"/>
-                </a:gs>
-                <a:gs pos="50000">
-                  <a:schemeClr val="bg1">
-                    <a:lumMod val="50000"/>
-                  </a:schemeClr>
-                </a:gs>
-                <a:gs pos="100000">
-                  <a:schemeClr val="bg1"/>
-                </a:gs>
-              </a:gsLst>
-              <a:lin ang="10800000" scaled="0"/>
-            </a:gradFill>
-          </a:ln>
-        </p:spPr>
-        <p:style>
-          <a:lnRef idx="1">
-            <a:schemeClr val="dk1"/>
-          </a:lnRef>
-          <a:fillRef idx="0">
-            <a:schemeClr val="dk1"/>
-          </a:fillRef>
-          <a:effectRef idx="0">
-            <a:schemeClr val="dk1"/>
-          </a:effectRef>
-          <a:fontRef idx="minor">
-            <a:schemeClr val="tx1"/>
-          </a:fontRef>
-        </p:style>
-      </p:cxnSp>
-      <p:sp>
-        <p:nvSpPr>
-          <p:cNvPr id="17" name="직사각형 16"/>
-          <p:cNvSpPr/>
-          <p:nvPr/>
-        </p:nvSpPr>
-        <p:spPr>
-          <a:xfrm>
-            <a:off x="219463" y="271681"/>
-            <a:ext cx="1297150" cy="276999"/>
-          </a:xfrm>
-          <a:prstGeom prst="rect">
-            <a:avLst/>
-          </a:prstGeom>
-        </p:spPr>
-        <p:txBody>
-          <a:bodyPr wrap="none">
-            <a:spAutoFit/>
-          </a:bodyPr>
-          <a:lstStyle/>
-          <a:p>
-            <a:pPr algn="ctr"/>
-            <a:r>
-              <a:rPr lang="ko-KR" altLang="en-US" sz="1200" b="1" spc="-150" dirty="0">
+              <a:rPr lang="en-US" altLang="ko-KR" sz="5400" b="1" dirty="0">
                 <a:solidFill>
                   <a:schemeClr val="bg1"/>
                 </a:solidFill>
               </a:rPr>
-              <a:t>제목을 입력하세요</a:t>
-            </a:r>
-          </a:p>
-        </p:txBody>
-      </p:sp>
-      <p:pic>
-        <p:nvPicPr>
-          <p:cNvPr id="18" name="_x48549128" descr="EMB00000778ad78"/>
-          <p:cNvPicPr>
-            <a:picLocks noChangeAspect="1" noChangeArrowheads="1"/>
-          </p:cNvPicPr>
-          <p:nvPr/>
-        </p:nvPicPr>
-        <p:blipFill>
-          <a:blip r:embed="rId3" cstate="print"/>
-          <a:stretch>
-            <a:fillRect/>
-          </a:stretch>
-        </p:blipFill>
-        <p:spPr bwMode="auto">
-          <a:xfrm>
-            <a:off x="3492120" y="4581128"/>
-            <a:ext cx="2160000" cy="1440000"/>
-          </a:xfrm>
-          <a:prstGeom prst="rect">
-            <a:avLst/>
-          </a:prstGeom>
-          <a:noFill/>
-        </p:spPr>
-      </p:pic>
-      <p:pic>
-        <p:nvPicPr>
-          <p:cNvPr id="19" name="_x48549128" descr="EMB00000778ad7b"/>
-          <p:cNvPicPr>
-            <a:picLocks noChangeAspect="1" noChangeArrowheads="1"/>
-          </p:cNvPicPr>
-          <p:nvPr/>
-        </p:nvPicPr>
-        <p:blipFill>
-          <a:blip r:embed="rId4" cstate="print"/>
-          <a:stretch>
-            <a:fillRect/>
-          </a:stretch>
-        </p:blipFill>
-        <p:spPr bwMode="auto">
-          <a:xfrm>
-            <a:off x="6012160" y="4581128"/>
-            <a:ext cx="2160000" cy="1440000"/>
-          </a:xfrm>
-          <a:prstGeom prst="rect">
-            <a:avLst/>
-          </a:prstGeom>
-          <a:noFill/>
-        </p:spPr>
-      </p:pic>
-      <p:pic>
-        <p:nvPicPr>
-          <p:cNvPr id="20" name="_x189903544" descr="EMB00000778ad7e"/>
-          <p:cNvPicPr>
-            <a:picLocks noChangeAspect="1" noChangeArrowheads="1"/>
-          </p:cNvPicPr>
-          <p:nvPr/>
-        </p:nvPicPr>
-        <p:blipFill>
-          <a:blip r:embed="rId5" cstate="print"/>
-          <a:stretch>
-            <a:fillRect/>
-          </a:stretch>
-        </p:blipFill>
-        <p:spPr bwMode="auto">
-          <a:xfrm>
-            <a:off x="971600" y="4581288"/>
-            <a:ext cx="2160001" cy="1440000"/>
-          </a:xfrm>
-          <a:prstGeom prst="rect">
-            <a:avLst/>
-          </a:prstGeom>
-          <a:noFill/>
-        </p:spPr>
-      </p:pic>
-      <p:sp>
-        <p:nvSpPr>
-          <p:cNvPr id="21" name="TextBox 20"/>
-          <p:cNvSpPr txBox="1"/>
-          <p:nvPr/>
-        </p:nvSpPr>
-        <p:spPr>
-          <a:xfrm>
-            <a:off x="1115616" y="5013176"/>
-            <a:ext cx="1872208" cy="430887"/>
-          </a:xfrm>
-          <a:prstGeom prst="rect">
-            <a:avLst/>
-          </a:prstGeom>
-          <a:noFill/>
-        </p:spPr>
-        <p:txBody>
-          <a:bodyPr wrap="square" rtlCol="0">
-            <a:spAutoFit/>
-          </a:bodyPr>
-          <a:lstStyle/>
+              <a:t>THANK</a:t>
+            </a:r>
+          </a:p>
           <a:p>
             <a:pPr algn="ctr"/>
             <a:r>
-              <a:rPr lang="ko-KR" altLang="en-US" sz="1100" dirty="0" err="1">
+              <a:rPr lang="en-US" altLang="ko-KR" sz="5400" b="1" dirty="0">
                 <a:solidFill>
                   <a:schemeClr val="bg1"/>
                 </a:solidFill>
               </a:rPr>
-              <a:t>우클릭</a:t>
-            </a:r>
-            <a:r>
-              <a:rPr lang="ko-KR" altLang="en-US" sz="1100" dirty="0">
-                <a:solidFill>
-                  <a:schemeClr val="bg1"/>
-                </a:solidFill>
-              </a:rPr>
-              <a:t> </a:t>
-            </a:r>
-            <a:r>
-              <a:rPr lang="ko-KR" altLang="en-US" sz="1100" dirty="0" err="1">
-                <a:solidFill>
-                  <a:schemeClr val="bg1"/>
-                </a:solidFill>
-              </a:rPr>
-              <a:t>그림바꾸기로</a:t>
-            </a:r>
-            <a:r>
-              <a:rPr lang="ko-KR" altLang="en-US" sz="1100" dirty="0">
-                <a:solidFill>
-                  <a:schemeClr val="bg1"/>
-                </a:solidFill>
-              </a:rPr>
-              <a:t> </a:t>
-            </a:r>
-            <a:endParaRPr lang="en-US" altLang="ko-KR" sz="1100" dirty="0">
+              <a:t>YOU</a:t>
+            </a:r>
+            <a:endParaRPr lang="ko-KR" altLang="en-US" sz="5400" b="1" dirty="0">
               <a:solidFill>
                 <a:schemeClr val="bg1"/>
               </a:solidFill>
             </a:endParaRPr>
           </a:p>
-          <a:p>
-            <a:pPr algn="ctr"/>
-            <a:r>
-              <a:rPr lang="ko-KR" altLang="en-US" sz="1100" dirty="0" err="1">
-                <a:solidFill>
-                  <a:schemeClr val="bg1"/>
-                </a:solidFill>
-              </a:rPr>
-              <a:t>그림바꿔주세요</a:t>
-            </a:r>
-            <a:r>
-              <a:rPr lang="ko-KR" altLang="en-US" sz="1100" dirty="0">
-                <a:solidFill>
-                  <a:schemeClr val="bg1"/>
-                </a:solidFill>
-              </a:rPr>
-              <a:t> </a:t>
-            </a:r>
-          </a:p>
-        </p:txBody>
-      </p:sp>
-      <p:sp>
-        <p:nvSpPr>
-          <p:cNvPr id="22" name="TextBox 21"/>
-          <p:cNvSpPr txBox="1"/>
-          <p:nvPr/>
-        </p:nvSpPr>
-        <p:spPr>
-          <a:xfrm>
-            <a:off x="3707904" y="5013176"/>
-            <a:ext cx="1872208" cy="430887"/>
-          </a:xfrm>
-          <a:prstGeom prst="rect">
-            <a:avLst/>
-          </a:prstGeom>
-          <a:noFill/>
-        </p:spPr>
-        <p:txBody>
-          <a:bodyPr wrap="square" rtlCol="0">
-            <a:spAutoFit/>
-          </a:bodyPr>
-          <a:lstStyle/>
-          <a:p>
-            <a:pPr algn="ctr"/>
-            <a:r>
-              <a:rPr lang="ko-KR" altLang="en-US" sz="1100" dirty="0" err="1">
-                <a:solidFill>
-                  <a:schemeClr val="bg1"/>
-                </a:solidFill>
-              </a:rPr>
-              <a:t>우클릭</a:t>
-            </a:r>
-            <a:r>
-              <a:rPr lang="ko-KR" altLang="en-US" sz="1100" dirty="0">
-                <a:solidFill>
-                  <a:schemeClr val="bg1"/>
-                </a:solidFill>
-              </a:rPr>
-              <a:t> </a:t>
-            </a:r>
-            <a:r>
-              <a:rPr lang="ko-KR" altLang="en-US" sz="1100" dirty="0" err="1">
-                <a:solidFill>
-                  <a:schemeClr val="bg1"/>
-                </a:solidFill>
-              </a:rPr>
-              <a:t>그림바꾸기로</a:t>
-            </a:r>
-            <a:r>
-              <a:rPr lang="ko-KR" altLang="en-US" sz="1100" dirty="0">
-                <a:solidFill>
-                  <a:schemeClr val="bg1"/>
-                </a:solidFill>
-              </a:rPr>
-              <a:t> </a:t>
-            </a:r>
-            <a:endParaRPr lang="en-US" altLang="ko-KR" sz="1100" dirty="0">
-              <a:solidFill>
-                <a:schemeClr val="bg1"/>
-              </a:solidFill>
-            </a:endParaRPr>
-          </a:p>
-          <a:p>
-            <a:pPr algn="ctr"/>
-            <a:r>
-              <a:rPr lang="ko-KR" altLang="en-US" sz="1100" dirty="0" err="1">
-                <a:solidFill>
-                  <a:schemeClr val="bg1"/>
-                </a:solidFill>
-              </a:rPr>
-              <a:t>그림바꿔주세요</a:t>
-            </a:r>
-            <a:r>
-              <a:rPr lang="ko-KR" altLang="en-US" sz="1100" dirty="0">
-                <a:solidFill>
-                  <a:schemeClr val="bg1"/>
-                </a:solidFill>
-              </a:rPr>
-              <a:t> </a:t>
-            </a:r>
-          </a:p>
-        </p:txBody>
-      </p:sp>
-      <p:sp>
-        <p:nvSpPr>
-          <p:cNvPr id="23" name="TextBox 22"/>
-          <p:cNvSpPr txBox="1"/>
-          <p:nvPr/>
-        </p:nvSpPr>
-        <p:spPr>
-          <a:xfrm>
-            <a:off x="6228184" y="5013176"/>
-            <a:ext cx="1872208" cy="430887"/>
-          </a:xfrm>
-          <a:prstGeom prst="rect">
-            <a:avLst/>
-          </a:prstGeom>
-          <a:noFill/>
-        </p:spPr>
-        <p:txBody>
-          <a:bodyPr wrap="square" rtlCol="0">
-            <a:spAutoFit/>
-          </a:bodyPr>
-          <a:lstStyle/>
-          <a:p>
-            <a:pPr algn="ctr"/>
-            <a:r>
-              <a:rPr lang="ko-KR" altLang="en-US" sz="1100" dirty="0" err="1">
-                <a:solidFill>
-                  <a:schemeClr val="bg1"/>
-                </a:solidFill>
-              </a:rPr>
-              <a:t>우클릭</a:t>
-            </a:r>
-            <a:r>
-              <a:rPr lang="ko-KR" altLang="en-US" sz="1100" dirty="0">
-                <a:solidFill>
-                  <a:schemeClr val="bg1"/>
-                </a:solidFill>
-              </a:rPr>
-              <a:t> </a:t>
-            </a:r>
-            <a:r>
-              <a:rPr lang="ko-KR" altLang="en-US" sz="1100" dirty="0" err="1">
-                <a:solidFill>
-                  <a:schemeClr val="bg1"/>
-                </a:solidFill>
-              </a:rPr>
-              <a:t>그림바꾸기로</a:t>
-            </a:r>
-            <a:r>
-              <a:rPr lang="ko-KR" altLang="en-US" sz="1100" dirty="0">
-                <a:solidFill>
-                  <a:schemeClr val="bg1"/>
-                </a:solidFill>
-              </a:rPr>
-              <a:t> </a:t>
-            </a:r>
-            <a:endParaRPr lang="en-US" altLang="ko-KR" sz="1100" dirty="0">
-              <a:solidFill>
-                <a:schemeClr val="bg1"/>
-              </a:solidFill>
-            </a:endParaRPr>
-          </a:p>
-          <a:p>
-            <a:pPr algn="ctr"/>
-            <a:r>
-              <a:rPr lang="ko-KR" altLang="en-US" sz="1100" dirty="0" err="1">
-                <a:solidFill>
-                  <a:schemeClr val="bg1"/>
-                </a:solidFill>
-              </a:rPr>
-              <a:t>그림바꿔주세요</a:t>
-            </a:r>
-            <a:r>
-              <a:rPr lang="ko-KR" altLang="en-US" sz="1100" dirty="0">
-                <a:solidFill>
-                  <a:schemeClr val="bg1"/>
-                </a:solidFill>
-              </a:rPr>
-              <a:t> </a:t>
-            </a:r>
-          </a:p>
         </p:txBody>
       </p:sp>
     </p:spTree>
+    <p:extLst>
+      <p:ext uri="{BB962C8B-B14F-4D97-AF65-F5344CB8AC3E}">
+        <p14:creationId xmlns:p14="http://schemas.microsoft.com/office/powerpoint/2010/main" val="2864207276"/>
+      </p:ext>
+    </p:extLst>
   </p:cSld>
   <p:clrMapOvr>
     <a:masterClrMapping/>
@@ -15125,16 +14821,6 @@
 <file path=ppt/slides/slide16.xml><?xml version="1.0" encoding="utf-8"?>
 <p:sld xmlns:a="http://schemas.openxmlformats.org/drawingml/2006/main" xmlns:r="http://schemas.openxmlformats.org/officeDocument/2006/relationships" xmlns:p="http://schemas.openxmlformats.org/presentationml/2006/main">
   <p:cSld>
-    <p:bg>
-      <p:bgPr>
-        <a:solidFill>
-          <a:schemeClr val="tx2">
-            <a:lumMod val="75000"/>
-          </a:schemeClr>
-        </a:solidFill>
-        <a:effectLst/>
-      </p:bgPr>
-    </p:bg>
     <p:spTree>
       <p:nvGrpSpPr>
         <p:cNvPr id="1" name=""/>
@@ -15151,207 +14837,20 @@
       </p:grpSpPr>
       <p:sp>
         <p:nvSpPr>
-          <p:cNvPr id="2" name="직사각형 1"/>
-          <p:cNvSpPr/>
+          <p:cNvPr id="2" name="TextBox 1">
+            <a:extLst>
+              <a:ext uri="{FF2B5EF4-FFF2-40B4-BE49-F238E27FC236}">
+                <a16:creationId xmlns:a16="http://schemas.microsoft.com/office/drawing/2014/main" id="{C7B623E3-E436-4BE4-BCCB-872187E86BBA}"/>
+              </a:ext>
+            </a:extLst>
+          </p:cNvPr>
+          <p:cNvSpPr txBox="1"/>
           <p:nvPr/>
         </p:nvSpPr>
         <p:spPr>
           <a:xfrm>
-            <a:off x="251520" y="620688"/>
-            <a:ext cx="8640960" cy="5976664"/>
-          </a:xfrm>
-          <a:prstGeom prst="rect">
-            <a:avLst/>
-          </a:prstGeom>
-          <a:solidFill>
-            <a:schemeClr val="bg1"/>
-          </a:solidFill>
-          <a:ln>
-            <a:noFill/>
-          </a:ln>
-        </p:spPr>
-        <p:style>
-          <a:lnRef idx="2">
-            <a:schemeClr val="accent1">
-              <a:shade val="50000"/>
-            </a:schemeClr>
-          </a:lnRef>
-          <a:fillRef idx="1">
-            <a:schemeClr val="accent1"/>
-          </a:fillRef>
-          <a:effectRef idx="0">
-            <a:schemeClr val="accent1"/>
-          </a:effectRef>
-          <a:fontRef idx="minor">
-            <a:schemeClr val="lt1"/>
-          </a:fontRef>
-        </p:style>
-        <p:txBody>
-          <a:bodyPr rtlCol="0" anchor="ctr"/>
-          <a:lstStyle/>
-          <a:p>
-            <a:pPr algn="ctr"/>
-            <a:endParaRPr lang="ko-KR" altLang="en-US"/>
-          </a:p>
-        </p:txBody>
-      </p:sp>
-      <p:sp>
-        <p:nvSpPr>
-          <p:cNvPr id="19" name="모서리가 둥근 직사각형 18"/>
-          <p:cNvSpPr/>
-          <p:nvPr/>
-        </p:nvSpPr>
-        <p:spPr>
-          <a:xfrm>
-            <a:off x="755576" y="3109069"/>
-            <a:ext cx="1296144" cy="432048"/>
-          </a:xfrm>
-          <a:prstGeom prst="roundRect">
-            <a:avLst/>
-          </a:prstGeom>
-          <a:solidFill>
-            <a:schemeClr val="accent5">
-              <a:lumMod val="50000"/>
-            </a:schemeClr>
-          </a:solidFill>
-          <a:ln>
-            <a:noFill/>
-          </a:ln>
-        </p:spPr>
-        <p:style>
-          <a:lnRef idx="2">
-            <a:schemeClr val="accent5">
-              <a:shade val="50000"/>
-            </a:schemeClr>
-          </a:lnRef>
-          <a:fillRef idx="1">
-            <a:schemeClr val="accent5"/>
-          </a:fillRef>
-          <a:effectRef idx="0">
-            <a:schemeClr val="accent5"/>
-          </a:effectRef>
-          <a:fontRef idx="minor">
-            <a:schemeClr val="lt1"/>
-          </a:fontRef>
-        </p:style>
-        <p:txBody>
-          <a:bodyPr rtlCol="0" anchor="ctr"/>
-          <a:lstStyle/>
-          <a:p>
-            <a:pPr algn="ctr"/>
-            <a:endParaRPr lang="ko-KR" altLang="en-US" dirty="0">
-              <a:solidFill>
-                <a:schemeClr val="bg1"/>
-              </a:solidFill>
-            </a:endParaRPr>
-          </a:p>
-        </p:txBody>
-      </p:sp>
-      <p:sp>
-        <p:nvSpPr>
-          <p:cNvPr id="18" name="모서리가 둥근 직사각형 17"/>
-          <p:cNvSpPr/>
-          <p:nvPr/>
-        </p:nvSpPr>
-        <p:spPr>
-          <a:xfrm>
-            <a:off x="755576" y="2495319"/>
-            <a:ext cx="1296144" cy="432048"/>
-          </a:xfrm>
-          <a:prstGeom prst="roundRect">
-            <a:avLst/>
-          </a:prstGeom>
-          <a:ln>
-            <a:noFill/>
-          </a:ln>
-        </p:spPr>
-        <p:style>
-          <a:lnRef idx="2">
-            <a:schemeClr val="accent5">
-              <a:shade val="50000"/>
-            </a:schemeClr>
-          </a:lnRef>
-          <a:fillRef idx="1">
-            <a:schemeClr val="accent5"/>
-          </a:fillRef>
-          <a:effectRef idx="0">
-            <a:schemeClr val="accent5"/>
-          </a:effectRef>
-          <a:fontRef idx="minor">
-            <a:schemeClr val="lt1"/>
-          </a:fontRef>
-        </p:style>
-        <p:txBody>
-          <a:bodyPr rtlCol="0" anchor="ctr"/>
-          <a:lstStyle/>
-          <a:p>
-            <a:pPr algn="ctr"/>
-            <a:endParaRPr lang="ko-KR" altLang="en-US" dirty="0">
-              <a:solidFill>
-                <a:schemeClr val="bg1"/>
-              </a:solidFill>
-            </a:endParaRPr>
-          </a:p>
-        </p:txBody>
-      </p:sp>
-      <p:sp>
-        <p:nvSpPr>
-          <p:cNvPr id="3" name="타원 2"/>
-          <p:cNvSpPr/>
-          <p:nvPr/>
-        </p:nvSpPr>
-        <p:spPr>
-          <a:xfrm>
-            <a:off x="4067944" y="74100"/>
-            <a:ext cx="936104" cy="936104"/>
-          </a:xfrm>
-          <a:prstGeom prst="ellipse">
-            <a:avLst/>
-          </a:prstGeom>
-          <a:solidFill>
-            <a:schemeClr val="tx2">
-              <a:lumMod val="75000"/>
-            </a:schemeClr>
-          </a:solidFill>
-          <a:ln>
-            <a:noFill/>
-          </a:ln>
-        </p:spPr>
-        <p:style>
-          <a:lnRef idx="2">
-            <a:schemeClr val="accent1">
-              <a:shade val="50000"/>
-            </a:schemeClr>
-          </a:lnRef>
-          <a:fillRef idx="1">
-            <a:schemeClr val="accent1"/>
-          </a:fillRef>
-          <a:effectRef idx="0">
-            <a:schemeClr val="accent1"/>
-          </a:effectRef>
-          <a:fontRef idx="minor">
-            <a:schemeClr val="lt1"/>
-          </a:fontRef>
-        </p:style>
-        <p:txBody>
-          <a:bodyPr rtlCol="0" anchor="ctr"/>
-          <a:lstStyle/>
-          <a:p>
-            <a:pPr algn="ctr"/>
-            <a:endParaRPr lang="ko-KR" altLang="en-US"/>
-          </a:p>
-        </p:txBody>
-      </p:sp>
-      <p:sp>
-        <p:nvSpPr>
-          <p:cNvPr id="9" name="TextBox 8"/>
-          <p:cNvSpPr txBox="1"/>
-          <p:nvPr/>
-        </p:nvSpPr>
-        <p:spPr>
-          <a:xfrm>
-            <a:off x="3995936" y="479095"/>
-            <a:ext cx="1080120" cy="461665"/>
+            <a:off x="1835696" y="2276872"/>
+            <a:ext cx="5976664" cy="369332"/>
           </a:xfrm>
           <a:prstGeom prst="rect">
             <a:avLst/>
@@ -15364,720 +14863,19 @@
           </a:bodyPr>
           <a:lstStyle/>
           <a:p>
-            <a:pPr algn="ctr"/>
-            <a:r>
-              <a:rPr lang="en-US" altLang="ko-KR" sz="2400" dirty="0">
-                <a:solidFill>
-                  <a:schemeClr val="bg1"/>
-                </a:solidFill>
-                <a:latin typeface="HY헤드라인M" pitchFamily="18" charset="-127"/>
-                <a:ea typeface="HY헤드라인M" pitchFamily="18" charset="-127"/>
-              </a:rPr>
-              <a:t>01</a:t>
-            </a:r>
-            <a:endParaRPr lang="ko-KR" altLang="en-US" sz="2400" dirty="0">
-              <a:solidFill>
-                <a:schemeClr val="bg1"/>
-              </a:solidFill>
-              <a:latin typeface="HY헤드라인M" pitchFamily="18" charset="-127"/>
-              <a:ea typeface="HY헤드라인M" pitchFamily="18" charset="-127"/>
-            </a:endParaRPr>
-          </a:p>
-        </p:txBody>
-      </p:sp>
-      <p:sp>
-        <p:nvSpPr>
-          <p:cNvPr id="12" name="TextBox 11"/>
-          <p:cNvSpPr txBox="1"/>
-          <p:nvPr/>
-        </p:nvSpPr>
-        <p:spPr>
-          <a:xfrm>
-            <a:off x="539552" y="1484784"/>
-            <a:ext cx="6768752" cy="369332"/>
-          </a:xfrm>
-          <a:prstGeom prst="rect">
-            <a:avLst/>
-          </a:prstGeom>
-          <a:noFill/>
-        </p:spPr>
-        <p:txBody>
-          <a:bodyPr wrap="square" rtlCol="0">
-            <a:spAutoFit/>
-          </a:bodyPr>
-          <a:lstStyle/>
-          <a:p>
-            <a:r>
-              <a:rPr lang="en-US" altLang="ko-KR" b="1" spc="-150" dirty="0"/>
-              <a:t>1)  </a:t>
-            </a:r>
-            <a:r>
-              <a:rPr lang="ko-KR" altLang="en-US" b="1" spc="-150" dirty="0"/>
-              <a:t>소제목을 입력하세요</a:t>
-            </a:r>
-          </a:p>
-        </p:txBody>
-      </p:sp>
-      <p:sp>
-        <p:nvSpPr>
-          <p:cNvPr id="15" name="TextBox 14"/>
-          <p:cNvSpPr txBox="1"/>
-          <p:nvPr/>
-        </p:nvSpPr>
-        <p:spPr>
-          <a:xfrm>
-            <a:off x="827584" y="1772816"/>
-            <a:ext cx="7776864" cy="707886"/>
-          </a:xfrm>
-          <a:prstGeom prst="rect">
-            <a:avLst/>
-          </a:prstGeom>
-          <a:noFill/>
-        </p:spPr>
-        <p:txBody>
-          <a:bodyPr wrap="square" rtlCol="0">
-            <a:spAutoFit/>
-          </a:bodyPr>
-          <a:lstStyle/>
-          <a:p>
-            <a:pPr fontAlgn="base">
-              <a:lnSpc>
-                <a:spcPct val="200000"/>
-              </a:lnSpc>
-            </a:pPr>
-            <a:r>
-              <a:rPr lang="en-US" altLang="ko-KR" sz="2000" b="1" spc="-150" dirty="0"/>
-              <a:t>“</a:t>
-            </a:r>
-            <a:r>
-              <a:rPr lang="ko-KR" altLang="en-US" sz="2000" b="1" spc="-150" dirty="0" err="1"/>
-              <a:t>민희블로그</a:t>
-            </a:r>
-            <a:r>
-              <a:rPr lang="en-US" altLang="ko-KR" sz="2000" b="1" spc="-150" dirty="0"/>
-              <a:t>”</a:t>
-            </a:r>
-            <a:r>
-              <a:rPr lang="ko-KR" altLang="en-US" sz="2000" spc="-150" dirty="0"/>
-              <a:t>는 심플한 피피티를 얻을 수 있는 좋은 </a:t>
-            </a:r>
-            <a:r>
-              <a:rPr lang="ko-KR" altLang="en-US" sz="2000" spc="-150" dirty="0" err="1"/>
-              <a:t>블로그</a:t>
-            </a:r>
-            <a:r>
-              <a:rPr lang="ko-KR" altLang="en-US" sz="2000" spc="-150" dirty="0"/>
-              <a:t> 이다</a:t>
-            </a:r>
-            <a:r>
-              <a:rPr lang="en-US" altLang="ko-KR" sz="2000" spc="-150" dirty="0"/>
-              <a:t>.</a:t>
-            </a:r>
-            <a:endParaRPr lang="ko-KR" altLang="en-US" spc="-150" dirty="0"/>
-          </a:p>
-        </p:txBody>
-      </p:sp>
-      <p:sp>
-        <p:nvSpPr>
-          <p:cNvPr id="22" name="TextBox 21"/>
-          <p:cNvSpPr txBox="1"/>
-          <p:nvPr/>
-        </p:nvSpPr>
-        <p:spPr>
-          <a:xfrm>
-            <a:off x="2699792" y="4005064"/>
-            <a:ext cx="4896544" cy="738664"/>
-          </a:xfrm>
-          <a:prstGeom prst="rect">
-            <a:avLst/>
-          </a:prstGeom>
-          <a:noFill/>
-        </p:spPr>
-        <p:txBody>
-          <a:bodyPr wrap="square" rtlCol="0">
-            <a:spAutoFit/>
-          </a:bodyPr>
-          <a:lstStyle/>
-          <a:p>
-            <a:r>
-              <a:rPr lang="ko-KR" altLang="en-US" sz="1400" dirty="0"/>
-              <a:t>내용을 입력하세요</a:t>
-            </a:r>
-            <a:endParaRPr lang="en-US" altLang="ko-KR" sz="1400" dirty="0"/>
-          </a:p>
-          <a:p>
-            <a:r>
-              <a:rPr lang="ko-KR" altLang="en-US" sz="1400" dirty="0"/>
-              <a:t>내용을 입력하세요</a:t>
-            </a:r>
-            <a:endParaRPr lang="en-US" altLang="ko-KR" sz="1400" dirty="0"/>
-          </a:p>
-          <a:p>
-            <a:r>
-              <a:rPr lang="ko-KR" altLang="en-US" sz="1400" dirty="0"/>
-              <a:t>내용을 입력하세요</a:t>
-            </a:r>
-          </a:p>
-        </p:txBody>
-      </p:sp>
-      <p:sp>
-        <p:nvSpPr>
-          <p:cNvPr id="23" name="TextBox 22"/>
-          <p:cNvSpPr txBox="1"/>
-          <p:nvPr/>
-        </p:nvSpPr>
-        <p:spPr>
-          <a:xfrm>
-            <a:off x="2267744" y="3995772"/>
-            <a:ext cx="648072" cy="307777"/>
-          </a:xfrm>
-          <a:prstGeom prst="rect">
-            <a:avLst/>
-          </a:prstGeom>
-          <a:noFill/>
-        </p:spPr>
-        <p:txBody>
-          <a:bodyPr wrap="square" rtlCol="0">
-            <a:spAutoFit/>
-          </a:bodyPr>
-          <a:lstStyle/>
-          <a:p>
-            <a:r>
-              <a:rPr lang="ko-KR" altLang="en-US" sz="1400" spc="-150" dirty="0"/>
-              <a:t>예</a:t>
-            </a:r>
-            <a:r>
-              <a:rPr lang="en-US" altLang="ko-KR" sz="1400" spc="-150" dirty="0"/>
-              <a:t>)</a:t>
-            </a:r>
-            <a:endParaRPr lang="ko-KR" altLang="en-US" sz="1400" dirty="0"/>
-          </a:p>
-        </p:txBody>
-      </p:sp>
-      <p:sp>
-        <p:nvSpPr>
-          <p:cNvPr id="24" name="직사각형 23"/>
-          <p:cNvSpPr/>
-          <p:nvPr/>
-        </p:nvSpPr>
-        <p:spPr>
-          <a:xfrm>
-            <a:off x="2555776" y="4725144"/>
-            <a:ext cx="5760640" cy="1200329"/>
-          </a:xfrm>
-          <a:prstGeom prst="rect">
-            <a:avLst/>
-          </a:prstGeom>
-        </p:spPr>
-        <p:txBody>
-          <a:bodyPr wrap="square">
-            <a:spAutoFit/>
-          </a:bodyPr>
-          <a:lstStyle/>
-          <a:p>
-            <a:pPr fontAlgn="base">
-              <a:lnSpc>
-                <a:spcPct val="200000"/>
-              </a:lnSpc>
-            </a:pPr>
-            <a:r>
-              <a:rPr lang="ko-KR" altLang="en-US" sz="2000" b="1" spc="-150" dirty="0" err="1">
-                <a:solidFill>
-                  <a:schemeClr val="accent5">
-                    <a:lumMod val="50000"/>
-                  </a:schemeClr>
-                </a:solidFill>
-              </a:rPr>
-              <a:t>심플한피피티의</a:t>
-            </a:r>
-            <a:r>
-              <a:rPr lang="ko-KR" altLang="en-US" sz="2000" b="1" spc="-150" dirty="0">
-                <a:solidFill>
-                  <a:schemeClr val="accent5">
-                    <a:lumMod val="50000"/>
-                  </a:schemeClr>
-                </a:solidFill>
-              </a:rPr>
-              <a:t> 목표</a:t>
-            </a:r>
-            <a:endParaRPr lang="en-US" altLang="ko-KR" sz="2000" b="1" spc="-150" dirty="0">
-              <a:solidFill>
-                <a:schemeClr val="accent5">
-                  <a:lumMod val="50000"/>
-                </a:schemeClr>
-              </a:solidFill>
-            </a:endParaRPr>
-          </a:p>
-          <a:p>
-            <a:pPr fontAlgn="base"/>
-            <a:r>
-              <a:rPr lang="ko-KR" altLang="en-US" sz="1600" spc="-150" dirty="0"/>
-              <a:t>그냥 최대한 단순하게 표현을 하도록 한다</a:t>
-            </a:r>
-            <a:r>
-              <a:rPr lang="en-US" altLang="ko-KR" sz="1600" spc="-150" dirty="0"/>
-              <a:t>.</a:t>
-            </a:r>
-          </a:p>
-          <a:p>
-            <a:pPr fontAlgn="base"/>
-            <a:r>
-              <a:rPr lang="ko-KR" altLang="en-US" sz="1600" spc="-150" dirty="0"/>
-              <a:t>색은 </a:t>
-            </a:r>
-            <a:r>
-              <a:rPr lang="en-US" altLang="ko-KR" sz="1600" spc="-150" dirty="0"/>
-              <a:t>4</a:t>
-            </a:r>
-            <a:r>
-              <a:rPr lang="ko-KR" altLang="en-US" sz="1600" spc="-150" dirty="0"/>
-              <a:t>가지 이상을 사용하지 않는 것이  바람직하다고 생각한다</a:t>
-            </a:r>
-            <a:r>
-              <a:rPr lang="en-US" altLang="ko-KR" sz="1600" spc="-150" dirty="0"/>
-              <a:t>.</a:t>
-            </a:r>
-            <a:endParaRPr lang="ko-KR" altLang="en-US" sz="1600" spc="-150" dirty="0"/>
-          </a:p>
-        </p:txBody>
-      </p:sp>
-      <p:sp>
-        <p:nvSpPr>
-          <p:cNvPr id="25" name="줄무늬가 있는 오른쪽 화살표 24"/>
-          <p:cNvSpPr/>
-          <p:nvPr/>
-        </p:nvSpPr>
-        <p:spPr>
-          <a:xfrm>
-            <a:off x="827584" y="4941168"/>
-            <a:ext cx="1296144" cy="864096"/>
-          </a:xfrm>
-          <a:prstGeom prst="stripedRightArrow">
-            <a:avLst/>
-          </a:prstGeom>
-          <a:solidFill>
-            <a:schemeClr val="bg1">
-              <a:lumMod val="85000"/>
-            </a:schemeClr>
-          </a:solidFill>
-          <a:ln>
-            <a:noFill/>
-          </a:ln>
-        </p:spPr>
-        <p:style>
-          <a:lnRef idx="2">
-            <a:schemeClr val="accent1">
-              <a:shade val="50000"/>
-            </a:schemeClr>
-          </a:lnRef>
-          <a:fillRef idx="1">
-            <a:schemeClr val="accent1"/>
-          </a:fillRef>
-          <a:effectRef idx="0">
-            <a:schemeClr val="accent1"/>
-          </a:effectRef>
-          <a:fontRef idx="minor">
-            <a:schemeClr val="lt1"/>
-          </a:fontRef>
-        </p:style>
-        <p:txBody>
-          <a:bodyPr rtlCol="0" anchor="ctr"/>
-          <a:lstStyle/>
-          <a:p>
-            <a:pPr algn="ctr"/>
-            <a:endParaRPr lang="ko-KR" altLang="en-US"/>
-          </a:p>
-        </p:txBody>
-      </p:sp>
-      <p:sp>
-        <p:nvSpPr>
-          <p:cNvPr id="26" name="모서리가 둥근 직사각형 25"/>
-          <p:cNvSpPr/>
-          <p:nvPr/>
-        </p:nvSpPr>
-        <p:spPr>
-          <a:xfrm>
-            <a:off x="2339752" y="4869160"/>
-            <a:ext cx="6192688" cy="1152128"/>
-          </a:xfrm>
-          <a:prstGeom prst="roundRect">
-            <a:avLst/>
-          </a:prstGeom>
-          <a:noFill/>
-          <a:ln>
-            <a:solidFill>
-              <a:schemeClr val="bg1">
-                <a:lumMod val="85000"/>
-              </a:schemeClr>
-            </a:solidFill>
-          </a:ln>
-        </p:spPr>
-        <p:style>
-          <a:lnRef idx="2">
-            <a:schemeClr val="accent1">
-              <a:shade val="50000"/>
-            </a:schemeClr>
-          </a:lnRef>
-          <a:fillRef idx="1">
-            <a:schemeClr val="accent1"/>
-          </a:fillRef>
-          <a:effectRef idx="0">
-            <a:schemeClr val="accent1"/>
-          </a:effectRef>
-          <a:fontRef idx="minor">
-            <a:schemeClr val="lt1"/>
-          </a:fontRef>
-        </p:style>
-        <p:txBody>
-          <a:bodyPr rtlCol="0" anchor="ctr"/>
-          <a:lstStyle/>
-          <a:p>
-            <a:pPr algn="ctr"/>
-            <a:endParaRPr lang="ko-KR" altLang="en-US"/>
-          </a:p>
-        </p:txBody>
-      </p:sp>
-      <p:sp>
-        <p:nvSpPr>
-          <p:cNvPr id="27" name="TextBox 26"/>
-          <p:cNvSpPr txBox="1"/>
-          <p:nvPr/>
-        </p:nvSpPr>
-        <p:spPr>
-          <a:xfrm>
-            <a:off x="971600" y="2555612"/>
-            <a:ext cx="936104" cy="369332"/>
-          </a:xfrm>
-          <a:prstGeom prst="rect">
-            <a:avLst/>
-          </a:prstGeom>
-          <a:noFill/>
-        </p:spPr>
-        <p:txBody>
-          <a:bodyPr wrap="square" rtlCol="0">
-            <a:spAutoFit/>
-          </a:bodyPr>
-          <a:lstStyle/>
-          <a:p>
-            <a:r>
-              <a:rPr lang="ko-KR" altLang="en-US" b="1" dirty="0">
-                <a:solidFill>
-                  <a:schemeClr val="bg1"/>
-                </a:solidFill>
-              </a:rPr>
-              <a:t>소제목</a:t>
-            </a:r>
-          </a:p>
-        </p:txBody>
-      </p:sp>
-      <p:sp>
-        <p:nvSpPr>
-          <p:cNvPr id="28" name="TextBox 27"/>
-          <p:cNvSpPr txBox="1"/>
-          <p:nvPr/>
-        </p:nvSpPr>
-        <p:spPr>
-          <a:xfrm>
-            <a:off x="971600" y="3131676"/>
-            <a:ext cx="936104" cy="369332"/>
-          </a:xfrm>
-          <a:prstGeom prst="rect">
-            <a:avLst/>
-          </a:prstGeom>
-          <a:noFill/>
-        </p:spPr>
-        <p:txBody>
-          <a:bodyPr wrap="square" rtlCol="0">
-            <a:spAutoFit/>
-          </a:bodyPr>
-          <a:lstStyle/>
-          <a:p>
-            <a:r>
-              <a:rPr lang="ko-KR" altLang="en-US" b="1" dirty="0">
-                <a:solidFill>
-                  <a:schemeClr val="bg1"/>
-                </a:solidFill>
-              </a:rPr>
-              <a:t>소제목</a:t>
-            </a:r>
-          </a:p>
-        </p:txBody>
-      </p:sp>
-      <p:sp>
-        <p:nvSpPr>
-          <p:cNvPr id="29" name="TextBox 28"/>
-          <p:cNvSpPr txBox="1"/>
-          <p:nvPr/>
-        </p:nvSpPr>
-        <p:spPr>
-          <a:xfrm>
-            <a:off x="2195736" y="2555612"/>
-            <a:ext cx="4248472" cy="369332"/>
-          </a:xfrm>
-          <a:prstGeom prst="rect">
-            <a:avLst/>
-          </a:prstGeom>
-          <a:noFill/>
-        </p:spPr>
-        <p:txBody>
-          <a:bodyPr wrap="square" rtlCol="0">
-            <a:spAutoFit/>
-          </a:bodyPr>
-          <a:lstStyle/>
-          <a:p>
             <a:r>
               <a:rPr lang="ko-KR" altLang="en-US" dirty="0"/>
-              <a:t>내용을 입력하세요</a:t>
-            </a:r>
-          </a:p>
-        </p:txBody>
-      </p:sp>
-      <p:sp>
-        <p:nvSpPr>
-          <p:cNvPr id="30" name="TextBox 29"/>
-          <p:cNvSpPr txBox="1"/>
-          <p:nvPr/>
-        </p:nvSpPr>
-        <p:spPr>
-          <a:xfrm>
-            <a:off x="2195736" y="3131676"/>
-            <a:ext cx="6120680" cy="646331"/>
-          </a:xfrm>
-          <a:prstGeom prst="rect">
-            <a:avLst/>
-          </a:prstGeom>
-          <a:noFill/>
-        </p:spPr>
-        <p:txBody>
-          <a:bodyPr wrap="square" rtlCol="0">
-            <a:spAutoFit/>
-          </a:bodyPr>
-          <a:lstStyle/>
-          <a:p>
-            <a:r>
-              <a:rPr lang="ko-KR" altLang="en-US" dirty="0"/>
-              <a:t>내용을 입력하세요</a:t>
-            </a:r>
-            <a:endParaRPr lang="en-US" altLang="ko-KR" dirty="0"/>
-          </a:p>
-          <a:p>
-            <a:r>
-              <a:rPr lang="en-US" altLang="ko-KR" dirty="0"/>
-              <a:t>http://minheeblog.tistory.com/category/PPT</a:t>
-            </a:r>
-            <a:endParaRPr lang="ko-KR" altLang="en-US" dirty="0"/>
-          </a:p>
-        </p:txBody>
-      </p:sp>
-      <p:sp>
-        <p:nvSpPr>
-          <p:cNvPr id="31" name="직사각형 30"/>
-          <p:cNvSpPr/>
-          <p:nvPr/>
-        </p:nvSpPr>
-        <p:spPr>
-          <a:xfrm>
-            <a:off x="219463" y="271681"/>
-            <a:ext cx="1297150" cy="276999"/>
-          </a:xfrm>
-          <a:prstGeom prst="rect">
-            <a:avLst/>
-          </a:prstGeom>
-        </p:spPr>
-        <p:txBody>
-          <a:bodyPr wrap="none">
-            <a:spAutoFit/>
-          </a:bodyPr>
-          <a:lstStyle/>
-          <a:p>
-            <a:pPr algn="ctr"/>
-            <a:r>
-              <a:rPr lang="ko-KR" altLang="en-US" sz="1200" b="1" spc="-150" dirty="0">
-                <a:solidFill>
-                  <a:schemeClr val="bg1"/>
-                </a:solidFill>
-              </a:rPr>
-              <a:t>제목을 입력하세요</a:t>
-            </a:r>
-          </a:p>
-        </p:txBody>
-      </p:sp>
-      <p:sp>
-        <p:nvSpPr>
-          <p:cNvPr id="32" name="TextBox 31"/>
-          <p:cNvSpPr txBox="1"/>
-          <p:nvPr/>
-        </p:nvSpPr>
-        <p:spPr>
-          <a:xfrm>
-            <a:off x="5364088" y="271681"/>
-            <a:ext cx="3600400" cy="276999"/>
-          </a:xfrm>
-          <a:prstGeom prst="rect">
-            <a:avLst/>
-          </a:prstGeom>
-          <a:noFill/>
-        </p:spPr>
-        <p:txBody>
-          <a:bodyPr wrap="square" rtlCol="0">
-            <a:spAutoFit/>
-          </a:bodyPr>
-          <a:lstStyle/>
-          <a:p>
-            <a:pPr algn="dist"/>
-            <a:r>
-              <a:rPr lang="ko-KR" altLang="en-US" sz="1200" dirty="0">
-                <a:solidFill>
-                  <a:schemeClr val="bg1"/>
-                </a:solidFill>
-              </a:rPr>
-              <a:t>과목이름이나 영문타이틀</a:t>
-            </a:r>
-          </a:p>
-        </p:txBody>
-      </p:sp>
-      <p:sp>
-        <p:nvSpPr>
-          <p:cNvPr id="20" name="TextBox 19"/>
-          <p:cNvSpPr txBox="1"/>
-          <p:nvPr/>
-        </p:nvSpPr>
-        <p:spPr>
-          <a:xfrm>
-            <a:off x="427435" y="836712"/>
-            <a:ext cx="1728192" cy="769441"/>
-          </a:xfrm>
-          <a:prstGeom prst="rect">
-            <a:avLst/>
-          </a:prstGeom>
-          <a:noFill/>
-        </p:spPr>
-        <p:txBody>
-          <a:bodyPr wrap="square" rtlCol="0">
-            <a:spAutoFit/>
-          </a:bodyPr>
-          <a:lstStyle/>
-          <a:p>
-            <a:r>
-              <a:rPr lang="ko-KR" altLang="en-US" sz="2000" b="1" spc="-150" dirty="0" err="1">
-                <a:solidFill>
-                  <a:schemeClr val="tx2">
-                    <a:lumMod val="75000"/>
-                  </a:schemeClr>
-                </a:solidFill>
-                <a:latin typeface="+mj-ea"/>
-              </a:rPr>
-              <a:t>민희블로그</a:t>
-            </a:r>
-            <a:endParaRPr lang="ko-KR" altLang="en-US" sz="2000" b="1" spc="-150" dirty="0">
-              <a:solidFill>
-                <a:schemeClr val="tx2">
-                  <a:lumMod val="75000"/>
-                </a:schemeClr>
-              </a:solidFill>
-              <a:latin typeface="+mj-ea"/>
-            </a:endParaRPr>
-          </a:p>
-          <a:p>
-            <a:endParaRPr lang="ko-KR" altLang="en-US" sz="2400" dirty="0">
-              <a:solidFill>
-                <a:schemeClr val="tx2">
-                  <a:lumMod val="75000"/>
-                </a:schemeClr>
-              </a:solidFill>
-            </a:endParaRPr>
-          </a:p>
-        </p:txBody>
-      </p:sp>
-      <p:sp>
-        <p:nvSpPr>
-          <p:cNvPr id="21" name="TextBox 20"/>
-          <p:cNvSpPr txBox="1"/>
-          <p:nvPr/>
-        </p:nvSpPr>
-        <p:spPr>
-          <a:xfrm>
-            <a:off x="435645" y="1167276"/>
-            <a:ext cx="3240360" cy="307777"/>
-          </a:xfrm>
-          <a:prstGeom prst="rect">
-            <a:avLst/>
-          </a:prstGeom>
-          <a:noFill/>
-        </p:spPr>
-        <p:txBody>
-          <a:bodyPr wrap="square" rtlCol="0">
-            <a:spAutoFit/>
-          </a:bodyPr>
-          <a:lstStyle/>
-          <a:p>
-            <a:r>
-              <a:rPr lang="ko-KR" altLang="en-US" sz="1400" b="1" dirty="0" err="1">
-                <a:solidFill>
-                  <a:schemeClr val="bg1">
-                    <a:lumMod val="50000"/>
-                  </a:schemeClr>
-                </a:solidFill>
-              </a:rPr>
-              <a:t>심플한피피티는</a:t>
-            </a:r>
-            <a:r>
-              <a:rPr lang="ko-KR" altLang="en-US" sz="1400" b="1" dirty="0">
-                <a:solidFill>
-                  <a:schemeClr val="bg1">
-                    <a:lumMod val="50000"/>
-                  </a:schemeClr>
-                </a:solidFill>
-              </a:rPr>
-              <a:t> 무엇인가</a:t>
-            </a:r>
-          </a:p>
-        </p:txBody>
-      </p:sp>
-      <p:sp>
-        <p:nvSpPr>
-          <p:cNvPr id="33" name="TextBox 32"/>
-          <p:cNvSpPr txBox="1"/>
-          <p:nvPr/>
-        </p:nvSpPr>
-        <p:spPr>
-          <a:xfrm>
-            <a:off x="7164288" y="6546830"/>
-            <a:ext cx="1728192" cy="338554"/>
-          </a:xfrm>
-          <a:prstGeom prst="rect">
-            <a:avLst/>
-          </a:prstGeom>
-          <a:noFill/>
-        </p:spPr>
-        <p:txBody>
-          <a:bodyPr wrap="square" rtlCol="0">
-            <a:spAutoFit/>
-          </a:bodyPr>
-          <a:lstStyle/>
-          <a:p>
-            <a:pPr algn="r"/>
-            <a:r>
-              <a:rPr lang="en-US" altLang="ko-KR" sz="1600" dirty="0">
-                <a:solidFill>
-                  <a:schemeClr val="bg1">
-                    <a:lumMod val="75000"/>
-                  </a:schemeClr>
-                </a:solidFill>
-              </a:rPr>
-              <a:t>MINHEEBLOG</a:t>
-            </a:r>
-            <a:endParaRPr lang="ko-KR" altLang="en-US" sz="1600" dirty="0">
-              <a:solidFill>
-                <a:schemeClr val="bg1">
-                  <a:lumMod val="75000"/>
-                </a:schemeClr>
-              </a:solidFill>
-            </a:endParaRPr>
+              <a:t>이 슬라이드 아래로는 템플릿입니다</a:t>
+            </a:r>
           </a:p>
         </p:txBody>
       </p:sp>
     </p:spTree>
+    <p:extLst>
+      <p:ext uri="{BB962C8B-B14F-4D97-AF65-F5344CB8AC3E}">
+        <p14:creationId xmlns:p14="http://schemas.microsoft.com/office/powerpoint/2010/main" val="3034388360"/>
+      </p:ext>
+    </p:extLst>
   </p:cSld>
   <p:clrMapOvr>
     <a:masterClrMapping/>
@@ -16154,31 +14952,35 @@
           <a:lstStyle/>
           <a:p>
             <a:pPr algn="ctr"/>
-            <a:endParaRPr lang="ko-KR" altLang="en-US" dirty="0"/>
-          </a:p>
-        </p:txBody>
-      </p:sp>
-      <p:sp>
-        <p:nvSpPr>
-          <p:cNvPr id="3" name="타원 2"/>
+            <a:endParaRPr lang="ko-KR" altLang="en-US"/>
+          </a:p>
+        </p:txBody>
+      </p:sp>
+      <p:sp>
+        <p:nvSpPr>
+          <p:cNvPr id="16" name="직사각형 15"/>
           <p:cNvSpPr/>
           <p:nvPr/>
         </p:nvSpPr>
         <p:spPr>
           <a:xfrm>
-            <a:off x="4067944" y="74100"/>
-            <a:ext cx="936104" cy="936104"/>
-          </a:xfrm>
-          <a:prstGeom prst="ellipse">
+            <a:off x="971600" y="2942942"/>
+            <a:ext cx="7200800" cy="1494170"/>
+          </a:xfrm>
+          <a:prstGeom prst="rect">
             <a:avLst/>
           </a:prstGeom>
           <a:solidFill>
-            <a:schemeClr val="tx2">
-              <a:lumMod val="75000"/>
+            <a:schemeClr val="bg1">
+              <a:lumMod val="95000"/>
             </a:schemeClr>
           </a:solidFill>
           <a:ln>
-            <a:noFill/>
+            <a:solidFill>
+              <a:schemeClr val="bg1">
+                <a:lumMod val="50000"/>
+              </a:schemeClr>
+            </a:solidFill>
           </a:ln>
         </p:spPr>
         <p:style>
@@ -16208,14 +15010,14 @@
       </p:sp>
       <p:sp>
         <p:nvSpPr>
-          <p:cNvPr id="9" name="TextBox 8"/>
+          <p:cNvPr id="15" name="TextBox 14"/>
           <p:cNvSpPr txBox="1"/>
           <p:nvPr/>
         </p:nvSpPr>
         <p:spPr>
           <a:xfrm>
-            <a:off x="3995936" y="479095"/>
-            <a:ext cx="1080120" cy="461665"/>
+            <a:off x="971600" y="1196752"/>
+            <a:ext cx="7200800" cy="1015663"/>
           </a:xfrm>
           <a:prstGeom prst="rect">
             <a:avLst/>
@@ -16230,18 +15032,22 @@
           <a:p>
             <a:pPr algn="ctr"/>
             <a:r>
-              <a:rPr lang="en-US" altLang="ko-KR" sz="2400" dirty="0">
+              <a:rPr lang="en-US" altLang="ko-KR" sz="6000" dirty="0">
                 <a:solidFill>
-                  <a:schemeClr val="bg1"/>
+                  <a:schemeClr val="bg1">
+                    <a:lumMod val="75000"/>
+                  </a:schemeClr>
                 </a:solidFill>
                 <a:latin typeface="HY헤드라인M" pitchFamily="18" charset="-127"/>
                 <a:ea typeface="HY헤드라인M" pitchFamily="18" charset="-127"/>
               </a:rPr>
-              <a:t>01</a:t>
-            </a:r>
-            <a:endParaRPr lang="ko-KR" altLang="en-US" sz="2400" dirty="0">
+              <a:t>“           ”</a:t>
+            </a:r>
+            <a:endParaRPr lang="ko-KR" altLang="en-US" sz="6000" dirty="0">
               <a:solidFill>
-                <a:schemeClr val="bg1"/>
+                <a:schemeClr val="bg1">
+                  <a:lumMod val="75000"/>
+                </a:schemeClr>
               </a:solidFill>
               <a:latin typeface="HY헤드라인M" pitchFamily="18" charset="-127"/>
               <a:ea typeface="HY헤드라인M" pitchFamily="18" charset="-127"/>
@@ -16251,107 +15057,21 @@
       </p:sp>
       <p:sp>
         <p:nvSpPr>
-          <p:cNvPr id="12" name="TextBox 11"/>
-          <p:cNvSpPr txBox="1"/>
+          <p:cNvPr id="3" name="타원 2"/>
+          <p:cNvSpPr/>
           <p:nvPr/>
         </p:nvSpPr>
         <p:spPr>
           <a:xfrm>
-            <a:off x="539552" y="1484784"/>
-            <a:ext cx="2520280" cy="369332"/>
-          </a:xfrm>
-          <a:prstGeom prst="rect">
-            <a:avLst/>
-          </a:prstGeom>
-          <a:noFill/>
-        </p:spPr>
-        <p:txBody>
-          <a:bodyPr wrap="square" rtlCol="0">
-            <a:spAutoFit/>
-          </a:bodyPr>
-          <a:lstStyle/>
-          <a:p>
-            <a:r>
-              <a:rPr lang="en-US" altLang="ko-KR" b="1" spc="-150" dirty="0"/>
-              <a:t>1)  </a:t>
-            </a:r>
-            <a:r>
-              <a:rPr lang="ko-KR" altLang="en-US" b="1" spc="-150" dirty="0"/>
-              <a:t>소제목을 입력하세요</a:t>
-            </a:r>
-          </a:p>
-        </p:txBody>
-      </p:sp>
-      <p:pic>
-        <p:nvPicPr>
-          <p:cNvPr id="17410" name="Picture 2" descr="사람 픽토그램에 대한 이미지 검색결과"/>
-          <p:cNvPicPr>
-            <a:picLocks noChangeAspect="1" noChangeArrowheads="1"/>
-          </p:cNvPicPr>
-          <p:nvPr/>
-        </p:nvPicPr>
-        <p:blipFill>
-          <a:blip r:embed="rId3" cstate="print"/>
-          <a:srcRect l="26893" r="49202" b="46815"/>
-          <a:stretch>
-            <a:fillRect/>
-          </a:stretch>
-        </p:blipFill>
-        <p:spPr bwMode="auto">
-          <a:xfrm>
-            <a:off x="5004048" y="2474894"/>
-            <a:ext cx="576064" cy="1008112"/>
-          </a:xfrm>
-          <a:prstGeom prst="rect">
-            <a:avLst/>
-          </a:prstGeom>
-          <a:noFill/>
-        </p:spPr>
-      </p:pic>
-      <p:pic>
-        <p:nvPicPr>
-          <p:cNvPr id="27" name="Picture 2" descr="사람 픽토그램에 대한 이미지 검색결과"/>
-          <p:cNvPicPr>
-            <a:picLocks noChangeAspect="1" noChangeArrowheads="1"/>
-          </p:cNvPicPr>
-          <p:nvPr/>
-        </p:nvPicPr>
-        <p:blipFill>
-          <a:blip r:embed="rId3" cstate="print"/>
-          <a:srcRect l="50798" r="25297" b="46815"/>
-          <a:stretch>
-            <a:fillRect/>
-          </a:stretch>
-        </p:blipFill>
-        <p:spPr bwMode="auto">
-          <a:xfrm>
-            <a:off x="6084168" y="2618910"/>
-            <a:ext cx="462909" cy="810090"/>
-          </a:xfrm>
-          <a:prstGeom prst="rect">
-            <a:avLst/>
-          </a:prstGeom>
-          <a:noFill/>
-        </p:spPr>
-      </p:pic>
-      <p:sp>
-        <p:nvSpPr>
-          <p:cNvPr id="28" name="갈매기형 수장 27"/>
-          <p:cNvSpPr/>
-          <p:nvPr/>
-        </p:nvSpPr>
-        <p:spPr>
-          <a:xfrm>
-            <a:off x="5652120" y="2690918"/>
-            <a:ext cx="360040" cy="576064"/>
-          </a:xfrm>
-          <a:prstGeom prst="chevron">
+            <a:off x="4067944" y="74100"/>
+            <a:ext cx="936104" cy="936104"/>
+          </a:xfrm>
+          <a:prstGeom prst="ellipse">
             <a:avLst/>
           </a:prstGeom>
           <a:solidFill>
-            <a:schemeClr val="accent2">
-              <a:lumMod val="40000"/>
-              <a:lumOff val="60000"/>
+            <a:schemeClr val="tx2">
+              <a:lumMod val="75000"/>
             </a:schemeClr>
           </a:solidFill>
           <a:ln>
@@ -16379,189 +15099,13 @@
           <a:lstStyle/>
           <a:p>
             <a:pPr algn="ctr"/>
-            <a:endParaRPr lang="ko-KR" altLang="en-US">
-              <a:solidFill>
-                <a:schemeClr val="tx1"/>
-              </a:solidFill>
-            </a:endParaRPr>
-          </a:p>
-        </p:txBody>
-      </p:sp>
-      <p:pic>
-        <p:nvPicPr>
-          <p:cNvPr id="29" name="Picture 2" descr="사람 픽토그램에 대한 이미지 검색결과"/>
-          <p:cNvPicPr>
-            <a:picLocks noChangeAspect="1" noChangeArrowheads="1"/>
-          </p:cNvPicPr>
-          <p:nvPr/>
-        </p:nvPicPr>
-        <p:blipFill>
-          <a:blip r:embed="rId3" cstate="print"/>
-          <a:srcRect l="26893" r="49202" b="46815"/>
-          <a:stretch>
-            <a:fillRect/>
-          </a:stretch>
-        </p:blipFill>
-        <p:spPr bwMode="auto">
-          <a:xfrm>
-            <a:off x="2771800" y="2762926"/>
-            <a:ext cx="370327" cy="648072"/>
-          </a:xfrm>
-          <a:prstGeom prst="rect">
-            <a:avLst/>
-          </a:prstGeom>
-          <a:noFill/>
-        </p:spPr>
-      </p:pic>
-      <p:pic>
-        <p:nvPicPr>
-          <p:cNvPr id="30" name="Picture 2" descr="사람 픽토그램에 대한 이미지 검색결과"/>
-          <p:cNvPicPr>
-            <a:picLocks noChangeAspect="1" noChangeArrowheads="1"/>
-          </p:cNvPicPr>
-          <p:nvPr/>
-        </p:nvPicPr>
-        <p:blipFill>
-          <a:blip r:embed="rId3" cstate="print"/>
-          <a:srcRect l="50798" r="25297" b="46815"/>
-          <a:stretch>
-            <a:fillRect/>
-          </a:stretch>
-        </p:blipFill>
-        <p:spPr bwMode="auto">
-          <a:xfrm>
-            <a:off x="3553601" y="2474894"/>
-            <a:ext cx="586351" cy="1026114"/>
-          </a:xfrm>
-          <a:prstGeom prst="rect">
-            <a:avLst/>
-          </a:prstGeom>
-          <a:noFill/>
-        </p:spPr>
-      </p:pic>
-      <p:sp>
-        <p:nvSpPr>
-          <p:cNvPr id="32" name="갈매기형 수장 31"/>
-          <p:cNvSpPr/>
-          <p:nvPr/>
-        </p:nvSpPr>
-        <p:spPr>
-          <a:xfrm flipH="1">
-            <a:off x="3203848" y="2690918"/>
-            <a:ext cx="360040" cy="576064"/>
-          </a:xfrm>
-          <a:prstGeom prst="chevron">
-            <a:avLst/>
-          </a:prstGeom>
-          <a:solidFill>
-            <a:schemeClr val="accent1">
-              <a:lumMod val="40000"/>
-              <a:lumOff val="60000"/>
-            </a:schemeClr>
-          </a:solidFill>
-          <a:ln>
-            <a:noFill/>
-          </a:ln>
-        </p:spPr>
-        <p:style>
-          <a:lnRef idx="2">
-            <a:schemeClr val="accent1">
-              <a:shade val="50000"/>
-            </a:schemeClr>
-          </a:lnRef>
-          <a:fillRef idx="1">
-            <a:schemeClr val="accent1"/>
-          </a:fillRef>
-          <a:effectRef idx="0">
-            <a:schemeClr val="accent1"/>
-          </a:effectRef>
-          <a:fontRef idx="minor">
-            <a:schemeClr val="lt1"/>
-          </a:fontRef>
-        </p:style>
-        <p:txBody>
-          <a:bodyPr rtlCol="0" anchor="ctr"/>
-          <a:lstStyle/>
-          <a:p>
-            <a:pPr algn="ctr"/>
-            <a:endParaRPr lang="ko-KR" altLang="en-US">
-              <a:solidFill>
-                <a:schemeClr val="tx1"/>
-              </a:solidFill>
-            </a:endParaRPr>
-          </a:p>
-        </p:txBody>
-      </p:sp>
-      <p:sp>
-        <p:nvSpPr>
-          <p:cNvPr id="37" name="TextBox 36"/>
-          <p:cNvSpPr txBox="1"/>
-          <p:nvPr/>
-        </p:nvSpPr>
-        <p:spPr>
-          <a:xfrm>
-            <a:off x="827584" y="3717032"/>
-            <a:ext cx="5976664" cy="1384995"/>
-          </a:xfrm>
-          <a:prstGeom prst="rect">
-            <a:avLst/>
-          </a:prstGeom>
-          <a:noFill/>
-        </p:spPr>
-        <p:txBody>
-          <a:bodyPr wrap="square" rtlCol="0">
-            <a:spAutoFit/>
-          </a:bodyPr>
-          <a:lstStyle/>
-          <a:p>
-            <a:pPr fontAlgn="base">
-              <a:lnSpc>
-                <a:spcPct val="200000"/>
-              </a:lnSpc>
-            </a:pPr>
-            <a:r>
-              <a:rPr lang="ko-KR" altLang="en-US" sz="1400" b="1" dirty="0"/>
-              <a:t>내용을 입력하세요</a:t>
-            </a:r>
-            <a:endParaRPr lang="en-US" altLang="ko-KR" sz="1400" b="1" dirty="0"/>
-          </a:p>
-          <a:p>
-            <a:pPr fontAlgn="base">
-              <a:lnSpc>
-                <a:spcPct val="200000"/>
-              </a:lnSpc>
-            </a:pPr>
-            <a:r>
-              <a:rPr lang="en-US" altLang="ko-KR" sz="1400" b="1" dirty="0"/>
-              <a:t>-</a:t>
-            </a:r>
-            <a:r>
-              <a:rPr lang="ko-KR" altLang="en-US" sz="1400" b="1" dirty="0"/>
-              <a:t>내용을 입력하세요</a:t>
-            </a:r>
-            <a:endParaRPr lang="en-US" altLang="ko-KR" sz="1400" b="1" dirty="0"/>
-          </a:p>
-          <a:p>
-            <a:pPr fontAlgn="base">
-              <a:lnSpc>
-                <a:spcPct val="200000"/>
-              </a:lnSpc>
-            </a:pPr>
-            <a:r>
-              <a:rPr lang="en-US" altLang="ko-KR" sz="1400" b="1" dirty="0"/>
-              <a:t>-</a:t>
-            </a:r>
-            <a:r>
-              <a:rPr lang="ko-KR" altLang="en-US" sz="1400" b="1" dirty="0"/>
-              <a:t>내용을 입력하세요</a:t>
-            </a:r>
-            <a:endParaRPr lang="ko-KR" altLang="en-US" dirty="0"/>
-          </a:p>
-        </p:txBody>
-      </p:sp>
-      <p:sp>
-        <p:nvSpPr>
-          <p:cNvPr id="39" name="TextBox 38"/>
+            <a:endParaRPr lang="ko-KR" altLang="en-US"/>
+          </a:p>
+        </p:txBody>
+      </p:sp>
+      <p:sp>
+        <p:nvSpPr>
+          <p:cNvPr id="4" name="TextBox 3"/>
           <p:cNvSpPr txBox="1"/>
           <p:nvPr/>
         </p:nvSpPr>
@@ -16595,138 +15139,7 @@
       </p:sp>
       <p:sp>
         <p:nvSpPr>
-          <p:cNvPr id="40" name="직사각형 39"/>
-          <p:cNvSpPr/>
-          <p:nvPr/>
-        </p:nvSpPr>
-        <p:spPr>
-          <a:xfrm>
-            <a:off x="219463" y="271681"/>
-            <a:ext cx="1297150" cy="276999"/>
-          </a:xfrm>
-          <a:prstGeom prst="rect">
-            <a:avLst/>
-          </a:prstGeom>
-        </p:spPr>
-        <p:txBody>
-          <a:bodyPr wrap="none">
-            <a:spAutoFit/>
-          </a:bodyPr>
-          <a:lstStyle/>
-          <a:p>
-            <a:pPr algn="ctr"/>
-            <a:r>
-              <a:rPr lang="ko-KR" altLang="en-US" sz="1200" b="1" spc="-150" dirty="0">
-                <a:solidFill>
-                  <a:schemeClr val="bg1"/>
-                </a:solidFill>
-              </a:rPr>
-              <a:t>제목을 입력하세요</a:t>
-            </a:r>
-          </a:p>
-        </p:txBody>
-      </p:sp>
-      <p:sp>
-        <p:nvSpPr>
-          <p:cNvPr id="15" name="TextBox 14"/>
-          <p:cNvSpPr txBox="1"/>
-          <p:nvPr/>
-        </p:nvSpPr>
-        <p:spPr>
-          <a:xfrm>
-            <a:off x="427435" y="836712"/>
-            <a:ext cx="1728192" cy="769441"/>
-          </a:xfrm>
-          <a:prstGeom prst="rect">
-            <a:avLst/>
-          </a:prstGeom>
-          <a:noFill/>
-        </p:spPr>
-        <p:txBody>
-          <a:bodyPr wrap="square" rtlCol="0">
-            <a:spAutoFit/>
-          </a:bodyPr>
-          <a:lstStyle/>
-          <a:p>
-            <a:r>
-              <a:rPr lang="ko-KR" altLang="en-US" sz="2000" b="1" spc="-150" dirty="0" err="1">
-                <a:solidFill>
-                  <a:schemeClr val="tx2">
-                    <a:lumMod val="75000"/>
-                  </a:schemeClr>
-                </a:solidFill>
-                <a:latin typeface="+mj-ea"/>
-              </a:rPr>
-              <a:t>민희블로그</a:t>
-            </a:r>
-            <a:endParaRPr lang="ko-KR" altLang="en-US" sz="2000" b="1" spc="-150" dirty="0">
-              <a:solidFill>
-                <a:schemeClr val="tx2">
-                  <a:lumMod val="75000"/>
-                </a:schemeClr>
-              </a:solidFill>
-              <a:latin typeface="+mj-ea"/>
-            </a:endParaRPr>
-          </a:p>
-          <a:p>
-            <a:endParaRPr lang="ko-KR" altLang="en-US" sz="2400" dirty="0">
-              <a:solidFill>
-                <a:schemeClr val="tx2">
-                  <a:lumMod val="75000"/>
-                </a:schemeClr>
-              </a:solidFill>
-            </a:endParaRPr>
-          </a:p>
-        </p:txBody>
-      </p:sp>
-      <p:sp>
-        <p:nvSpPr>
-          <p:cNvPr id="16" name="TextBox 15"/>
-          <p:cNvSpPr txBox="1"/>
-          <p:nvPr/>
-        </p:nvSpPr>
-        <p:spPr>
-          <a:xfrm>
-            <a:off x="435645" y="1167276"/>
-            <a:ext cx="3240360" cy="307777"/>
-          </a:xfrm>
-          <a:prstGeom prst="rect">
-            <a:avLst/>
-          </a:prstGeom>
-          <a:noFill/>
-        </p:spPr>
-        <p:txBody>
-          <a:bodyPr wrap="square" rtlCol="0">
-            <a:spAutoFit/>
-          </a:bodyPr>
-          <a:lstStyle/>
-          <a:p>
-            <a:r>
-              <a:rPr lang="ko-KR" altLang="en-US" sz="1400" b="1" dirty="0" err="1">
-                <a:solidFill>
-                  <a:schemeClr val="bg1">
-                    <a:lumMod val="50000"/>
-                  </a:schemeClr>
-                </a:solidFill>
-              </a:rPr>
-              <a:t>심플한피피티는</a:t>
-            </a:r>
-            <a:r>
-              <a:rPr lang="ko-KR" altLang="en-US" sz="1400" b="1" dirty="0">
-                <a:solidFill>
-                  <a:schemeClr val="bg1">
-                    <a:lumMod val="50000"/>
-                  </a:schemeClr>
-                </a:solidFill>
-              </a:rPr>
-              <a:t> 무엇인가</a:t>
-            </a:r>
-          </a:p>
-        </p:txBody>
-      </p:sp>
-      <p:sp>
-        <p:nvSpPr>
-          <p:cNvPr id="17" name="TextBox 16"/>
+          <p:cNvPr id="6" name="TextBox 5"/>
           <p:cNvSpPr txBox="1"/>
           <p:nvPr/>
         </p:nvSpPr>
@@ -16764,6 +15177,622 @@
                 </a:schemeClr>
               </a:solidFill>
             </a:endParaRPr>
+          </a:p>
+        </p:txBody>
+      </p:sp>
+      <p:sp>
+        <p:nvSpPr>
+          <p:cNvPr id="9" name="TextBox 8"/>
+          <p:cNvSpPr txBox="1"/>
+          <p:nvPr/>
+        </p:nvSpPr>
+        <p:spPr>
+          <a:xfrm>
+            <a:off x="3995936" y="479095"/>
+            <a:ext cx="1080120" cy="461665"/>
+          </a:xfrm>
+          <a:prstGeom prst="rect">
+            <a:avLst/>
+          </a:prstGeom>
+          <a:noFill/>
+        </p:spPr>
+        <p:txBody>
+          <a:bodyPr wrap="square" rtlCol="0">
+            <a:spAutoFit/>
+          </a:bodyPr>
+          <a:lstStyle/>
+          <a:p>
+            <a:pPr algn="ctr"/>
+            <a:r>
+              <a:rPr lang="en-US" altLang="ko-KR" sz="2400" dirty="0">
+                <a:solidFill>
+                  <a:schemeClr val="bg1"/>
+                </a:solidFill>
+                <a:latin typeface="HY헤드라인M" pitchFamily="18" charset="-127"/>
+                <a:ea typeface="HY헤드라인M" pitchFamily="18" charset="-127"/>
+              </a:rPr>
+              <a:t>01</a:t>
+            </a:r>
+            <a:endParaRPr lang="ko-KR" altLang="en-US" sz="2400" dirty="0">
+              <a:solidFill>
+                <a:schemeClr val="bg1"/>
+              </a:solidFill>
+              <a:latin typeface="HY헤드라인M" pitchFamily="18" charset="-127"/>
+              <a:ea typeface="HY헤드라인M" pitchFamily="18" charset="-127"/>
+            </a:endParaRPr>
+          </a:p>
+        </p:txBody>
+      </p:sp>
+      <p:sp>
+        <p:nvSpPr>
+          <p:cNvPr id="10" name="TextBox 9"/>
+          <p:cNvSpPr txBox="1"/>
+          <p:nvPr/>
+        </p:nvSpPr>
+        <p:spPr>
+          <a:xfrm>
+            <a:off x="1331640" y="3356992"/>
+            <a:ext cx="6624736" cy="523220"/>
+          </a:xfrm>
+          <a:prstGeom prst="rect">
+            <a:avLst/>
+          </a:prstGeom>
+          <a:noFill/>
+        </p:spPr>
+        <p:txBody>
+          <a:bodyPr wrap="square" rtlCol="0">
+            <a:spAutoFit/>
+          </a:bodyPr>
+          <a:lstStyle/>
+          <a:p>
+            <a:pPr algn="ctr"/>
+            <a:r>
+              <a:rPr lang="ko-KR" altLang="en-US" sz="1400" dirty="0"/>
+              <a:t>내용을 입력하세요</a:t>
+            </a:r>
+            <a:endParaRPr lang="en-US" altLang="ko-KR" sz="1400" dirty="0"/>
+          </a:p>
+          <a:p>
+            <a:pPr algn="ctr"/>
+            <a:r>
+              <a:rPr lang="en-US" altLang="ko-KR" sz="1400" dirty="0"/>
+              <a:t>http://minheeblog.tistory.com/category/PPT</a:t>
+            </a:r>
+            <a:endParaRPr lang="ko-KR" altLang="en-US" sz="1400" dirty="0"/>
+          </a:p>
+        </p:txBody>
+      </p:sp>
+      <p:sp>
+        <p:nvSpPr>
+          <p:cNvPr id="11" name="TextBox 10"/>
+          <p:cNvSpPr txBox="1"/>
+          <p:nvPr/>
+        </p:nvSpPr>
+        <p:spPr>
+          <a:xfrm>
+            <a:off x="971600" y="2062589"/>
+            <a:ext cx="7128792" cy="584775"/>
+          </a:xfrm>
+          <a:prstGeom prst="rect">
+            <a:avLst/>
+          </a:prstGeom>
+          <a:noFill/>
+        </p:spPr>
+        <p:txBody>
+          <a:bodyPr wrap="square" rtlCol="0">
+            <a:spAutoFit/>
+          </a:bodyPr>
+          <a:lstStyle/>
+          <a:p>
+            <a:pPr algn="ctr"/>
+            <a:r>
+              <a:rPr lang="ko-KR" altLang="en-US" b="1" spc="-150" dirty="0"/>
+              <a:t>심플한 </a:t>
+            </a:r>
+            <a:r>
+              <a:rPr lang="ko-KR" altLang="en-US" b="1" spc="-150" dirty="0" err="1"/>
+              <a:t>피피티를</a:t>
+            </a:r>
+            <a:r>
+              <a:rPr lang="ko-KR" altLang="en-US" b="1" spc="-150" dirty="0"/>
+              <a:t> 찾을 수 있는 가장 쉬운 방법</a:t>
+            </a:r>
+            <a:endParaRPr lang="en-US" altLang="ko-KR" b="1" spc="-150" dirty="0"/>
+          </a:p>
+          <a:p>
+            <a:pPr algn="ctr"/>
+            <a:r>
+              <a:rPr lang="ko-KR" altLang="en-US" sz="1400" b="1" spc="-150" dirty="0" err="1">
+                <a:latin typeface="+mn-ea"/>
+              </a:rPr>
+              <a:t>민희블로그에</a:t>
+            </a:r>
+            <a:r>
+              <a:rPr lang="ko-KR" altLang="en-US" sz="1400" b="1" spc="-150" dirty="0">
+                <a:latin typeface="+mn-ea"/>
+              </a:rPr>
+              <a:t> 접속하여 </a:t>
+            </a:r>
+            <a:r>
+              <a:rPr lang="ko-KR" altLang="en-US" sz="1400" b="1" spc="-150" dirty="0" err="1">
+                <a:latin typeface="+mn-ea"/>
+              </a:rPr>
+              <a:t>댓글을</a:t>
+            </a:r>
+            <a:r>
+              <a:rPr lang="ko-KR" altLang="en-US" sz="1400" b="1" spc="-150" dirty="0">
+                <a:latin typeface="+mn-ea"/>
+              </a:rPr>
+              <a:t> 남긴 뒤 </a:t>
+            </a:r>
+            <a:r>
+              <a:rPr lang="ko-KR" altLang="en-US" sz="1400" b="1" spc="-150" dirty="0" err="1">
+                <a:latin typeface="+mn-ea"/>
+              </a:rPr>
+              <a:t>심플한피피티를</a:t>
+            </a:r>
+            <a:r>
+              <a:rPr lang="ko-KR" altLang="en-US" sz="1400" b="1" spc="-150" dirty="0">
+                <a:latin typeface="+mn-ea"/>
+              </a:rPr>
+              <a:t> 사용한다</a:t>
+            </a:r>
+            <a:r>
+              <a:rPr lang="en-US" altLang="ko-KR" sz="1400" b="1" spc="-150" dirty="0">
+                <a:latin typeface="+mn-ea"/>
+              </a:rPr>
+              <a:t>.</a:t>
+            </a:r>
+            <a:endParaRPr lang="ko-KR" altLang="en-US" spc="-150" dirty="0"/>
+          </a:p>
+        </p:txBody>
+      </p:sp>
+      <p:sp>
+        <p:nvSpPr>
+          <p:cNvPr id="12" name="TextBox 11"/>
+          <p:cNvSpPr txBox="1"/>
+          <p:nvPr/>
+        </p:nvSpPr>
+        <p:spPr>
+          <a:xfrm>
+            <a:off x="2411760" y="1268760"/>
+            <a:ext cx="4320480" cy="584775"/>
+          </a:xfrm>
+          <a:prstGeom prst="rect">
+            <a:avLst/>
+          </a:prstGeom>
+          <a:noFill/>
+        </p:spPr>
+        <p:txBody>
+          <a:bodyPr wrap="square" rtlCol="0">
+            <a:spAutoFit/>
+          </a:bodyPr>
+          <a:lstStyle/>
+          <a:p>
+            <a:pPr algn="ctr"/>
+            <a:r>
+              <a:rPr lang="en-US" altLang="ko-KR" sz="3200" b="1" spc="-150" dirty="0">
+                <a:solidFill>
+                  <a:schemeClr val="tx2">
+                    <a:lumMod val="75000"/>
+                  </a:schemeClr>
+                </a:solidFill>
+                <a:latin typeface="+mj-lt"/>
+                <a:ea typeface="HY헤드라인M" pitchFamily="18" charset="-127"/>
+              </a:rPr>
+              <a:t>MINHEEBLOG</a:t>
+            </a:r>
+            <a:endParaRPr lang="ko-KR" altLang="en-US" sz="3200" b="1" spc="-150" dirty="0">
+              <a:solidFill>
+                <a:schemeClr val="tx2">
+                  <a:lumMod val="75000"/>
+                </a:schemeClr>
+              </a:solidFill>
+              <a:latin typeface="+mj-lt"/>
+              <a:ea typeface="HY헤드라인M" pitchFamily="18" charset="-127"/>
+            </a:endParaRPr>
+          </a:p>
+        </p:txBody>
+      </p:sp>
+      <p:cxnSp>
+        <p:nvCxnSpPr>
+          <p:cNvPr id="14" name="직선 연결선 13"/>
+          <p:cNvCxnSpPr/>
+          <p:nvPr/>
+        </p:nvCxnSpPr>
+        <p:spPr>
+          <a:xfrm>
+            <a:off x="2123728" y="1916832"/>
+            <a:ext cx="4824536" cy="0"/>
+          </a:xfrm>
+          <a:prstGeom prst="line">
+            <a:avLst/>
+          </a:prstGeom>
+          <a:ln>
+            <a:gradFill>
+              <a:gsLst>
+                <a:gs pos="0">
+                  <a:schemeClr val="bg1"/>
+                </a:gs>
+                <a:gs pos="50000">
+                  <a:schemeClr val="bg1">
+                    <a:lumMod val="50000"/>
+                  </a:schemeClr>
+                </a:gs>
+                <a:gs pos="100000">
+                  <a:schemeClr val="bg1"/>
+                </a:gs>
+              </a:gsLst>
+              <a:lin ang="10800000" scaled="0"/>
+            </a:gradFill>
+          </a:ln>
+        </p:spPr>
+        <p:style>
+          <a:lnRef idx="1">
+            <a:schemeClr val="dk1"/>
+          </a:lnRef>
+          <a:fillRef idx="0">
+            <a:schemeClr val="dk1"/>
+          </a:fillRef>
+          <a:effectRef idx="0">
+            <a:schemeClr val="dk1"/>
+          </a:effectRef>
+          <a:fontRef idx="minor">
+            <a:schemeClr val="tx1"/>
+          </a:fontRef>
+        </p:style>
+      </p:cxnSp>
+      <p:sp>
+        <p:nvSpPr>
+          <p:cNvPr id="17" name="직사각형 16"/>
+          <p:cNvSpPr/>
+          <p:nvPr/>
+        </p:nvSpPr>
+        <p:spPr>
+          <a:xfrm>
+            <a:off x="219463" y="271681"/>
+            <a:ext cx="1297150" cy="276999"/>
+          </a:xfrm>
+          <a:prstGeom prst="rect">
+            <a:avLst/>
+          </a:prstGeom>
+        </p:spPr>
+        <p:txBody>
+          <a:bodyPr wrap="none">
+            <a:spAutoFit/>
+          </a:bodyPr>
+          <a:lstStyle/>
+          <a:p>
+            <a:pPr algn="ctr"/>
+            <a:r>
+              <a:rPr lang="ko-KR" altLang="en-US" sz="1200" b="1" spc="-150" dirty="0">
+                <a:solidFill>
+                  <a:schemeClr val="bg1"/>
+                </a:solidFill>
+              </a:rPr>
+              <a:t>제목을 입력하세요</a:t>
+            </a:r>
+          </a:p>
+        </p:txBody>
+      </p:sp>
+      <p:pic>
+        <p:nvPicPr>
+          <p:cNvPr id="18" name="_x48549128" descr="EMB00000778ad78"/>
+          <p:cNvPicPr>
+            <a:picLocks noChangeAspect="1" noChangeArrowheads="1"/>
+          </p:cNvPicPr>
+          <p:nvPr/>
+        </p:nvPicPr>
+        <p:blipFill>
+          <a:blip r:embed="rId3" cstate="print"/>
+          <a:stretch>
+            <a:fillRect/>
+          </a:stretch>
+        </p:blipFill>
+        <p:spPr bwMode="auto">
+          <a:xfrm>
+            <a:off x="3492120" y="4581128"/>
+            <a:ext cx="2160000" cy="1440000"/>
+          </a:xfrm>
+          <a:prstGeom prst="rect">
+            <a:avLst/>
+          </a:prstGeom>
+          <a:noFill/>
+        </p:spPr>
+      </p:pic>
+      <p:pic>
+        <p:nvPicPr>
+          <p:cNvPr id="19" name="_x48549128" descr="EMB00000778ad7b"/>
+          <p:cNvPicPr>
+            <a:picLocks noChangeAspect="1" noChangeArrowheads="1"/>
+          </p:cNvPicPr>
+          <p:nvPr/>
+        </p:nvPicPr>
+        <p:blipFill>
+          <a:blip r:embed="rId4" cstate="print"/>
+          <a:stretch>
+            <a:fillRect/>
+          </a:stretch>
+        </p:blipFill>
+        <p:spPr bwMode="auto">
+          <a:xfrm>
+            <a:off x="6012160" y="4581128"/>
+            <a:ext cx="2160000" cy="1440000"/>
+          </a:xfrm>
+          <a:prstGeom prst="rect">
+            <a:avLst/>
+          </a:prstGeom>
+          <a:noFill/>
+        </p:spPr>
+      </p:pic>
+      <p:pic>
+        <p:nvPicPr>
+          <p:cNvPr id="20" name="_x189903544" descr="EMB00000778ad7e"/>
+          <p:cNvPicPr>
+            <a:picLocks noChangeAspect="1" noChangeArrowheads="1"/>
+          </p:cNvPicPr>
+          <p:nvPr/>
+        </p:nvPicPr>
+        <p:blipFill>
+          <a:blip r:embed="rId5" cstate="print"/>
+          <a:stretch>
+            <a:fillRect/>
+          </a:stretch>
+        </p:blipFill>
+        <p:spPr bwMode="auto">
+          <a:xfrm>
+            <a:off x="971600" y="4581288"/>
+            <a:ext cx="2160001" cy="1440000"/>
+          </a:xfrm>
+          <a:prstGeom prst="rect">
+            <a:avLst/>
+          </a:prstGeom>
+          <a:noFill/>
+        </p:spPr>
+      </p:pic>
+      <p:sp>
+        <p:nvSpPr>
+          <p:cNvPr id="21" name="TextBox 20"/>
+          <p:cNvSpPr txBox="1"/>
+          <p:nvPr/>
+        </p:nvSpPr>
+        <p:spPr>
+          <a:xfrm>
+            <a:off x="1115616" y="5013176"/>
+            <a:ext cx="1872208" cy="430887"/>
+          </a:xfrm>
+          <a:prstGeom prst="rect">
+            <a:avLst/>
+          </a:prstGeom>
+          <a:noFill/>
+        </p:spPr>
+        <p:txBody>
+          <a:bodyPr wrap="square" rtlCol="0">
+            <a:spAutoFit/>
+          </a:bodyPr>
+          <a:lstStyle/>
+          <a:p>
+            <a:pPr algn="ctr"/>
+            <a:r>
+              <a:rPr lang="ko-KR" altLang="en-US" sz="1100" dirty="0" err="1">
+                <a:solidFill>
+                  <a:schemeClr val="bg1"/>
+                </a:solidFill>
+              </a:rPr>
+              <a:t>우클릭</a:t>
+            </a:r>
+            <a:r>
+              <a:rPr lang="ko-KR" altLang="en-US" sz="1100" dirty="0">
+                <a:solidFill>
+                  <a:schemeClr val="bg1"/>
+                </a:solidFill>
+              </a:rPr>
+              <a:t> </a:t>
+            </a:r>
+            <a:r>
+              <a:rPr lang="ko-KR" altLang="en-US" sz="1100" dirty="0" err="1">
+                <a:solidFill>
+                  <a:schemeClr val="bg1"/>
+                </a:solidFill>
+              </a:rPr>
+              <a:t>그림바꾸기로</a:t>
+            </a:r>
+            <a:r>
+              <a:rPr lang="ko-KR" altLang="en-US" sz="1100" dirty="0">
+                <a:solidFill>
+                  <a:schemeClr val="bg1"/>
+                </a:solidFill>
+              </a:rPr>
+              <a:t> </a:t>
+            </a:r>
+            <a:endParaRPr lang="en-US" altLang="ko-KR" sz="1100" dirty="0">
+              <a:solidFill>
+                <a:schemeClr val="bg1"/>
+              </a:solidFill>
+            </a:endParaRPr>
+          </a:p>
+          <a:p>
+            <a:pPr algn="ctr"/>
+            <a:r>
+              <a:rPr lang="ko-KR" altLang="en-US" sz="1100" dirty="0" err="1">
+                <a:solidFill>
+                  <a:schemeClr val="bg1"/>
+                </a:solidFill>
+              </a:rPr>
+              <a:t>그림바꿔주세요</a:t>
+            </a:r>
+            <a:r>
+              <a:rPr lang="ko-KR" altLang="en-US" sz="1100" dirty="0">
+                <a:solidFill>
+                  <a:schemeClr val="bg1"/>
+                </a:solidFill>
+              </a:rPr>
+              <a:t> </a:t>
+            </a:r>
+          </a:p>
+        </p:txBody>
+      </p:sp>
+      <p:sp>
+        <p:nvSpPr>
+          <p:cNvPr id="22" name="TextBox 21"/>
+          <p:cNvSpPr txBox="1"/>
+          <p:nvPr/>
+        </p:nvSpPr>
+        <p:spPr>
+          <a:xfrm>
+            <a:off x="3707904" y="5013176"/>
+            <a:ext cx="1872208" cy="430887"/>
+          </a:xfrm>
+          <a:prstGeom prst="rect">
+            <a:avLst/>
+          </a:prstGeom>
+          <a:noFill/>
+        </p:spPr>
+        <p:txBody>
+          <a:bodyPr wrap="square" rtlCol="0">
+            <a:spAutoFit/>
+          </a:bodyPr>
+          <a:lstStyle/>
+          <a:p>
+            <a:pPr algn="ctr"/>
+            <a:r>
+              <a:rPr lang="ko-KR" altLang="en-US" sz="1100" dirty="0" err="1">
+                <a:solidFill>
+                  <a:schemeClr val="bg1"/>
+                </a:solidFill>
+              </a:rPr>
+              <a:t>우클릭</a:t>
+            </a:r>
+            <a:r>
+              <a:rPr lang="ko-KR" altLang="en-US" sz="1100" dirty="0">
+                <a:solidFill>
+                  <a:schemeClr val="bg1"/>
+                </a:solidFill>
+              </a:rPr>
+              <a:t> </a:t>
+            </a:r>
+            <a:r>
+              <a:rPr lang="ko-KR" altLang="en-US" sz="1100" dirty="0" err="1">
+                <a:solidFill>
+                  <a:schemeClr val="bg1"/>
+                </a:solidFill>
+              </a:rPr>
+              <a:t>그림바꾸기로</a:t>
+            </a:r>
+            <a:r>
+              <a:rPr lang="ko-KR" altLang="en-US" sz="1100" dirty="0">
+                <a:solidFill>
+                  <a:schemeClr val="bg1"/>
+                </a:solidFill>
+              </a:rPr>
+              <a:t> </a:t>
+            </a:r>
+            <a:endParaRPr lang="en-US" altLang="ko-KR" sz="1100" dirty="0">
+              <a:solidFill>
+                <a:schemeClr val="bg1"/>
+              </a:solidFill>
+            </a:endParaRPr>
+          </a:p>
+          <a:p>
+            <a:pPr algn="ctr"/>
+            <a:r>
+              <a:rPr lang="ko-KR" altLang="en-US" sz="1100" dirty="0" err="1">
+                <a:solidFill>
+                  <a:schemeClr val="bg1"/>
+                </a:solidFill>
+              </a:rPr>
+              <a:t>그림바꿔주세요</a:t>
+            </a:r>
+            <a:r>
+              <a:rPr lang="ko-KR" altLang="en-US" sz="1100" dirty="0">
+                <a:solidFill>
+                  <a:schemeClr val="bg1"/>
+                </a:solidFill>
+              </a:rPr>
+              <a:t> </a:t>
+            </a:r>
+          </a:p>
+        </p:txBody>
+      </p:sp>
+      <p:sp>
+        <p:nvSpPr>
+          <p:cNvPr id="23" name="TextBox 22"/>
+          <p:cNvSpPr txBox="1"/>
+          <p:nvPr/>
+        </p:nvSpPr>
+        <p:spPr>
+          <a:xfrm>
+            <a:off x="6228184" y="5013176"/>
+            <a:ext cx="1872208" cy="430887"/>
+          </a:xfrm>
+          <a:prstGeom prst="rect">
+            <a:avLst/>
+          </a:prstGeom>
+          <a:noFill/>
+        </p:spPr>
+        <p:txBody>
+          <a:bodyPr wrap="square" rtlCol="0">
+            <a:spAutoFit/>
+          </a:bodyPr>
+          <a:lstStyle/>
+          <a:p>
+            <a:pPr algn="ctr"/>
+            <a:r>
+              <a:rPr lang="ko-KR" altLang="en-US" sz="1100" dirty="0" err="1">
+                <a:solidFill>
+                  <a:schemeClr val="bg1"/>
+                </a:solidFill>
+              </a:rPr>
+              <a:t>우클릭</a:t>
+            </a:r>
+            <a:r>
+              <a:rPr lang="ko-KR" altLang="en-US" sz="1100" dirty="0">
+                <a:solidFill>
+                  <a:schemeClr val="bg1"/>
+                </a:solidFill>
+              </a:rPr>
+              <a:t> </a:t>
+            </a:r>
+            <a:r>
+              <a:rPr lang="ko-KR" altLang="en-US" sz="1100" dirty="0" err="1">
+                <a:solidFill>
+                  <a:schemeClr val="bg1"/>
+                </a:solidFill>
+              </a:rPr>
+              <a:t>그림바꾸기로</a:t>
+            </a:r>
+            <a:r>
+              <a:rPr lang="ko-KR" altLang="en-US" sz="1100" dirty="0">
+                <a:solidFill>
+                  <a:schemeClr val="bg1"/>
+                </a:solidFill>
+              </a:rPr>
+              <a:t> </a:t>
+            </a:r>
+            <a:endParaRPr lang="en-US" altLang="ko-KR" sz="1100" dirty="0">
+              <a:solidFill>
+                <a:schemeClr val="bg1"/>
+              </a:solidFill>
+            </a:endParaRPr>
+          </a:p>
+          <a:p>
+            <a:pPr algn="ctr"/>
+            <a:r>
+              <a:rPr lang="ko-KR" altLang="en-US" sz="1100" dirty="0" err="1">
+                <a:solidFill>
+                  <a:schemeClr val="bg1"/>
+                </a:solidFill>
+              </a:rPr>
+              <a:t>그림바꿔주세요</a:t>
+            </a:r>
+            <a:r>
+              <a:rPr lang="ko-KR" altLang="en-US" sz="1100" dirty="0">
+                <a:solidFill>
+                  <a:schemeClr val="bg1"/>
+                </a:solidFill>
+              </a:rPr>
+              <a:t> </a:t>
+            </a:r>
           </a:p>
         </p:txBody>
       </p:sp>
@@ -16850,6 +15879,105 @@
       </p:sp>
       <p:sp>
         <p:nvSpPr>
+          <p:cNvPr id="19" name="모서리가 둥근 직사각형 18"/>
+          <p:cNvSpPr/>
+          <p:nvPr/>
+        </p:nvSpPr>
+        <p:spPr>
+          <a:xfrm>
+            <a:off x="755576" y="3109069"/>
+            <a:ext cx="1296144" cy="432048"/>
+          </a:xfrm>
+          <a:prstGeom prst="roundRect">
+            <a:avLst/>
+          </a:prstGeom>
+          <a:solidFill>
+            <a:schemeClr val="accent5">
+              <a:lumMod val="50000"/>
+            </a:schemeClr>
+          </a:solidFill>
+          <a:ln>
+            <a:noFill/>
+          </a:ln>
+        </p:spPr>
+        <p:style>
+          <a:lnRef idx="2">
+            <a:schemeClr val="accent5">
+              <a:shade val="50000"/>
+            </a:schemeClr>
+          </a:lnRef>
+          <a:fillRef idx="1">
+            <a:schemeClr val="accent5"/>
+          </a:fillRef>
+          <a:effectRef idx="0">
+            <a:schemeClr val="accent5"/>
+          </a:effectRef>
+          <a:fontRef idx="minor">
+            <a:schemeClr val="lt1"/>
+          </a:fontRef>
+        </p:style>
+        <p:txBody>
+          <a:bodyPr rtlCol="0" anchor="ctr"/>
+          <a:lstStyle/>
+          <a:p>
+            <a:pPr algn="ctr"/>
+            <a:endParaRPr lang="ko-KR" altLang="en-US" dirty="0">
+              <a:solidFill>
+                <a:schemeClr val="bg1"/>
+              </a:solidFill>
+            </a:endParaRPr>
+          </a:p>
+        </p:txBody>
+      </p:sp>
+      <p:sp>
+        <p:nvSpPr>
+          <p:cNvPr id="18" name="모서리가 둥근 직사각형 17"/>
+          <p:cNvSpPr/>
+          <p:nvPr/>
+        </p:nvSpPr>
+        <p:spPr>
+          <a:xfrm>
+            <a:off x="755576" y="2495319"/>
+            <a:ext cx="1296144" cy="432048"/>
+          </a:xfrm>
+          <a:prstGeom prst="roundRect">
+            <a:avLst/>
+          </a:prstGeom>
+          <a:ln>
+            <a:noFill/>
+          </a:ln>
+        </p:spPr>
+        <p:style>
+          <a:lnRef idx="2">
+            <a:schemeClr val="accent5">
+              <a:shade val="50000"/>
+            </a:schemeClr>
+          </a:lnRef>
+          <a:fillRef idx="1">
+            <a:schemeClr val="accent5"/>
+          </a:fillRef>
+          <a:effectRef idx="0">
+            <a:schemeClr val="accent5"/>
+          </a:effectRef>
+          <a:fontRef idx="minor">
+            <a:schemeClr val="lt1"/>
+          </a:fontRef>
+        </p:style>
+        <p:txBody>
+          <a:bodyPr rtlCol="0" anchor="ctr"/>
+          <a:lstStyle/>
+          <a:p>
+            <a:pPr algn="ctr"/>
+            <a:endParaRPr lang="ko-KR" altLang="en-US" dirty="0">
+              <a:solidFill>
+                <a:schemeClr val="bg1"/>
+              </a:solidFill>
+            </a:endParaRPr>
+          </a:p>
+        </p:txBody>
+      </p:sp>
+      <p:sp>
+        <p:nvSpPr>
           <p:cNvPr id="3" name="타원 2"/>
           <p:cNvSpPr/>
           <p:nvPr/>
@@ -16947,8 +16075,8 @@
         </p:nvSpPr>
         <p:spPr>
           <a:xfrm>
-            <a:off x="467544" y="1556792"/>
-            <a:ext cx="8208912" cy="4247317"/>
+            <a:off x="539552" y="1484784"/>
+            <a:ext cx="6768752" cy="369332"/>
           </a:xfrm>
           <a:prstGeom prst="rect">
             <a:avLst/>
@@ -16961,61 +16089,38 @@
           </a:bodyPr>
           <a:lstStyle/>
           <a:p>
-            <a:pPr fontAlgn="base"/>
-            <a:r>
-              <a:rPr lang="en-US" altLang="ko-KR" b="1" dirty="0"/>
-              <a:t>1) </a:t>
-            </a:r>
-            <a:r>
-              <a:rPr lang="ko-KR" altLang="en-US" b="1" dirty="0"/>
+            <a:r>
+              <a:rPr lang="en-US" altLang="ko-KR" b="1" spc="-150" dirty="0"/>
+              <a:t>1)  </a:t>
+            </a:r>
+            <a:r>
+              <a:rPr lang="ko-KR" altLang="en-US" b="1" spc="-150" dirty="0"/>
               <a:t>소제목을 입력하세요</a:t>
             </a:r>
-            <a:endParaRPr lang="ko-KR" altLang="en-US" dirty="0"/>
-          </a:p>
-          <a:p>
-            <a:pPr fontAlgn="base"/>
-            <a:endParaRPr lang="en-US" altLang="ko-KR" dirty="0"/>
-          </a:p>
-          <a:p>
-            <a:pPr fontAlgn="base"/>
-            <a:endParaRPr lang="en-US" altLang="ko-KR" dirty="0"/>
-          </a:p>
-          <a:p>
-            <a:pPr fontAlgn="base"/>
-            <a:endParaRPr lang="en-US" altLang="ko-KR" dirty="0"/>
-          </a:p>
-          <a:p>
-            <a:pPr fontAlgn="base"/>
-            <a:endParaRPr lang="en-US" altLang="ko-KR" dirty="0"/>
-          </a:p>
-          <a:p>
-            <a:pPr fontAlgn="base"/>
-            <a:endParaRPr lang="en-US" altLang="ko-KR" dirty="0"/>
-          </a:p>
-          <a:p>
-            <a:pPr fontAlgn="base"/>
-            <a:endParaRPr lang="en-US" altLang="ko-KR" dirty="0"/>
-          </a:p>
-          <a:p>
-            <a:pPr fontAlgn="base"/>
-            <a:endParaRPr lang="en-US" altLang="ko-KR" dirty="0"/>
-          </a:p>
-          <a:p>
-            <a:pPr fontAlgn="base"/>
-            <a:endParaRPr lang="en-US" altLang="ko-KR" dirty="0"/>
-          </a:p>
-          <a:p>
-            <a:pPr fontAlgn="base"/>
-            <a:endParaRPr lang="en-US" altLang="ko-KR" dirty="0"/>
-          </a:p>
-          <a:p>
-            <a:pPr fontAlgn="base"/>
-            <a:endParaRPr lang="en-US" altLang="ko-KR" dirty="0"/>
-          </a:p>
-          <a:p>
-            <a:pPr fontAlgn="base"/>
-            <a:endParaRPr lang="en-US" altLang="ko-KR" dirty="0"/>
-          </a:p>
+          </a:p>
+        </p:txBody>
+      </p:sp>
+      <p:sp>
+        <p:nvSpPr>
+          <p:cNvPr id="15" name="TextBox 14"/>
+          <p:cNvSpPr txBox="1"/>
+          <p:nvPr/>
+        </p:nvSpPr>
+        <p:spPr>
+          <a:xfrm>
+            <a:off x="827584" y="1772816"/>
+            <a:ext cx="7776864" cy="707886"/>
+          </a:xfrm>
+          <a:prstGeom prst="rect">
+            <a:avLst/>
+          </a:prstGeom>
+          <a:noFill/>
+        </p:spPr>
+        <p:txBody>
+          <a:bodyPr wrap="square" rtlCol="0">
+            <a:spAutoFit/>
+          </a:bodyPr>
+          <a:lstStyle/>
           <a:p>
             <a:pPr fontAlgn="base">
               <a:lnSpc>
@@ -17023,52 +16128,465 @@
               </a:lnSpc>
             </a:pPr>
             <a:r>
-              <a:rPr lang="en-US" altLang="ko-KR" b="1" dirty="0"/>
-              <a:t>2) </a:t>
-            </a:r>
-            <a:r>
-              <a:rPr lang="ko-KR" altLang="en-US" b="1" dirty="0"/>
-              <a:t>소제목을 입력하세요</a:t>
-            </a:r>
-            <a:endParaRPr lang="ko-KR" altLang="en-US" dirty="0">
+              <a:rPr lang="en-US" altLang="ko-KR" sz="2000" b="1" spc="-150" dirty="0"/>
+              <a:t>“</a:t>
+            </a:r>
+            <a:r>
+              <a:rPr lang="ko-KR" altLang="en-US" sz="2000" b="1" spc="-150" dirty="0" err="1"/>
+              <a:t>민희블로그</a:t>
+            </a:r>
+            <a:r>
+              <a:rPr lang="en-US" altLang="ko-KR" sz="2000" b="1" spc="-150" dirty="0"/>
+              <a:t>”</a:t>
+            </a:r>
+            <a:r>
+              <a:rPr lang="ko-KR" altLang="en-US" sz="2000" spc="-150" dirty="0"/>
+              <a:t>는 심플한 피피티를 얻을 수 있는 좋은 </a:t>
+            </a:r>
+            <a:r>
+              <a:rPr lang="ko-KR" altLang="en-US" sz="2000" spc="-150" dirty="0" err="1"/>
+              <a:t>블로그</a:t>
+            </a:r>
+            <a:r>
+              <a:rPr lang="ko-KR" altLang="en-US" sz="2000" spc="-150" dirty="0"/>
+              <a:t> 이다</a:t>
+            </a:r>
+            <a:r>
+              <a:rPr lang="en-US" altLang="ko-KR" sz="2000" spc="-150" dirty="0"/>
+              <a:t>.</a:t>
+            </a:r>
+            <a:endParaRPr lang="ko-KR" altLang="en-US" spc="-150" dirty="0"/>
+          </a:p>
+        </p:txBody>
+      </p:sp>
+      <p:sp>
+        <p:nvSpPr>
+          <p:cNvPr id="22" name="TextBox 21"/>
+          <p:cNvSpPr txBox="1"/>
+          <p:nvPr/>
+        </p:nvSpPr>
+        <p:spPr>
+          <a:xfrm>
+            <a:off x="2699792" y="4005064"/>
+            <a:ext cx="4896544" cy="738664"/>
+          </a:xfrm>
+          <a:prstGeom prst="rect">
+            <a:avLst/>
+          </a:prstGeom>
+          <a:noFill/>
+        </p:spPr>
+        <p:txBody>
+          <a:bodyPr wrap="square" rtlCol="0">
+            <a:spAutoFit/>
+          </a:bodyPr>
+          <a:lstStyle/>
+          <a:p>
+            <a:r>
+              <a:rPr lang="ko-KR" altLang="en-US" sz="1400" dirty="0"/>
+              <a:t>내용을 입력하세요</a:t>
+            </a:r>
+            <a:endParaRPr lang="en-US" altLang="ko-KR" sz="1400" dirty="0"/>
+          </a:p>
+          <a:p>
+            <a:r>
+              <a:rPr lang="ko-KR" altLang="en-US" sz="1400" dirty="0"/>
+              <a:t>내용을 입력하세요</a:t>
+            </a:r>
+            <a:endParaRPr lang="en-US" altLang="ko-KR" sz="1400" dirty="0"/>
+          </a:p>
+          <a:p>
+            <a:r>
+              <a:rPr lang="ko-KR" altLang="en-US" sz="1400" dirty="0"/>
+              <a:t>내용을 입력하세요</a:t>
+            </a:r>
+          </a:p>
+        </p:txBody>
+      </p:sp>
+      <p:sp>
+        <p:nvSpPr>
+          <p:cNvPr id="23" name="TextBox 22"/>
+          <p:cNvSpPr txBox="1"/>
+          <p:nvPr/>
+        </p:nvSpPr>
+        <p:spPr>
+          <a:xfrm>
+            <a:off x="2267744" y="3995772"/>
+            <a:ext cx="648072" cy="307777"/>
+          </a:xfrm>
+          <a:prstGeom prst="rect">
+            <a:avLst/>
+          </a:prstGeom>
+          <a:noFill/>
+        </p:spPr>
+        <p:txBody>
+          <a:bodyPr wrap="square" rtlCol="0">
+            <a:spAutoFit/>
+          </a:bodyPr>
+          <a:lstStyle/>
+          <a:p>
+            <a:r>
+              <a:rPr lang="ko-KR" altLang="en-US" sz="1400" spc="-150" dirty="0"/>
+              <a:t>예</a:t>
+            </a:r>
+            <a:r>
+              <a:rPr lang="en-US" altLang="ko-KR" sz="1400" spc="-150" dirty="0"/>
+              <a:t>)</a:t>
+            </a:r>
+            <a:endParaRPr lang="ko-KR" altLang="en-US" sz="1400" dirty="0"/>
+          </a:p>
+        </p:txBody>
+      </p:sp>
+      <p:sp>
+        <p:nvSpPr>
+          <p:cNvPr id="24" name="직사각형 23"/>
+          <p:cNvSpPr/>
+          <p:nvPr/>
+        </p:nvSpPr>
+        <p:spPr>
+          <a:xfrm>
+            <a:off x="2555776" y="4725144"/>
+            <a:ext cx="5760640" cy="1200329"/>
+          </a:xfrm>
+          <a:prstGeom prst="rect">
+            <a:avLst/>
+          </a:prstGeom>
+        </p:spPr>
+        <p:txBody>
+          <a:bodyPr wrap="square">
+            <a:spAutoFit/>
+          </a:bodyPr>
+          <a:lstStyle/>
+          <a:p>
+            <a:pPr fontAlgn="base">
+              <a:lnSpc>
+                <a:spcPct val="200000"/>
+              </a:lnSpc>
+            </a:pPr>
+            <a:r>
+              <a:rPr lang="ko-KR" altLang="en-US" sz="2000" b="1" spc="-150" dirty="0" err="1">
+                <a:solidFill>
+                  <a:schemeClr val="accent5">
+                    <a:lumMod val="50000"/>
+                  </a:schemeClr>
+                </a:solidFill>
+              </a:rPr>
+              <a:t>심플한피피티의</a:t>
+            </a:r>
+            <a:r>
+              <a:rPr lang="ko-KR" altLang="en-US" sz="2000" b="1" spc="-150" dirty="0">
+                <a:solidFill>
+                  <a:schemeClr val="accent5">
+                    <a:lumMod val="50000"/>
+                  </a:schemeClr>
+                </a:solidFill>
+              </a:rPr>
+              <a:t> 목표</a:t>
+            </a:r>
+            <a:endParaRPr lang="en-US" altLang="ko-KR" sz="2000" b="1" spc="-150" dirty="0">
               <a:solidFill>
-                <a:schemeClr val="tx2"/>
+                <a:schemeClr val="accent5">
+                  <a:lumMod val="50000"/>
+                </a:schemeClr>
               </a:solidFill>
             </a:endParaRPr>
           </a:p>
           <a:p>
             <a:pPr fontAlgn="base"/>
             <a:r>
-              <a:rPr lang="en-US" altLang="ko-KR" b="1" dirty="0"/>
-              <a:t>	</a:t>
-            </a:r>
-            <a:r>
-              <a:rPr lang="ko-KR" altLang="en-US" b="1" dirty="0"/>
-              <a:t>→ 내용을 입력하세요</a:t>
+              <a:rPr lang="ko-KR" altLang="en-US" sz="1600" spc="-150" dirty="0"/>
+              <a:t>그냥 최대한 단순하게 표현을 하도록 한다</a:t>
+            </a:r>
+            <a:r>
+              <a:rPr lang="en-US" altLang="ko-KR" sz="1600" spc="-150" dirty="0"/>
+              <a:t>.</a:t>
+            </a:r>
+          </a:p>
+          <a:p>
+            <a:pPr fontAlgn="base"/>
+            <a:r>
+              <a:rPr lang="ko-KR" altLang="en-US" sz="1600" spc="-150" dirty="0"/>
+              <a:t>색은 </a:t>
+            </a:r>
+            <a:r>
+              <a:rPr lang="en-US" altLang="ko-KR" sz="1600" spc="-150" dirty="0"/>
+              <a:t>4</a:t>
+            </a:r>
+            <a:r>
+              <a:rPr lang="ko-KR" altLang="en-US" sz="1600" spc="-150" dirty="0"/>
+              <a:t>가지 이상을 사용하지 않는 것이  바람직하다고 생각한다</a:t>
+            </a:r>
+            <a:r>
+              <a:rPr lang="en-US" altLang="ko-KR" sz="1600" spc="-150" dirty="0"/>
+              <a:t>.</a:t>
+            </a:r>
+            <a:endParaRPr lang="ko-KR" altLang="en-US" sz="1600" spc="-150" dirty="0"/>
+          </a:p>
+        </p:txBody>
+      </p:sp>
+      <p:sp>
+        <p:nvSpPr>
+          <p:cNvPr id="25" name="줄무늬가 있는 오른쪽 화살표 24"/>
+          <p:cNvSpPr/>
+          <p:nvPr/>
+        </p:nvSpPr>
+        <p:spPr>
+          <a:xfrm>
+            <a:off x="827584" y="4941168"/>
+            <a:ext cx="1296144" cy="864096"/>
+          </a:xfrm>
+          <a:prstGeom prst="stripedRightArrow">
+            <a:avLst/>
+          </a:prstGeom>
+          <a:solidFill>
+            <a:schemeClr val="bg1">
+              <a:lumMod val="85000"/>
+            </a:schemeClr>
+          </a:solidFill>
+          <a:ln>
+            <a:noFill/>
+          </a:ln>
+        </p:spPr>
+        <p:style>
+          <a:lnRef idx="2">
+            <a:schemeClr val="accent1">
+              <a:shade val="50000"/>
+            </a:schemeClr>
+          </a:lnRef>
+          <a:fillRef idx="1">
+            <a:schemeClr val="accent1"/>
+          </a:fillRef>
+          <a:effectRef idx="0">
+            <a:schemeClr val="accent1"/>
+          </a:effectRef>
+          <a:fontRef idx="minor">
+            <a:schemeClr val="lt1"/>
+          </a:fontRef>
+        </p:style>
+        <p:txBody>
+          <a:bodyPr rtlCol="0" anchor="ctr"/>
+          <a:lstStyle/>
+          <a:p>
+            <a:pPr algn="ctr"/>
+            <a:endParaRPr lang="ko-KR" altLang="en-US"/>
+          </a:p>
+        </p:txBody>
+      </p:sp>
+      <p:sp>
+        <p:nvSpPr>
+          <p:cNvPr id="26" name="모서리가 둥근 직사각형 25"/>
+          <p:cNvSpPr/>
+          <p:nvPr/>
+        </p:nvSpPr>
+        <p:spPr>
+          <a:xfrm>
+            <a:off x="2339752" y="4869160"/>
+            <a:ext cx="6192688" cy="1152128"/>
+          </a:xfrm>
+          <a:prstGeom prst="roundRect">
+            <a:avLst/>
+          </a:prstGeom>
+          <a:noFill/>
+          <a:ln>
+            <a:solidFill>
+              <a:schemeClr val="bg1">
+                <a:lumMod val="85000"/>
+              </a:schemeClr>
+            </a:solidFill>
+          </a:ln>
+        </p:spPr>
+        <p:style>
+          <a:lnRef idx="2">
+            <a:schemeClr val="accent1">
+              <a:shade val="50000"/>
+            </a:schemeClr>
+          </a:lnRef>
+          <a:fillRef idx="1">
+            <a:schemeClr val="accent1"/>
+          </a:fillRef>
+          <a:effectRef idx="0">
+            <a:schemeClr val="accent1"/>
+          </a:effectRef>
+          <a:fontRef idx="minor">
+            <a:schemeClr val="lt1"/>
+          </a:fontRef>
+        </p:style>
+        <p:txBody>
+          <a:bodyPr rtlCol="0" anchor="ctr"/>
+          <a:lstStyle/>
+          <a:p>
+            <a:pPr algn="ctr"/>
+            <a:endParaRPr lang="ko-KR" altLang="en-US"/>
+          </a:p>
+        </p:txBody>
+      </p:sp>
+      <p:sp>
+        <p:nvSpPr>
+          <p:cNvPr id="27" name="TextBox 26"/>
+          <p:cNvSpPr txBox="1"/>
+          <p:nvPr/>
+        </p:nvSpPr>
+        <p:spPr>
+          <a:xfrm>
+            <a:off x="971600" y="2555612"/>
+            <a:ext cx="936104" cy="369332"/>
+          </a:xfrm>
+          <a:prstGeom prst="rect">
+            <a:avLst/>
+          </a:prstGeom>
+          <a:noFill/>
+        </p:spPr>
+        <p:txBody>
+          <a:bodyPr wrap="square" rtlCol="0">
+            <a:spAutoFit/>
+          </a:bodyPr>
+          <a:lstStyle/>
+          <a:p>
+            <a:r>
+              <a:rPr lang="ko-KR" altLang="en-US" b="1" dirty="0">
+                <a:solidFill>
+                  <a:schemeClr val="bg1"/>
+                </a:solidFill>
+              </a:rPr>
+              <a:t>소제목</a:t>
+            </a:r>
+          </a:p>
+        </p:txBody>
+      </p:sp>
+      <p:sp>
+        <p:nvSpPr>
+          <p:cNvPr id="28" name="TextBox 27"/>
+          <p:cNvSpPr txBox="1"/>
+          <p:nvPr/>
+        </p:nvSpPr>
+        <p:spPr>
+          <a:xfrm>
+            <a:off x="971600" y="3131676"/>
+            <a:ext cx="936104" cy="369332"/>
+          </a:xfrm>
+          <a:prstGeom prst="rect">
+            <a:avLst/>
+          </a:prstGeom>
+          <a:noFill/>
+        </p:spPr>
+        <p:txBody>
+          <a:bodyPr wrap="square" rtlCol="0">
+            <a:spAutoFit/>
+          </a:bodyPr>
+          <a:lstStyle/>
+          <a:p>
+            <a:r>
+              <a:rPr lang="ko-KR" altLang="en-US" b="1" dirty="0">
+                <a:solidFill>
+                  <a:schemeClr val="bg1"/>
+                </a:solidFill>
+              </a:rPr>
+              <a:t>소제목</a:t>
+            </a:r>
+          </a:p>
+        </p:txBody>
+      </p:sp>
+      <p:sp>
+        <p:nvSpPr>
+          <p:cNvPr id="29" name="TextBox 28"/>
+          <p:cNvSpPr txBox="1"/>
+          <p:nvPr/>
+        </p:nvSpPr>
+        <p:spPr>
+          <a:xfrm>
+            <a:off x="2195736" y="2555612"/>
+            <a:ext cx="4248472" cy="369332"/>
+          </a:xfrm>
+          <a:prstGeom prst="rect">
+            <a:avLst/>
+          </a:prstGeom>
+          <a:noFill/>
+        </p:spPr>
+        <p:txBody>
+          <a:bodyPr wrap="square" rtlCol="0">
+            <a:spAutoFit/>
+          </a:bodyPr>
+          <a:lstStyle/>
+          <a:p>
+            <a:r>
+              <a:rPr lang="ko-KR" altLang="en-US" dirty="0"/>
+              <a:t>내용을 입력하세요</a:t>
+            </a:r>
+          </a:p>
+        </p:txBody>
+      </p:sp>
+      <p:sp>
+        <p:nvSpPr>
+          <p:cNvPr id="30" name="TextBox 29"/>
+          <p:cNvSpPr txBox="1"/>
+          <p:nvPr/>
+        </p:nvSpPr>
+        <p:spPr>
+          <a:xfrm>
+            <a:off x="2195736" y="3131676"/>
+            <a:ext cx="6120680" cy="646331"/>
+          </a:xfrm>
+          <a:prstGeom prst="rect">
+            <a:avLst/>
+          </a:prstGeom>
+          <a:noFill/>
+        </p:spPr>
+        <p:txBody>
+          <a:bodyPr wrap="square" rtlCol="0">
+            <a:spAutoFit/>
+          </a:bodyPr>
+          <a:lstStyle/>
+          <a:p>
+            <a:r>
+              <a:rPr lang="ko-KR" altLang="en-US" dirty="0"/>
+              <a:t>내용을 입력하세요</a:t>
+            </a:r>
+            <a:endParaRPr lang="en-US" altLang="ko-KR" dirty="0"/>
+          </a:p>
+          <a:p>
+            <a:r>
+              <a:rPr lang="en-US" altLang="ko-KR" dirty="0"/>
+              <a:t>http://minheeblog.tistory.com/category/PPT</a:t>
             </a:r>
             <a:endParaRPr lang="ko-KR" altLang="en-US" dirty="0"/>
           </a:p>
         </p:txBody>
       </p:sp>
-      <p:graphicFrame>
-        <p:nvGraphicFramePr>
-          <p:cNvPr id="13" name="다이어그램 12"/>
-          <p:cNvGraphicFramePr/>
+      <p:sp>
+        <p:nvSpPr>
+          <p:cNvPr id="31" name="직사각형 30"/>
+          <p:cNvSpPr/>
           <p:nvPr/>
-        </p:nvGraphicFramePr>
-        <p:xfrm>
-          <a:off x="899592" y="1916832"/>
-          <a:ext cx="7488832" cy="2808312"/>
-        </p:xfrm>
-        <a:graphic>
-          <a:graphicData uri="http://schemas.openxmlformats.org/drawingml/2006/diagram">
-            <dgm:relIds xmlns:dgm="http://schemas.openxmlformats.org/drawingml/2006/diagram" xmlns:r="http://schemas.openxmlformats.org/officeDocument/2006/relationships" r:dm="rId3" r:lo="rId4" r:qs="rId5" r:cs="rId6"/>
-          </a:graphicData>
-        </a:graphic>
-      </p:graphicFrame>
-      <p:sp>
-        <p:nvSpPr>
-          <p:cNvPr id="14" name="TextBox 13"/>
+        </p:nvSpPr>
+        <p:spPr>
+          <a:xfrm>
+            <a:off x="219463" y="271681"/>
+            <a:ext cx="1297150" cy="276999"/>
+          </a:xfrm>
+          <a:prstGeom prst="rect">
+            <a:avLst/>
+          </a:prstGeom>
+        </p:spPr>
+        <p:txBody>
+          <a:bodyPr wrap="none">
+            <a:spAutoFit/>
+          </a:bodyPr>
+          <a:lstStyle/>
+          <a:p>
+            <a:pPr algn="ctr"/>
+            <a:r>
+              <a:rPr lang="ko-KR" altLang="en-US" sz="1200" b="1" spc="-150" dirty="0">
+                <a:solidFill>
+                  <a:schemeClr val="bg1"/>
+                </a:solidFill>
+              </a:rPr>
+              <a:t>제목을 입력하세요</a:t>
+            </a:r>
+          </a:p>
+        </p:txBody>
+      </p:sp>
+      <p:sp>
+        <p:nvSpPr>
+          <p:cNvPr id="32" name="TextBox 31"/>
           <p:cNvSpPr txBox="1"/>
           <p:nvPr/>
         </p:nvSpPr>
@@ -17102,40 +16620,7 @@
       </p:sp>
       <p:sp>
         <p:nvSpPr>
-          <p:cNvPr id="15" name="직사각형 14"/>
-          <p:cNvSpPr/>
-          <p:nvPr/>
-        </p:nvSpPr>
-        <p:spPr>
-          <a:xfrm>
-            <a:off x="219463" y="271681"/>
-            <a:ext cx="1297150" cy="276999"/>
-          </a:xfrm>
-          <a:prstGeom prst="rect">
-            <a:avLst/>
-          </a:prstGeom>
-        </p:spPr>
-        <p:txBody>
-          <a:bodyPr wrap="none">
-            <a:spAutoFit/>
-          </a:bodyPr>
-          <a:lstStyle/>
-          <a:p>
-            <a:pPr algn="ctr"/>
-            <a:r>
-              <a:rPr lang="ko-KR" altLang="en-US" sz="1200" b="1" spc="-150" dirty="0">
-                <a:solidFill>
-                  <a:schemeClr val="bg1"/>
-                </a:solidFill>
-              </a:rPr>
-              <a:t>제목을 입력하세요</a:t>
-            </a:r>
-          </a:p>
-        </p:txBody>
-      </p:sp>
-      <p:sp>
-        <p:nvSpPr>
-          <p:cNvPr id="10" name="TextBox 9"/>
+          <p:cNvPr id="20" name="TextBox 19"/>
           <p:cNvSpPr txBox="1"/>
           <p:nvPr/>
         </p:nvSpPr>
@@ -17188,7 +16673,7 @@
       </p:sp>
       <p:sp>
         <p:nvSpPr>
-          <p:cNvPr id="11" name="TextBox 10"/>
+          <p:cNvPr id="21" name="TextBox 20"/>
           <p:cNvSpPr txBox="1"/>
           <p:nvPr/>
         </p:nvSpPr>
@@ -17233,7 +16718,7 @@
       </p:sp>
       <p:sp>
         <p:nvSpPr>
-          <p:cNvPr id="16" name="TextBox 15"/>
+          <p:cNvPr id="33" name="TextBox 32"/>
           <p:cNvSpPr txBox="1"/>
           <p:nvPr/>
         </p:nvSpPr>
@@ -17351,7 +16836,7 @@
           <a:lstStyle/>
           <a:p>
             <a:pPr algn="ctr"/>
-            <a:endParaRPr lang="ko-KR" altLang="en-US"/>
+            <a:endParaRPr lang="ko-KR" altLang="en-US" dirty="0"/>
           </a:p>
         </p:txBody>
       </p:sp>
@@ -17448,14 +16933,14 @@
       </p:sp>
       <p:sp>
         <p:nvSpPr>
-          <p:cNvPr id="21" name="TextBox 20"/>
+          <p:cNvPr id="12" name="TextBox 11"/>
           <p:cNvSpPr txBox="1"/>
           <p:nvPr/>
         </p:nvSpPr>
         <p:spPr>
           <a:xfrm>
-            <a:off x="2483768" y="1412776"/>
-            <a:ext cx="4176464" cy="369332"/>
+            <a:off x="539552" y="1484784"/>
+            <a:ext cx="2520280" cy="369332"/>
           </a:xfrm>
           <a:prstGeom prst="rect">
             <a:avLst/>
@@ -17468,103 +16953,297 @@
           </a:bodyPr>
           <a:lstStyle/>
           <a:p>
-            <a:pPr algn="ctr"/>
-            <a:r>
-              <a:rPr lang="en-US" altLang="ko-KR" b="1" spc="-150" dirty="0">
-                <a:solidFill>
-                  <a:schemeClr val="tx2"/>
-                </a:solidFill>
-              </a:rPr>
-              <a:t>[   </a:t>
-            </a:r>
-            <a:r>
-              <a:rPr lang="ko-KR" altLang="en-US" b="1" spc="-150" dirty="0">
-                <a:solidFill>
-                  <a:schemeClr val="tx2"/>
-                </a:solidFill>
-              </a:rPr>
-              <a:t>심플한 </a:t>
-            </a:r>
-            <a:r>
-              <a:rPr lang="ko-KR" altLang="en-US" b="1" spc="-150" dirty="0" err="1">
-                <a:solidFill>
-                  <a:schemeClr val="tx2"/>
-                </a:solidFill>
-              </a:rPr>
-              <a:t>피피티</a:t>
-            </a:r>
-            <a:r>
-              <a:rPr lang="ko-KR" altLang="en-US" b="1" spc="-150" dirty="0">
-                <a:solidFill>
-                  <a:schemeClr val="tx2"/>
-                </a:solidFill>
-              </a:rPr>
-              <a:t> 만들기는 무엇인가   </a:t>
-            </a:r>
-            <a:r>
-              <a:rPr lang="en-US" altLang="ko-KR" b="1" spc="-150" dirty="0">
-                <a:solidFill>
-                  <a:schemeClr val="tx2"/>
-                </a:solidFill>
-              </a:rPr>
-              <a:t>]</a:t>
-            </a:r>
-            <a:endParaRPr lang="ko-KR" altLang="en-US" b="1" spc="-150" dirty="0">
-              <a:solidFill>
-                <a:schemeClr val="tx2"/>
-              </a:solidFill>
-            </a:endParaRPr>
-          </a:p>
-        </p:txBody>
-      </p:sp>
-      <p:sp>
-        <p:nvSpPr>
-          <p:cNvPr id="27" name="TextBox 26"/>
-          <p:cNvSpPr txBox="1"/>
+            <a:r>
+              <a:rPr lang="en-US" altLang="ko-KR" b="1" spc="-150" dirty="0"/>
+              <a:t>1)  </a:t>
+            </a:r>
+            <a:r>
+              <a:rPr lang="ko-KR" altLang="en-US" b="1" spc="-150" dirty="0"/>
+              <a:t>소제목을 입력하세요</a:t>
+            </a:r>
+          </a:p>
+        </p:txBody>
+      </p:sp>
+      <p:pic>
+        <p:nvPicPr>
+          <p:cNvPr id="17410" name="Picture 2" descr="사람 픽토그램에 대한 이미지 검색결과"/>
+          <p:cNvPicPr>
+            <a:picLocks noChangeAspect="1" noChangeArrowheads="1"/>
+          </p:cNvPicPr>
           <p:nvPr/>
-        </p:nvSpPr>
-        <p:spPr>
+        </p:nvPicPr>
+        <p:blipFill>
+          <a:blip r:embed="rId3" cstate="print"/>
+          <a:srcRect l="26893" r="49202" b="46815"/>
+          <a:stretch>
+            <a:fillRect/>
+          </a:stretch>
+        </p:blipFill>
+        <p:spPr bwMode="auto">
           <a:xfrm>
-            <a:off x="683568" y="2204864"/>
-            <a:ext cx="7488832" cy="646331"/>
+            <a:off x="5004048" y="2474894"/>
+            <a:ext cx="576064" cy="1008112"/>
           </a:xfrm>
           <a:prstGeom prst="rect">
             <a:avLst/>
           </a:prstGeom>
           <a:noFill/>
         </p:spPr>
+      </p:pic>
+      <p:pic>
+        <p:nvPicPr>
+          <p:cNvPr id="27" name="Picture 2" descr="사람 픽토그램에 대한 이미지 검색결과"/>
+          <p:cNvPicPr>
+            <a:picLocks noChangeAspect="1" noChangeArrowheads="1"/>
+          </p:cNvPicPr>
+          <p:nvPr/>
+        </p:nvPicPr>
+        <p:blipFill>
+          <a:blip r:embed="rId3" cstate="print"/>
+          <a:srcRect l="50798" r="25297" b="46815"/>
+          <a:stretch>
+            <a:fillRect/>
+          </a:stretch>
+        </p:blipFill>
+        <p:spPr bwMode="auto">
+          <a:xfrm>
+            <a:off x="6084168" y="2618910"/>
+            <a:ext cx="462909" cy="810090"/>
+          </a:xfrm>
+          <a:prstGeom prst="rect">
+            <a:avLst/>
+          </a:prstGeom>
+          <a:noFill/>
+        </p:spPr>
+      </p:pic>
+      <p:sp>
+        <p:nvSpPr>
+          <p:cNvPr id="28" name="갈매기형 수장 27"/>
+          <p:cNvSpPr/>
+          <p:nvPr/>
+        </p:nvSpPr>
+        <p:spPr>
+          <a:xfrm>
+            <a:off x="5652120" y="2690918"/>
+            <a:ext cx="360040" cy="576064"/>
+          </a:xfrm>
+          <a:prstGeom prst="chevron">
+            <a:avLst/>
+          </a:prstGeom>
+          <a:solidFill>
+            <a:schemeClr val="accent2">
+              <a:lumMod val="40000"/>
+              <a:lumOff val="60000"/>
+            </a:schemeClr>
+          </a:solidFill>
+          <a:ln>
+            <a:noFill/>
+          </a:ln>
+        </p:spPr>
+        <p:style>
+          <a:lnRef idx="2">
+            <a:schemeClr val="accent1">
+              <a:shade val="50000"/>
+            </a:schemeClr>
+          </a:lnRef>
+          <a:fillRef idx="1">
+            <a:schemeClr val="accent1"/>
+          </a:fillRef>
+          <a:effectRef idx="0">
+            <a:schemeClr val="accent1"/>
+          </a:effectRef>
+          <a:fontRef idx="minor">
+            <a:schemeClr val="lt1"/>
+          </a:fontRef>
+        </p:style>
+        <p:txBody>
+          <a:bodyPr rtlCol="0" anchor="ctr"/>
+          <a:lstStyle/>
+          <a:p>
+            <a:pPr algn="ctr"/>
+            <a:endParaRPr lang="ko-KR" altLang="en-US">
+              <a:solidFill>
+                <a:schemeClr val="tx1"/>
+              </a:solidFill>
+            </a:endParaRPr>
+          </a:p>
+        </p:txBody>
+      </p:sp>
+      <p:pic>
+        <p:nvPicPr>
+          <p:cNvPr id="29" name="Picture 2" descr="사람 픽토그램에 대한 이미지 검색결과"/>
+          <p:cNvPicPr>
+            <a:picLocks noChangeAspect="1" noChangeArrowheads="1"/>
+          </p:cNvPicPr>
+          <p:nvPr/>
+        </p:nvPicPr>
+        <p:blipFill>
+          <a:blip r:embed="rId3" cstate="print"/>
+          <a:srcRect l="26893" r="49202" b="46815"/>
+          <a:stretch>
+            <a:fillRect/>
+          </a:stretch>
+        </p:blipFill>
+        <p:spPr bwMode="auto">
+          <a:xfrm>
+            <a:off x="2771800" y="2762926"/>
+            <a:ext cx="370327" cy="648072"/>
+          </a:xfrm>
+          <a:prstGeom prst="rect">
+            <a:avLst/>
+          </a:prstGeom>
+          <a:noFill/>
+        </p:spPr>
+      </p:pic>
+      <p:pic>
+        <p:nvPicPr>
+          <p:cNvPr id="30" name="Picture 2" descr="사람 픽토그램에 대한 이미지 검색결과"/>
+          <p:cNvPicPr>
+            <a:picLocks noChangeAspect="1" noChangeArrowheads="1"/>
+          </p:cNvPicPr>
+          <p:nvPr/>
+        </p:nvPicPr>
+        <p:blipFill>
+          <a:blip r:embed="rId3" cstate="print"/>
+          <a:srcRect l="50798" r="25297" b="46815"/>
+          <a:stretch>
+            <a:fillRect/>
+          </a:stretch>
+        </p:blipFill>
+        <p:spPr bwMode="auto">
+          <a:xfrm>
+            <a:off x="3553601" y="2474894"/>
+            <a:ext cx="586351" cy="1026114"/>
+          </a:xfrm>
+          <a:prstGeom prst="rect">
+            <a:avLst/>
+          </a:prstGeom>
+          <a:noFill/>
+        </p:spPr>
+      </p:pic>
+      <p:sp>
+        <p:nvSpPr>
+          <p:cNvPr id="32" name="갈매기형 수장 31"/>
+          <p:cNvSpPr/>
+          <p:nvPr/>
+        </p:nvSpPr>
+        <p:spPr>
+          <a:xfrm flipH="1">
+            <a:off x="3203848" y="2690918"/>
+            <a:ext cx="360040" cy="576064"/>
+          </a:xfrm>
+          <a:prstGeom prst="chevron">
+            <a:avLst/>
+          </a:prstGeom>
+          <a:solidFill>
+            <a:schemeClr val="accent1">
+              <a:lumMod val="40000"/>
+              <a:lumOff val="60000"/>
+            </a:schemeClr>
+          </a:solidFill>
+          <a:ln>
+            <a:noFill/>
+          </a:ln>
+        </p:spPr>
+        <p:style>
+          <a:lnRef idx="2">
+            <a:schemeClr val="accent1">
+              <a:shade val="50000"/>
+            </a:schemeClr>
+          </a:lnRef>
+          <a:fillRef idx="1">
+            <a:schemeClr val="accent1"/>
+          </a:fillRef>
+          <a:effectRef idx="0">
+            <a:schemeClr val="accent1"/>
+          </a:effectRef>
+          <a:fontRef idx="minor">
+            <a:schemeClr val="lt1"/>
+          </a:fontRef>
+        </p:style>
+        <p:txBody>
+          <a:bodyPr rtlCol="0" anchor="ctr"/>
+          <a:lstStyle/>
+          <a:p>
+            <a:pPr algn="ctr"/>
+            <a:endParaRPr lang="ko-KR" altLang="en-US">
+              <a:solidFill>
+                <a:schemeClr val="tx1"/>
+              </a:solidFill>
+            </a:endParaRPr>
+          </a:p>
+        </p:txBody>
+      </p:sp>
+      <p:sp>
+        <p:nvSpPr>
+          <p:cNvPr id="37" name="TextBox 36"/>
+          <p:cNvSpPr txBox="1"/>
+          <p:nvPr/>
+        </p:nvSpPr>
+        <p:spPr>
+          <a:xfrm>
+            <a:off x="827584" y="3717032"/>
+            <a:ext cx="5976664" cy="1384995"/>
+          </a:xfrm>
+          <a:prstGeom prst="rect">
+            <a:avLst/>
+          </a:prstGeom>
+          <a:noFill/>
+        </p:spPr>
         <p:txBody>
           <a:bodyPr wrap="square" rtlCol="0">
             <a:spAutoFit/>
           </a:bodyPr>
           <a:lstStyle/>
           <a:p>
+            <a:pPr fontAlgn="base">
+              <a:lnSpc>
+                <a:spcPct val="200000"/>
+              </a:lnSpc>
+            </a:pPr>
+            <a:r>
+              <a:rPr lang="ko-KR" altLang="en-US" sz="1400" b="1" dirty="0"/>
+              <a:t>내용을 입력하세요</a:t>
+            </a:r>
+            <a:endParaRPr lang="en-US" altLang="ko-KR" sz="1400" b="1" dirty="0"/>
+          </a:p>
+          <a:p>
+            <a:pPr fontAlgn="base">
+              <a:lnSpc>
+                <a:spcPct val="200000"/>
+              </a:lnSpc>
+            </a:pPr>
+            <a:r>
+              <a:rPr lang="en-US" altLang="ko-KR" sz="1400" b="1" dirty="0"/>
+              <a:t>-</a:t>
+            </a:r>
+            <a:r>
+              <a:rPr lang="ko-KR" altLang="en-US" sz="1400" b="1" dirty="0"/>
+              <a:t>내용을 입력하세요</a:t>
+            </a:r>
+            <a:endParaRPr lang="en-US" altLang="ko-KR" sz="1400" b="1" dirty="0"/>
+          </a:p>
+          <a:p>
+            <a:pPr fontAlgn="base">
+              <a:lnSpc>
+                <a:spcPct val="200000"/>
+              </a:lnSpc>
+            </a:pPr>
+            <a:r>
+              <a:rPr lang="en-US" altLang="ko-KR" sz="1400" b="1" dirty="0"/>
+              <a:t>-</a:t>
+            </a:r>
+            <a:r>
+              <a:rPr lang="ko-KR" altLang="en-US" sz="1400" b="1" dirty="0"/>
+              <a:t>내용을 입력하세요</a:t>
+            </a:r>
             <a:endParaRPr lang="ko-KR" altLang="en-US" dirty="0"/>
           </a:p>
-          <a:p>
-            <a:endParaRPr lang="ko-KR" altLang="en-US" dirty="0"/>
-          </a:p>
-        </p:txBody>
-      </p:sp>
-      <p:graphicFrame>
-        <p:nvGraphicFramePr>
-          <p:cNvPr id="29" name="다이어그램 28"/>
-          <p:cNvGraphicFramePr/>
-          <p:nvPr/>
-        </p:nvGraphicFramePr>
-        <p:xfrm>
-          <a:off x="1187624" y="2101304"/>
-          <a:ext cx="6936432" cy="4064000"/>
-        </p:xfrm>
-        <a:graphic>
-          <a:graphicData uri="http://schemas.openxmlformats.org/drawingml/2006/diagram">
-            <dgm:relIds xmlns:dgm="http://schemas.openxmlformats.org/drawingml/2006/diagram" xmlns:r="http://schemas.openxmlformats.org/officeDocument/2006/relationships" r:dm="rId3" r:lo="rId4" r:qs="rId5" r:cs="rId6"/>
-          </a:graphicData>
-        </a:graphic>
-      </p:graphicFrame>
-      <p:sp>
-        <p:nvSpPr>
-          <p:cNvPr id="13" name="TextBox 12"/>
+        </p:txBody>
+      </p:sp>
+      <p:sp>
+        <p:nvSpPr>
+          <p:cNvPr id="39" name="TextBox 38"/>
           <p:cNvSpPr txBox="1"/>
           <p:nvPr/>
         </p:nvSpPr>
@@ -17598,7 +17277,7 @@
       </p:sp>
       <p:sp>
         <p:nvSpPr>
-          <p:cNvPr id="14" name="직사각형 13"/>
+          <p:cNvPr id="40" name="직사각형 39"/>
           <p:cNvSpPr/>
           <p:nvPr/>
         </p:nvSpPr>
@@ -17632,6 +17311,104 @@
       <p:sp>
         <p:nvSpPr>
           <p:cNvPr id="15" name="TextBox 14"/>
+          <p:cNvSpPr txBox="1"/>
+          <p:nvPr/>
+        </p:nvSpPr>
+        <p:spPr>
+          <a:xfrm>
+            <a:off x="427435" y="836712"/>
+            <a:ext cx="1728192" cy="769441"/>
+          </a:xfrm>
+          <a:prstGeom prst="rect">
+            <a:avLst/>
+          </a:prstGeom>
+          <a:noFill/>
+        </p:spPr>
+        <p:txBody>
+          <a:bodyPr wrap="square" rtlCol="0">
+            <a:spAutoFit/>
+          </a:bodyPr>
+          <a:lstStyle/>
+          <a:p>
+            <a:r>
+              <a:rPr lang="ko-KR" altLang="en-US" sz="2000" b="1" spc="-150" dirty="0" err="1">
+                <a:solidFill>
+                  <a:schemeClr val="tx2">
+                    <a:lumMod val="75000"/>
+                  </a:schemeClr>
+                </a:solidFill>
+                <a:latin typeface="+mj-ea"/>
+              </a:rPr>
+              <a:t>민희블로그</a:t>
+            </a:r>
+            <a:endParaRPr lang="ko-KR" altLang="en-US" sz="2000" b="1" spc="-150" dirty="0">
+              <a:solidFill>
+                <a:schemeClr val="tx2">
+                  <a:lumMod val="75000"/>
+                </a:schemeClr>
+              </a:solidFill>
+              <a:latin typeface="+mj-ea"/>
+            </a:endParaRPr>
+          </a:p>
+          <a:p>
+            <a:endParaRPr lang="ko-KR" altLang="en-US" sz="2400" dirty="0">
+              <a:solidFill>
+                <a:schemeClr val="tx2">
+                  <a:lumMod val="75000"/>
+                </a:schemeClr>
+              </a:solidFill>
+            </a:endParaRPr>
+          </a:p>
+        </p:txBody>
+      </p:sp>
+      <p:sp>
+        <p:nvSpPr>
+          <p:cNvPr id="16" name="TextBox 15"/>
+          <p:cNvSpPr txBox="1"/>
+          <p:nvPr/>
+        </p:nvSpPr>
+        <p:spPr>
+          <a:xfrm>
+            <a:off x="435645" y="1167276"/>
+            <a:ext cx="3240360" cy="307777"/>
+          </a:xfrm>
+          <a:prstGeom prst="rect">
+            <a:avLst/>
+          </a:prstGeom>
+          <a:noFill/>
+        </p:spPr>
+        <p:txBody>
+          <a:bodyPr wrap="square" rtlCol="0">
+            <a:spAutoFit/>
+          </a:bodyPr>
+          <a:lstStyle/>
+          <a:p>
+            <a:r>
+              <a:rPr lang="ko-KR" altLang="en-US" sz="1400" b="1" dirty="0" err="1">
+                <a:solidFill>
+                  <a:schemeClr val="bg1">
+                    <a:lumMod val="50000"/>
+                  </a:schemeClr>
+                </a:solidFill>
+              </a:rPr>
+              <a:t>심플한피피티는</a:t>
+            </a:r>
+            <a:r>
+              <a:rPr lang="ko-KR" altLang="en-US" sz="1400" b="1" dirty="0">
+                <a:solidFill>
+                  <a:schemeClr val="bg1">
+                    <a:lumMod val="50000"/>
+                  </a:schemeClr>
+                </a:solidFill>
+              </a:rPr>
+              <a:t> 무엇인가</a:t>
+            </a:r>
+          </a:p>
+        </p:txBody>
+      </p:sp>
+      <p:sp>
+        <p:nvSpPr>
+          <p:cNvPr id="17" name="TextBox 16"/>
           <p:cNvSpPr txBox="1"/>
           <p:nvPr/>
         </p:nvSpPr>
@@ -17957,17 +17734,33 @@
               <a:buChar char="-"/>
             </a:pPr>
             <a:r>
-              <a:rPr lang="ko-KR" altLang="en-US" sz="1200" b="1" spc="-150" dirty="0"/>
+              <a:rPr lang="ko-KR" altLang="en-US" sz="1200" b="1" spc="-150" dirty="0">
+                <a:solidFill>
+                  <a:srgbClr val="002060"/>
+                </a:solidFill>
+              </a:rPr>
               <a:t>아이디어 및 </a:t>
             </a:r>
             <a:br>
-              <a:rPr lang="en-US" altLang="ko-KR" sz="1200" b="1" spc="-150" dirty="0"/>
+              <a:rPr lang="en-US" altLang="ko-KR" sz="1200" b="1" spc="-150" dirty="0">
+                <a:solidFill>
+                  <a:srgbClr val="002060"/>
+                </a:solidFill>
+              </a:rPr>
             </a:br>
             <a:r>
-              <a:rPr lang="ko-KR" altLang="en-US" sz="1200" b="1" spc="-150" dirty="0"/>
+              <a:rPr lang="ko-KR" altLang="en-US" sz="1200" b="1" spc="-150" dirty="0">
+                <a:solidFill>
+                  <a:srgbClr val="002060"/>
+                </a:solidFill>
+              </a:rPr>
               <a:t>개념적 설계</a:t>
             </a:r>
-            <a:endParaRPr lang="en-US" altLang="ko-KR" sz="1200" b="1" spc="-150" dirty="0"/>
+            <a:endParaRPr lang="en-US" altLang="ko-KR" sz="1200" b="1" spc="-150" dirty="0">
+              <a:solidFill>
+                <a:srgbClr val="002060"/>
+              </a:solidFill>
+            </a:endParaRPr>
           </a:p>
           <a:p>
             <a:pPr marL="171450" indent="-171450">
@@ -17978,10 +17771,18 @@
               <a:buChar char="-"/>
             </a:pPr>
             <a:r>
-              <a:rPr lang="ko-KR" altLang="en-US" sz="1200" b="1" spc="-150" dirty="0"/>
+              <a:rPr lang="ko-KR" altLang="en-US" sz="1200" b="1" spc="-150" dirty="0">
+                <a:solidFill>
+                  <a:srgbClr val="002060"/>
+                </a:solidFill>
+              </a:rPr>
               <a:t>기술적 설계</a:t>
             </a:r>
-            <a:endParaRPr lang="en-US" altLang="ko-KR" sz="1200" b="1" spc="-150" dirty="0"/>
+            <a:endParaRPr lang="en-US" altLang="ko-KR" sz="1200" b="1" spc="-150" dirty="0">
+              <a:solidFill>
+                <a:srgbClr val="002060"/>
+              </a:solidFill>
+            </a:endParaRPr>
           </a:p>
           <a:p>
             <a:pPr marL="171450" indent="-171450">
@@ -17992,10 +17793,18 @@
               <a:buChar char="-"/>
             </a:pPr>
             <a:r>
-              <a:rPr lang="ko-KR" altLang="en-US" sz="1200" b="1" spc="-150" dirty="0"/>
+              <a:rPr lang="ko-KR" altLang="en-US" sz="1200" b="1" spc="-150" dirty="0">
+                <a:solidFill>
+                  <a:srgbClr val="002060"/>
+                </a:solidFill>
+              </a:rPr>
               <a:t>그래픽 설계</a:t>
             </a:r>
-            <a:endParaRPr lang="en-US" altLang="ko-KR" sz="1200" b="1" spc="-150" dirty="0"/>
+            <a:endParaRPr lang="en-US" altLang="ko-KR" sz="1200" b="1" spc="-150" dirty="0">
+              <a:solidFill>
+                <a:srgbClr val="002060"/>
+              </a:solidFill>
+            </a:endParaRPr>
           </a:p>
           <a:p>
             <a:pPr marL="171450" indent="-171450">
@@ -18006,10 +17815,18 @@
               <a:buChar char="-"/>
             </a:pPr>
             <a:r>
-              <a:rPr lang="ko-KR" altLang="en-US" sz="1200" b="1" spc="-150" dirty="0"/>
+              <a:rPr lang="ko-KR" altLang="en-US" sz="1200" b="1" spc="-150" dirty="0">
+                <a:solidFill>
+                  <a:srgbClr val="002060"/>
+                </a:solidFill>
+              </a:rPr>
               <a:t>데이터 설계</a:t>
             </a:r>
-            <a:endParaRPr lang="en-US" altLang="ko-KR" sz="1200" b="1" spc="-150" dirty="0"/>
+            <a:endParaRPr lang="en-US" altLang="ko-KR" sz="1200" b="1" spc="-150" dirty="0">
+              <a:solidFill>
+                <a:srgbClr val="002060"/>
+              </a:solidFill>
+            </a:endParaRPr>
           </a:p>
         </p:txBody>
       </p:sp>
@@ -18233,22 +18050,32 @@
           </a:bodyPr>
           <a:lstStyle/>
           <a:p>
-            <a:pPr marL="171450" indent="-171450">
+            <a:pPr>
               <a:lnSpc>
                 <a:spcPct val="150000"/>
               </a:lnSpc>
-              <a:buFontTx/>
-              <a:buChar char="-"/>
             </a:pPr>
             <a:r>
-              <a:rPr lang="ko-KR" altLang="en-US" sz="1200" b="1" spc="-150" dirty="0" err="1"/>
+              <a:rPr lang="ko-KR" altLang="en-US" sz="1200" b="1" spc="-150" dirty="0" err="1">
+                <a:solidFill>
+                  <a:srgbClr val="17375E"/>
+                </a:solidFill>
+              </a:rPr>
               <a:t>블루라이트</a:t>
             </a:r>
             <a:r>
-              <a:rPr lang="ko-KR" altLang="en-US" sz="1200" b="1" spc="-150" dirty="0"/>
+              <a:rPr lang="ko-KR" altLang="en-US" sz="1200" b="1" spc="-150" dirty="0">
+                <a:solidFill>
+                  <a:srgbClr val="17375E"/>
+                </a:solidFill>
+              </a:rPr>
               <a:t> 필터</a:t>
             </a:r>
-            <a:endParaRPr lang="en-US" altLang="ko-KR" sz="1200" b="1" spc="-150" dirty="0"/>
+            <a:endParaRPr lang="en-US" altLang="ko-KR" sz="1200" b="1" spc="-150" dirty="0">
+              <a:solidFill>
+                <a:srgbClr val="17375E"/>
+              </a:solidFill>
+            </a:endParaRPr>
           </a:p>
         </p:txBody>
       </p:sp>
@@ -18425,10 +18252,18 @@
               <a:buChar char="-"/>
             </a:pPr>
             <a:r>
-              <a:rPr lang="ko-KR" altLang="en-US" sz="1200" b="1" spc="-150" dirty="0"/>
+              <a:rPr lang="ko-KR" altLang="en-US" sz="1200" b="1" spc="-150" dirty="0">
+                <a:solidFill>
+                  <a:srgbClr val="002060"/>
+                </a:solidFill>
+              </a:rPr>
               <a:t>시연</a:t>
             </a:r>
-            <a:endParaRPr lang="en-US" altLang="ko-KR" sz="1200" b="1" spc="-150" dirty="0"/>
+            <a:endParaRPr lang="en-US" altLang="ko-KR" sz="1200" b="1" spc="-150" dirty="0">
+              <a:solidFill>
+                <a:srgbClr val="002060"/>
+              </a:solidFill>
+            </a:endParaRPr>
           </a:p>
         </p:txBody>
       </p:sp>
@@ -18605,10 +18440,18 @@
               <a:buChar char="-"/>
             </a:pPr>
             <a:r>
-              <a:rPr lang="ko-KR" altLang="en-US" sz="1200" b="1" spc="-150" dirty="0"/>
+              <a:rPr lang="ko-KR" altLang="en-US" sz="1200" b="1" spc="-150" dirty="0">
+                <a:solidFill>
+                  <a:srgbClr val="002060"/>
+                </a:solidFill>
+              </a:rPr>
               <a:t>의미</a:t>
             </a:r>
-            <a:endParaRPr lang="en-US" altLang="ko-KR" sz="1200" b="1" spc="-150" dirty="0"/>
+            <a:endParaRPr lang="en-US" altLang="ko-KR" sz="1200" b="1" spc="-150" dirty="0">
+              <a:solidFill>
+                <a:srgbClr val="002060"/>
+              </a:solidFill>
+            </a:endParaRPr>
           </a:p>
         </p:txBody>
       </p:sp>
@@ -18661,6 +18504,911 @@
 </file>
 
 <file path=ppt/slides/slide20.xml><?xml version="1.0" encoding="utf-8"?>
+<p:sld xmlns:a="http://schemas.openxmlformats.org/drawingml/2006/main" xmlns:r="http://schemas.openxmlformats.org/officeDocument/2006/relationships" xmlns:p="http://schemas.openxmlformats.org/presentationml/2006/main">
+  <p:cSld>
+    <p:bg>
+      <p:bgPr>
+        <a:solidFill>
+          <a:schemeClr val="tx2">
+            <a:lumMod val="75000"/>
+          </a:schemeClr>
+        </a:solidFill>
+        <a:effectLst/>
+      </p:bgPr>
+    </p:bg>
+    <p:spTree>
+      <p:nvGrpSpPr>
+        <p:cNvPr id="1" name=""/>
+        <p:cNvGrpSpPr/>
+        <p:nvPr/>
+      </p:nvGrpSpPr>
+      <p:grpSpPr>
+        <a:xfrm>
+          <a:off x="0" y="0"/>
+          <a:ext cx="0" cy="0"/>
+          <a:chOff x="0" y="0"/>
+          <a:chExt cx="0" cy="0"/>
+        </a:xfrm>
+      </p:grpSpPr>
+      <p:sp>
+        <p:nvSpPr>
+          <p:cNvPr id="2" name="직사각형 1"/>
+          <p:cNvSpPr/>
+          <p:nvPr/>
+        </p:nvSpPr>
+        <p:spPr>
+          <a:xfrm>
+            <a:off x="251520" y="620688"/>
+            <a:ext cx="8640960" cy="5976664"/>
+          </a:xfrm>
+          <a:prstGeom prst="rect">
+            <a:avLst/>
+          </a:prstGeom>
+          <a:solidFill>
+            <a:schemeClr val="bg1"/>
+          </a:solidFill>
+          <a:ln>
+            <a:noFill/>
+          </a:ln>
+        </p:spPr>
+        <p:style>
+          <a:lnRef idx="2">
+            <a:schemeClr val="accent1">
+              <a:shade val="50000"/>
+            </a:schemeClr>
+          </a:lnRef>
+          <a:fillRef idx="1">
+            <a:schemeClr val="accent1"/>
+          </a:fillRef>
+          <a:effectRef idx="0">
+            <a:schemeClr val="accent1"/>
+          </a:effectRef>
+          <a:fontRef idx="minor">
+            <a:schemeClr val="lt1"/>
+          </a:fontRef>
+        </p:style>
+        <p:txBody>
+          <a:bodyPr rtlCol="0" anchor="ctr"/>
+          <a:lstStyle/>
+          <a:p>
+            <a:pPr algn="ctr"/>
+            <a:endParaRPr lang="ko-KR" altLang="en-US"/>
+          </a:p>
+        </p:txBody>
+      </p:sp>
+      <p:sp>
+        <p:nvSpPr>
+          <p:cNvPr id="3" name="타원 2"/>
+          <p:cNvSpPr/>
+          <p:nvPr/>
+        </p:nvSpPr>
+        <p:spPr>
+          <a:xfrm>
+            <a:off x="4067944" y="74100"/>
+            <a:ext cx="936104" cy="936104"/>
+          </a:xfrm>
+          <a:prstGeom prst="ellipse">
+            <a:avLst/>
+          </a:prstGeom>
+          <a:solidFill>
+            <a:schemeClr val="tx2">
+              <a:lumMod val="75000"/>
+            </a:schemeClr>
+          </a:solidFill>
+          <a:ln>
+            <a:noFill/>
+          </a:ln>
+        </p:spPr>
+        <p:style>
+          <a:lnRef idx="2">
+            <a:schemeClr val="accent1">
+              <a:shade val="50000"/>
+            </a:schemeClr>
+          </a:lnRef>
+          <a:fillRef idx="1">
+            <a:schemeClr val="accent1"/>
+          </a:fillRef>
+          <a:effectRef idx="0">
+            <a:schemeClr val="accent1"/>
+          </a:effectRef>
+          <a:fontRef idx="minor">
+            <a:schemeClr val="lt1"/>
+          </a:fontRef>
+        </p:style>
+        <p:txBody>
+          <a:bodyPr rtlCol="0" anchor="ctr"/>
+          <a:lstStyle/>
+          <a:p>
+            <a:pPr algn="ctr"/>
+            <a:endParaRPr lang="ko-KR" altLang="en-US"/>
+          </a:p>
+        </p:txBody>
+      </p:sp>
+      <p:sp>
+        <p:nvSpPr>
+          <p:cNvPr id="9" name="TextBox 8"/>
+          <p:cNvSpPr txBox="1"/>
+          <p:nvPr/>
+        </p:nvSpPr>
+        <p:spPr>
+          <a:xfrm>
+            <a:off x="3995936" y="479095"/>
+            <a:ext cx="1080120" cy="461665"/>
+          </a:xfrm>
+          <a:prstGeom prst="rect">
+            <a:avLst/>
+          </a:prstGeom>
+          <a:noFill/>
+        </p:spPr>
+        <p:txBody>
+          <a:bodyPr wrap="square" rtlCol="0">
+            <a:spAutoFit/>
+          </a:bodyPr>
+          <a:lstStyle/>
+          <a:p>
+            <a:pPr algn="ctr"/>
+            <a:r>
+              <a:rPr lang="en-US" altLang="ko-KR" sz="2400" dirty="0">
+                <a:solidFill>
+                  <a:schemeClr val="bg1"/>
+                </a:solidFill>
+                <a:latin typeface="HY헤드라인M" pitchFamily="18" charset="-127"/>
+                <a:ea typeface="HY헤드라인M" pitchFamily="18" charset="-127"/>
+              </a:rPr>
+              <a:t>01</a:t>
+            </a:r>
+            <a:endParaRPr lang="ko-KR" altLang="en-US" sz="2400" dirty="0">
+              <a:solidFill>
+                <a:schemeClr val="bg1"/>
+              </a:solidFill>
+              <a:latin typeface="HY헤드라인M" pitchFamily="18" charset="-127"/>
+              <a:ea typeface="HY헤드라인M" pitchFamily="18" charset="-127"/>
+            </a:endParaRPr>
+          </a:p>
+        </p:txBody>
+      </p:sp>
+      <p:sp>
+        <p:nvSpPr>
+          <p:cNvPr id="12" name="TextBox 11"/>
+          <p:cNvSpPr txBox="1"/>
+          <p:nvPr/>
+        </p:nvSpPr>
+        <p:spPr>
+          <a:xfrm>
+            <a:off x="467544" y="1556792"/>
+            <a:ext cx="8208912" cy="4247317"/>
+          </a:xfrm>
+          <a:prstGeom prst="rect">
+            <a:avLst/>
+          </a:prstGeom>
+          <a:noFill/>
+        </p:spPr>
+        <p:txBody>
+          <a:bodyPr wrap="square" rtlCol="0">
+            <a:spAutoFit/>
+          </a:bodyPr>
+          <a:lstStyle/>
+          <a:p>
+            <a:pPr fontAlgn="base"/>
+            <a:r>
+              <a:rPr lang="en-US" altLang="ko-KR" b="1" dirty="0"/>
+              <a:t>1) </a:t>
+            </a:r>
+            <a:r>
+              <a:rPr lang="ko-KR" altLang="en-US" b="1" dirty="0"/>
+              <a:t>소제목을 입력하세요</a:t>
+            </a:r>
+            <a:endParaRPr lang="ko-KR" altLang="en-US" dirty="0"/>
+          </a:p>
+          <a:p>
+            <a:pPr fontAlgn="base"/>
+            <a:endParaRPr lang="en-US" altLang="ko-KR" dirty="0"/>
+          </a:p>
+          <a:p>
+            <a:pPr fontAlgn="base"/>
+            <a:endParaRPr lang="en-US" altLang="ko-KR" dirty="0"/>
+          </a:p>
+          <a:p>
+            <a:pPr fontAlgn="base"/>
+            <a:endParaRPr lang="en-US" altLang="ko-KR" dirty="0"/>
+          </a:p>
+          <a:p>
+            <a:pPr fontAlgn="base"/>
+            <a:endParaRPr lang="en-US" altLang="ko-KR" dirty="0"/>
+          </a:p>
+          <a:p>
+            <a:pPr fontAlgn="base"/>
+            <a:endParaRPr lang="en-US" altLang="ko-KR" dirty="0"/>
+          </a:p>
+          <a:p>
+            <a:pPr fontAlgn="base"/>
+            <a:endParaRPr lang="en-US" altLang="ko-KR" dirty="0"/>
+          </a:p>
+          <a:p>
+            <a:pPr fontAlgn="base"/>
+            <a:endParaRPr lang="en-US" altLang="ko-KR" dirty="0"/>
+          </a:p>
+          <a:p>
+            <a:pPr fontAlgn="base"/>
+            <a:endParaRPr lang="en-US" altLang="ko-KR" dirty="0"/>
+          </a:p>
+          <a:p>
+            <a:pPr fontAlgn="base"/>
+            <a:endParaRPr lang="en-US" altLang="ko-KR" dirty="0"/>
+          </a:p>
+          <a:p>
+            <a:pPr fontAlgn="base"/>
+            <a:endParaRPr lang="en-US" altLang="ko-KR" dirty="0"/>
+          </a:p>
+          <a:p>
+            <a:pPr fontAlgn="base"/>
+            <a:endParaRPr lang="en-US" altLang="ko-KR" dirty="0"/>
+          </a:p>
+          <a:p>
+            <a:pPr fontAlgn="base">
+              <a:lnSpc>
+                <a:spcPct val="200000"/>
+              </a:lnSpc>
+            </a:pPr>
+            <a:r>
+              <a:rPr lang="en-US" altLang="ko-KR" b="1" dirty="0"/>
+              <a:t>2) </a:t>
+            </a:r>
+            <a:r>
+              <a:rPr lang="ko-KR" altLang="en-US" b="1" dirty="0"/>
+              <a:t>소제목을 입력하세요</a:t>
+            </a:r>
+            <a:endParaRPr lang="ko-KR" altLang="en-US" dirty="0">
+              <a:solidFill>
+                <a:schemeClr val="tx2"/>
+              </a:solidFill>
+            </a:endParaRPr>
+          </a:p>
+          <a:p>
+            <a:pPr fontAlgn="base"/>
+            <a:r>
+              <a:rPr lang="en-US" altLang="ko-KR" b="1" dirty="0"/>
+              <a:t>	</a:t>
+            </a:r>
+            <a:r>
+              <a:rPr lang="ko-KR" altLang="en-US" b="1" dirty="0"/>
+              <a:t>→ 내용을 입력하세요</a:t>
+            </a:r>
+            <a:endParaRPr lang="ko-KR" altLang="en-US" dirty="0"/>
+          </a:p>
+        </p:txBody>
+      </p:sp>
+      <p:graphicFrame>
+        <p:nvGraphicFramePr>
+          <p:cNvPr id="13" name="다이어그램 12"/>
+          <p:cNvGraphicFramePr/>
+          <p:nvPr/>
+        </p:nvGraphicFramePr>
+        <p:xfrm>
+          <a:off x="899592" y="1916832"/>
+          <a:ext cx="7488832" cy="2808312"/>
+        </p:xfrm>
+        <a:graphic>
+          <a:graphicData uri="http://schemas.openxmlformats.org/drawingml/2006/diagram">
+            <dgm:relIds xmlns:dgm="http://schemas.openxmlformats.org/drawingml/2006/diagram" xmlns:r="http://schemas.openxmlformats.org/officeDocument/2006/relationships" r:dm="rId3" r:lo="rId4" r:qs="rId5" r:cs="rId6"/>
+          </a:graphicData>
+        </a:graphic>
+      </p:graphicFrame>
+      <p:sp>
+        <p:nvSpPr>
+          <p:cNvPr id="14" name="TextBox 13"/>
+          <p:cNvSpPr txBox="1"/>
+          <p:nvPr/>
+        </p:nvSpPr>
+        <p:spPr>
+          <a:xfrm>
+            <a:off x="5364088" y="271681"/>
+            <a:ext cx="3600400" cy="276999"/>
+          </a:xfrm>
+          <a:prstGeom prst="rect">
+            <a:avLst/>
+          </a:prstGeom>
+          <a:noFill/>
+        </p:spPr>
+        <p:txBody>
+          <a:bodyPr wrap="square" rtlCol="0">
+            <a:spAutoFit/>
+          </a:bodyPr>
+          <a:lstStyle/>
+          <a:p>
+            <a:pPr algn="dist"/>
+            <a:r>
+              <a:rPr lang="ko-KR" altLang="en-US" sz="1200" dirty="0">
+                <a:solidFill>
+                  <a:schemeClr val="bg1"/>
+                </a:solidFill>
+              </a:rPr>
+              <a:t>과목이름이나 영문타이틀</a:t>
+            </a:r>
+          </a:p>
+        </p:txBody>
+      </p:sp>
+      <p:sp>
+        <p:nvSpPr>
+          <p:cNvPr id="15" name="직사각형 14"/>
+          <p:cNvSpPr/>
+          <p:nvPr/>
+        </p:nvSpPr>
+        <p:spPr>
+          <a:xfrm>
+            <a:off x="219463" y="271681"/>
+            <a:ext cx="1297150" cy="276999"/>
+          </a:xfrm>
+          <a:prstGeom prst="rect">
+            <a:avLst/>
+          </a:prstGeom>
+        </p:spPr>
+        <p:txBody>
+          <a:bodyPr wrap="none">
+            <a:spAutoFit/>
+          </a:bodyPr>
+          <a:lstStyle/>
+          <a:p>
+            <a:pPr algn="ctr"/>
+            <a:r>
+              <a:rPr lang="ko-KR" altLang="en-US" sz="1200" b="1" spc="-150" dirty="0">
+                <a:solidFill>
+                  <a:schemeClr val="bg1"/>
+                </a:solidFill>
+              </a:rPr>
+              <a:t>제목을 입력하세요</a:t>
+            </a:r>
+          </a:p>
+        </p:txBody>
+      </p:sp>
+      <p:sp>
+        <p:nvSpPr>
+          <p:cNvPr id="10" name="TextBox 9"/>
+          <p:cNvSpPr txBox="1"/>
+          <p:nvPr/>
+        </p:nvSpPr>
+        <p:spPr>
+          <a:xfrm>
+            <a:off x="427435" y="836712"/>
+            <a:ext cx="1728192" cy="769441"/>
+          </a:xfrm>
+          <a:prstGeom prst="rect">
+            <a:avLst/>
+          </a:prstGeom>
+          <a:noFill/>
+        </p:spPr>
+        <p:txBody>
+          <a:bodyPr wrap="square" rtlCol="0">
+            <a:spAutoFit/>
+          </a:bodyPr>
+          <a:lstStyle/>
+          <a:p>
+            <a:r>
+              <a:rPr lang="ko-KR" altLang="en-US" sz="2000" b="1" spc="-150" dirty="0" err="1">
+                <a:solidFill>
+                  <a:schemeClr val="tx2">
+                    <a:lumMod val="75000"/>
+                  </a:schemeClr>
+                </a:solidFill>
+                <a:latin typeface="+mj-ea"/>
+              </a:rPr>
+              <a:t>민희블로그</a:t>
+            </a:r>
+            <a:endParaRPr lang="ko-KR" altLang="en-US" sz="2000" b="1" spc="-150" dirty="0">
+              <a:solidFill>
+                <a:schemeClr val="tx2">
+                  <a:lumMod val="75000"/>
+                </a:schemeClr>
+              </a:solidFill>
+              <a:latin typeface="+mj-ea"/>
+            </a:endParaRPr>
+          </a:p>
+          <a:p>
+            <a:endParaRPr lang="ko-KR" altLang="en-US" sz="2400" dirty="0">
+              <a:solidFill>
+                <a:schemeClr val="tx2">
+                  <a:lumMod val="75000"/>
+                </a:schemeClr>
+              </a:solidFill>
+            </a:endParaRPr>
+          </a:p>
+        </p:txBody>
+      </p:sp>
+      <p:sp>
+        <p:nvSpPr>
+          <p:cNvPr id="11" name="TextBox 10"/>
+          <p:cNvSpPr txBox="1"/>
+          <p:nvPr/>
+        </p:nvSpPr>
+        <p:spPr>
+          <a:xfrm>
+            <a:off x="435645" y="1167276"/>
+            <a:ext cx="3240360" cy="307777"/>
+          </a:xfrm>
+          <a:prstGeom prst="rect">
+            <a:avLst/>
+          </a:prstGeom>
+          <a:noFill/>
+        </p:spPr>
+        <p:txBody>
+          <a:bodyPr wrap="square" rtlCol="0">
+            <a:spAutoFit/>
+          </a:bodyPr>
+          <a:lstStyle/>
+          <a:p>
+            <a:r>
+              <a:rPr lang="ko-KR" altLang="en-US" sz="1400" b="1" dirty="0" err="1">
+                <a:solidFill>
+                  <a:schemeClr val="bg1">
+                    <a:lumMod val="50000"/>
+                  </a:schemeClr>
+                </a:solidFill>
+              </a:rPr>
+              <a:t>심플한피피티는</a:t>
+            </a:r>
+            <a:r>
+              <a:rPr lang="ko-KR" altLang="en-US" sz="1400" b="1" dirty="0">
+                <a:solidFill>
+                  <a:schemeClr val="bg1">
+                    <a:lumMod val="50000"/>
+                  </a:schemeClr>
+                </a:solidFill>
+              </a:rPr>
+              <a:t> 무엇인가</a:t>
+            </a:r>
+          </a:p>
+        </p:txBody>
+      </p:sp>
+      <p:sp>
+        <p:nvSpPr>
+          <p:cNvPr id="16" name="TextBox 15"/>
+          <p:cNvSpPr txBox="1"/>
+          <p:nvPr/>
+        </p:nvSpPr>
+        <p:spPr>
+          <a:xfrm>
+            <a:off x="7164288" y="6546830"/>
+            <a:ext cx="1728192" cy="338554"/>
+          </a:xfrm>
+          <a:prstGeom prst="rect">
+            <a:avLst/>
+          </a:prstGeom>
+          <a:noFill/>
+        </p:spPr>
+        <p:txBody>
+          <a:bodyPr wrap="square" rtlCol="0">
+            <a:spAutoFit/>
+          </a:bodyPr>
+          <a:lstStyle/>
+          <a:p>
+            <a:pPr algn="r"/>
+            <a:r>
+              <a:rPr lang="en-US" altLang="ko-KR" sz="1600" dirty="0">
+                <a:solidFill>
+                  <a:schemeClr val="bg1">
+                    <a:lumMod val="75000"/>
+                  </a:schemeClr>
+                </a:solidFill>
+              </a:rPr>
+              <a:t>MINHEEBLOG</a:t>
+            </a:r>
+            <a:endParaRPr lang="ko-KR" altLang="en-US" sz="1600" dirty="0">
+              <a:solidFill>
+                <a:schemeClr val="bg1">
+                  <a:lumMod val="75000"/>
+                </a:schemeClr>
+              </a:solidFill>
+            </a:endParaRPr>
+          </a:p>
+        </p:txBody>
+      </p:sp>
+    </p:spTree>
+  </p:cSld>
+  <p:clrMapOvr>
+    <a:masterClrMapping/>
+  </p:clrMapOvr>
+</p:sld>
+</file>
+
+<file path=ppt/slides/slide21.xml><?xml version="1.0" encoding="utf-8"?>
+<p:sld xmlns:a="http://schemas.openxmlformats.org/drawingml/2006/main" xmlns:r="http://schemas.openxmlformats.org/officeDocument/2006/relationships" xmlns:p="http://schemas.openxmlformats.org/presentationml/2006/main">
+  <p:cSld>
+    <p:bg>
+      <p:bgPr>
+        <a:solidFill>
+          <a:schemeClr val="tx2">
+            <a:lumMod val="75000"/>
+          </a:schemeClr>
+        </a:solidFill>
+        <a:effectLst/>
+      </p:bgPr>
+    </p:bg>
+    <p:spTree>
+      <p:nvGrpSpPr>
+        <p:cNvPr id="1" name=""/>
+        <p:cNvGrpSpPr/>
+        <p:nvPr/>
+      </p:nvGrpSpPr>
+      <p:grpSpPr>
+        <a:xfrm>
+          <a:off x="0" y="0"/>
+          <a:ext cx="0" cy="0"/>
+          <a:chOff x="0" y="0"/>
+          <a:chExt cx="0" cy="0"/>
+        </a:xfrm>
+      </p:grpSpPr>
+      <p:sp>
+        <p:nvSpPr>
+          <p:cNvPr id="2" name="직사각형 1"/>
+          <p:cNvSpPr/>
+          <p:nvPr/>
+        </p:nvSpPr>
+        <p:spPr>
+          <a:xfrm>
+            <a:off x="251520" y="620688"/>
+            <a:ext cx="8640960" cy="5976664"/>
+          </a:xfrm>
+          <a:prstGeom prst="rect">
+            <a:avLst/>
+          </a:prstGeom>
+          <a:solidFill>
+            <a:schemeClr val="bg1"/>
+          </a:solidFill>
+          <a:ln>
+            <a:noFill/>
+          </a:ln>
+        </p:spPr>
+        <p:style>
+          <a:lnRef idx="2">
+            <a:schemeClr val="accent1">
+              <a:shade val="50000"/>
+            </a:schemeClr>
+          </a:lnRef>
+          <a:fillRef idx="1">
+            <a:schemeClr val="accent1"/>
+          </a:fillRef>
+          <a:effectRef idx="0">
+            <a:schemeClr val="accent1"/>
+          </a:effectRef>
+          <a:fontRef idx="minor">
+            <a:schemeClr val="lt1"/>
+          </a:fontRef>
+        </p:style>
+        <p:txBody>
+          <a:bodyPr rtlCol="0" anchor="ctr"/>
+          <a:lstStyle/>
+          <a:p>
+            <a:pPr algn="ctr"/>
+            <a:endParaRPr lang="ko-KR" altLang="en-US"/>
+          </a:p>
+        </p:txBody>
+      </p:sp>
+      <p:sp>
+        <p:nvSpPr>
+          <p:cNvPr id="3" name="타원 2"/>
+          <p:cNvSpPr/>
+          <p:nvPr/>
+        </p:nvSpPr>
+        <p:spPr>
+          <a:xfrm>
+            <a:off x="4067944" y="74100"/>
+            <a:ext cx="936104" cy="936104"/>
+          </a:xfrm>
+          <a:prstGeom prst="ellipse">
+            <a:avLst/>
+          </a:prstGeom>
+          <a:solidFill>
+            <a:schemeClr val="tx2">
+              <a:lumMod val="75000"/>
+            </a:schemeClr>
+          </a:solidFill>
+          <a:ln>
+            <a:noFill/>
+          </a:ln>
+        </p:spPr>
+        <p:style>
+          <a:lnRef idx="2">
+            <a:schemeClr val="accent1">
+              <a:shade val="50000"/>
+            </a:schemeClr>
+          </a:lnRef>
+          <a:fillRef idx="1">
+            <a:schemeClr val="accent1"/>
+          </a:fillRef>
+          <a:effectRef idx="0">
+            <a:schemeClr val="accent1"/>
+          </a:effectRef>
+          <a:fontRef idx="minor">
+            <a:schemeClr val="lt1"/>
+          </a:fontRef>
+        </p:style>
+        <p:txBody>
+          <a:bodyPr rtlCol="0" anchor="ctr"/>
+          <a:lstStyle/>
+          <a:p>
+            <a:pPr algn="ctr"/>
+            <a:endParaRPr lang="ko-KR" altLang="en-US"/>
+          </a:p>
+        </p:txBody>
+      </p:sp>
+      <p:sp>
+        <p:nvSpPr>
+          <p:cNvPr id="9" name="TextBox 8"/>
+          <p:cNvSpPr txBox="1"/>
+          <p:nvPr/>
+        </p:nvSpPr>
+        <p:spPr>
+          <a:xfrm>
+            <a:off x="3995936" y="479095"/>
+            <a:ext cx="1080120" cy="461665"/>
+          </a:xfrm>
+          <a:prstGeom prst="rect">
+            <a:avLst/>
+          </a:prstGeom>
+          <a:noFill/>
+        </p:spPr>
+        <p:txBody>
+          <a:bodyPr wrap="square" rtlCol="0">
+            <a:spAutoFit/>
+          </a:bodyPr>
+          <a:lstStyle/>
+          <a:p>
+            <a:pPr algn="ctr"/>
+            <a:r>
+              <a:rPr lang="en-US" altLang="ko-KR" sz="2400" dirty="0">
+                <a:solidFill>
+                  <a:schemeClr val="bg1"/>
+                </a:solidFill>
+                <a:latin typeface="HY헤드라인M" pitchFamily="18" charset="-127"/>
+                <a:ea typeface="HY헤드라인M" pitchFamily="18" charset="-127"/>
+              </a:rPr>
+              <a:t>01</a:t>
+            </a:r>
+            <a:endParaRPr lang="ko-KR" altLang="en-US" sz="2400" dirty="0">
+              <a:solidFill>
+                <a:schemeClr val="bg1"/>
+              </a:solidFill>
+              <a:latin typeface="HY헤드라인M" pitchFamily="18" charset="-127"/>
+              <a:ea typeface="HY헤드라인M" pitchFamily="18" charset="-127"/>
+            </a:endParaRPr>
+          </a:p>
+        </p:txBody>
+      </p:sp>
+      <p:sp>
+        <p:nvSpPr>
+          <p:cNvPr id="21" name="TextBox 20"/>
+          <p:cNvSpPr txBox="1"/>
+          <p:nvPr/>
+        </p:nvSpPr>
+        <p:spPr>
+          <a:xfrm>
+            <a:off x="2483768" y="1412776"/>
+            <a:ext cx="4176464" cy="369332"/>
+          </a:xfrm>
+          <a:prstGeom prst="rect">
+            <a:avLst/>
+          </a:prstGeom>
+          <a:noFill/>
+        </p:spPr>
+        <p:txBody>
+          <a:bodyPr wrap="square" rtlCol="0">
+            <a:spAutoFit/>
+          </a:bodyPr>
+          <a:lstStyle/>
+          <a:p>
+            <a:pPr algn="ctr"/>
+            <a:r>
+              <a:rPr lang="en-US" altLang="ko-KR" b="1" spc="-150" dirty="0">
+                <a:solidFill>
+                  <a:schemeClr val="tx2"/>
+                </a:solidFill>
+              </a:rPr>
+              <a:t>[   </a:t>
+            </a:r>
+            <a:r>
+              <a:rPr lang="ko-KR" altLang="en-US" b="1" spc="-150" dirty="0">
+                <a:solidFill>
+                  <a:schemeClr val="tx2"/>
+                </a:solidFill>
+              </a:rPr>
+              <a:t>심플한 </a:t>
+            </a:r>
+            <a:r>
+              <a:rPr lang="ko-KR" altLang="en-US" b="1" spc="-150" dirty="0" err="1">
+                <a:solidFill>
+                  <a:schemeClr val="tx2"/>
+                </a:solidFill>
+              </a:rPr>
+              <a:t>피피티</a:t>
+            </a:r>
+            <a:r>
+              <a:rPr lang="ko-KR" altLang="en-US" b="1" spc="-150" dirty="0">
+                <a:solidFill>
+                  <a:schemeClr val="tx2"/>
+                </a:solidFill>
+              </a:rPr>
+              <a:t> 만들기는 무엇인가   </a:t>
+            </a:r>
+            <a:r>
+              <a:rPr lang="en-US" altLang="ko-KR" b="1" spc="-150" dirty="0">
+                <a:solidFill>
+                  <a:schemeClr val="tx2"/>
+                </a:solidFill>
+              </a:rPr>
+              <a:t>]</a:t>
+            </a:r>
+            <a:endParaRPr lang="ko-KR" altLang="en-US" b="1" spc="-150" dirty="0">
+              <a:solidFill>
+                <a:schemeClr val="tx2"/>
+              </a:solidFill>
+            </a:endParaRPr>
+          </a:p>
+        </p:txBody>
+      </p:sp>
+      <p:sp>
+        <p:nvSpPr>
+          <p:cNvPr id="27" name="TextBox 26"/>
+          <p:cNvSpPr txBox="1"/>
+          <p:nvPr/>
+        </p:nvSpPr>
+        <p:spPr>
+          <a:xfrm>
+            <a:off x="683568" y="2204864"/>
+            <a:ext cx="7488832" cy="646331"/>
+          </a:xfrm>
+          <a:prstGeom prst="rect">
+            <a:avLst/>
+          </a:prstGeom>
+          <a:noFill/>
+        </p:spPr>
+        <p:txBody>
+          <a:bodyPr wrap="square" rtlCol="0">
+            <a:spAutoFit/>
+          </a:bodyPr>
+          <a:lstStyle/>
+          <a:p>
+            <a:endParaRPr lang="ko-KR" altLang="en-US" dirty="0"/>
+          </a:p>
+          <a:p>
+            <a:endParaRPr lang="ko-KR" altLang="en-US" dirty="0"/>
+          </a:p>
+        </p:txBody>
+      </p:sp>
+      <p:graphicFrame>
+        <p:nvGraphicFramePr>
+          <p:cNvPr id="29" name="다이어그램 28"/>
+          <p:cNvGraphicFramePr/>
+          <p:nvPr/>
+        </p:nvGraphicFramePr>
+        <p:xfrm>
+          <a:off x="1187624" y="2101304"/>
+          <a:ext cx="6936432" cy="4064000"/>
+        </p:xfrm>
+        <a:graphic>
+          <a:graphicData uri="http://schemas.openxmlformats.org/drawingml/2006/diagram">
+            <dgm:relIds xmlns:dgm="http://schemas.openxmlformats.org/drawingml/2006/diagram" xmlns:r="http://schemas.openxmlformats.org/officeDocument/2006/relationships" r:dm="rId3" r:lo="rId4" r:qs="rId5" r:cs="rId6"/>
+          </a:graphicData>
+        </a:graphic>
+      </p:graphicFrame>
+      <p:sp>
+        <p:nvSpPr>
+          <p:cNvPr id="13" name="TextBox 12"/>
+          <p:cNvSpPr txBox="1"/>
+          <p:nvPr/>
+        </p:nvSpPr>
+        <p:spPr>
+          <a:xfrm>
+            <a:off x="5364088" y="271681"/>
+            <a:ext cx="3600400" cy="276999"/>
+          </a:xfrm>
+          <a:prstGeom prst="rect">
+            <a:avLst/>
+          </a:prstGeom>
+          <a:noFill/>
+        </p:spPr>
+        <p:txBody>
+          <a:bodyPr wrap="square" rtlCol="0">
+            <a:spAutoFit/>
+          </a:bodyPr>
+          <a:lstStyle/>
+          <a:p>
+            <a:pPr algn="dist"/>
+            <a:r>
+              <a:rPr lang="ko-KR" altLang="en-US" sz="1200" dirty="0">
+                <a:solidFill>
+                  <a:schemeClr val="bg1"/>
+                </a:solidFill>
+              </a:rPr>
+              <a:t>과목이름이나 영문타이틀</a:t>
+            </a:r>
+          </a:p>
+        </p:txBody>
+      </p:sp>
+      <p:sp>
+        <p:nvSpPr>
+          <p:cNvPr id="14" name="직사각형 13"/>
+          <p:cNvSpPr/>
+          <p:nvPr/>
+        </p:nvSpPr>
+        <p:spPr>
+          <a:xfrm>
+            <a:off x="219463" y="271681"/>
+            <a:ext cx="1297150" cy="276999"/>
+          </a:xfrm>
+          <a:prstGeom prst="rect">
+            <a:avLst/>
+          </a:prstGeom>
+        </p:spPr>
+        <p:txBody>
+          <a:bodyPr wrap="none">
+            <a:spAutoFit/>
+          </a:bodyPr>
+          <a:lstStyle/>
+          <a:p>
+            <a:pPr algn="ctr"/>
+            <a:r>
+              <a:rPr lang="ko-KR" altLang="en-US" sz="1200" b="1" spc="-150" dirty="0">
+                <a:solidFill>
+                  <a:schemeClr val="bg1"/>
+                </a:solidFill>
+              </a:rPr>
+              <a:t>제목을 입력하세요</a:t>
+            </a:r>
+          </a:p>
+        </p:txBody>
+      </p:sp>
+      <p:sp>
+        <p:nvSpPr>
+          <p:cNvPr id="15" name="TextBox 14"/>
+          <p:cNvSpPr txBox="1"/>
+          <p:nvPr/>
+        </p:nvSpPr>
+        <p:spPr>
+          <a:xfrm>
+            <a:off x="7164288" y="6546830"/>
+            <a:ext cx="1728192" cy="338554"/>
+          </a:xfrm>
+          <a:prstGeom prst="rect">
+            <a:avLst/>
+          </a:prstGeom>
+          <a:noFill/>
+        </p:spPr>
+        <p:txBody>
+          <a:bodyPr wrap="square" rtlCol="0">
+            <a:spAutoFit/>
+          </a:bodyPr>
+          <a:lstStyle/>
+          <a:p>
+            <a:pPr algn="r"/>
+            <a:r>
+              <a:rPr lang="en-US" altLang="ko-KR" sz="1600" dirty="0">
+                <a:solidFill>
+                  <a:schemeClr val="bg1">
+                    <a:lumMod val="75000"/>
+                  </a:schemeClr>
+                </a:solidFill>
+              </a:rPr>
+              <a:t>MINHEEBLOG</a:t>
+            </a:r>
+            <a:endParaRPr lang="ko-KR" altLang="en-US" sz="1600" dirty="0">
+              <a:solidFill>
+                <a:schemeClr val="bg1">
+                  <a:lumMod val="75000"/>
+                </a:schemeClr>
+              </a:solidFill>
+            </a:endParaRPr>
+          </a:p>
+        </p:txBody>
+      </p:sp>
+    </p:spTree>
+  </p:cSld>
+  <p:clrMapOvr>
+    <a:masterClrMapping/>
+  </p:clrMapOvr>
+</p:sld>
+</file>
+
+<file path=ppt/slides/slide22.xml><?xml version="1.0" encoding="utf-8"?>
 <p:sld xmlns:a="http://schemas.openxmlformats.org/drawingml/2006/main" xmlns:r="http://schemas.openxmlformats.org/officeDocument/2006/relationships" xmlns:p="http://schemas.openxmlformats.org/presentationml/2006/main">
   <p:cSld>
     <p:bg>
@@ -19456,7 +20204,7 @@
 </p:sld>
 </file>
 
-<file path=ppt/slides/slide21.xml><?xml version="1.0" encoding="utf-8"?>
+<file path=ppt/slides/slide23.xml><?xml version="1.0" encoding="utf-8"?>
 <p:sld xmlns:a="http://schemas.openxmlformats.org/drawingml/2006/main" xmlns:r="http://schemas.openxmlformats.org/officeDocument/2006/relationships" xmlns:p="http://schemas.openxmlformats.org/presentationml/2006/main">
   <p:cSld>
     <p:bg>
@@ -20499,7 +21247,7 @@
 </p:sld>
 </file>
 
-<file path=ppt/slides/slide22.xml><?xml version="1.0" encoding="utf-8"?>
+<file path=ppt/slides/slide24.xml><?xml version="1.0" encoding="utf-8"?>
 <p:sld xmlns:a="http://schemas.openxmlformats.org/drawingml/2006/main" xmlns:r="http://schemas.openxmlformats.org/officeDocument/2006/relationships" xmlns:p="http://schemas.openxmlformats.org/presentationml/2006/main">
   <p:cSld>
     <p:bg>
@@ -21439,7 +22187,7 @@
 </p:sld>
 </file>
 
-<file path=ppt/slides/slide23.xml><?xml version="1.0" encoding="utf-8"?>
+<file path=ppt/slides/slide25.xml><?xml version="1.0" encoding="utf-8"?>
 <p:sld xmlns:a="http://schemas.openxmlformats.org/drawingml/2006/main" xmlns:r="http://schemas.openxmlformats.org/officeDocument/2006/relationships" xmlns:p="http://schemas.openxmlformats.org/presentationml/2006/main">
   <p:cSld>
     <p:bg>
@@ -21711,9 +22459,7 @@
     <p:bg>
       <p:bgPr>
         <a:solidFill>
-          <a:schemeClr val="tx2">
-            <a:lumMod val="75000"/>
-          </a:schemeClr>
+          <a:srgbClr val="17375E"/>
         </a:solidFill>
         <a:effectLst/>
       </p:bgPr>
@@ -21734,14 +22480,20 @@
       </p:grpSpPr>
       <p:sp>
         <p:nvSpPr>
-          <p:cNvPr id="2" name="직사각형 1"/>
+          <p:cNvPr id="3" name="직사각형 2">
+            <a:extLst>
+              <a:ext uri="{FF2B5EF4-FFF2-40B4-BE49-F238E27FC236}">
+                <a16:creationId xmlns:a16="http://schemas.microsoft.com/office/drawing/2014/main" id="{39E0AA23-105E-461E-B595-C43D224D98E7}"/>
+              </a:ext>
+            </a:extLst>
+          </p:cNvPr>
           <p:cNvSpPr/>
           <p:nvPr/>
         </p:nvSpPr>
         <p:spPr>
           <a:xfrm>
-            <a:off x="251520" y="620688"/>
-            <a:ext cx="8640960" cy="5976664"/>
+            <a:off x="2987824" y="0"/>
+            <a:ext cx="6156176" cy="6858000"/>
           </a:xfrm>
           <a:prstGeom prst="rect">
             <a:avLst/>
@@ -21750,7 +22502,9 @@
             <a:schemeClr val="bg1"/>
           </a:solidFill>
           <a:ln>
-            <a:noFill/>
+            <a:solidFill>
+              <a:schemeClr val="bg1"/>
+            </a:solidFill>
           </a:ln>
         </p:spPr>
         <p:style>
@@ -21780,62 +22534,96 @@
       </p:sp>
       <p:sp>
         <p:nvSpPr>
-          <p:cNvPr id="3" name="타원 2"/>
-          <p:cNvSpPr/>
+          <p:cNvPr id="2" name="TextBox 1"/>
+          <p:cNvSpPr txBox="1"/>
           <p:nvPr/>
         </p:nvSpPr>
         <p:spPr>
           <a:xfrm>
-            <a:off x="4067944" y="74100"/>
-            <a:ext cx="936104" cy="936104"/>
-          </a:xfrm>
-          <a:prstGeom prst="ellipse">
+            <a:off x="1660104" y="1567803"/>
+            <a:ext cx="1357307" cy="769441"/>
+          </a:xfrm>
+          <a:prstGeom prst="rect">
             <a:avLst/>
           </a:prstGeom>
-          <a:solidFill>
-            <a:schemeClr val="tx2">
-              <a:lumMod val="75000"/>
-            </a:schemeClr>
-          </a:solidFill>
-          <a:ln>
-            <a:noFill/>
+          <a:noFill/>
+        </p:spPr>
+        <p:txBody>
+          <a:bodyPr wrap="square" rtlCol="0">
+            <a:spAutoFit/>
+          </a:bodyPr>
+          <a:lstStyle/>
+          <a:p>
+            <a:r>
+              <a:rPr lang="ko-KR" altLang="en-US" sz="4400" b="1" spc="-150" dirty="0">
+                <a:solidFill>
+                  <a:schemeClr val="bg1"/>
+                </a:solidFill>
+              </a:rPr>
+              <a:t>서론</a:t>
+            </a:r>
+          </a:p>
+        </p:txBody>
+      </p:sp>
+      <p:cxnSp>
+        <p:nvCxnSpPr>
+          <p:cNvPr id="8" name="직선 연결선 7">
+            <a:extLst>
+              <a:ext uri="{FF2B5EF4-FFF2-40B4-BE49-F238E27FC236}">
+                <a16:creationId xmlns:a16="http://schemas.microsoft.com/office/drawing/2014/main" id="{20429B64-59F8-4502-87AD-C3E67E73C1D0}"/>
+              </a:ext>
+            </a:extLst>
+          </p:cNvPr>
+          <p:cNvCxnSpPr>
+            <a:cxnSpLocks/>
+          </p:cNvCxnSpPr>
+          <p:nvPr/>
+        </p:nvCxnSpPr>
+        <p:spPr>
+          <a:xfrm>
+            <a:off x="1619672" y="2348880"/>
+            <a:ext cx="1368152" cy="0"/>
+          </a:xfrm>
+          <a:prstGeom prst="line">
+            <a:avLst/>
+          </a:prstGeom>
+          <a:ln w="41275">
+            <a:solidFill>
+              <a:schemeClr val="bg1"/>
+            </a:solidFill>
           </a:ln>
         </p:spPr>
         <p:style>
-          <a:lnRef idx="2">
-            <a:schemeClr val="accent1">
-              <a:shade val="50000"/>
-            </a:schemeClr>
+          <a:lnRef idx="1">
+            <a:schemeClr val="accent1"/>
           </a:lnRef>
-          <a:fillRef idx="1">
+          <a:fillRef idx="0">
             <a:schemeClr val="accent1"/>
           </a:fillRef>
           <a:effectRef idx="0">
             <a:schemeClr val="accent1"/>
           </a:effectRef>
           <a:fontRef idx="minor">
-            <a:schemeClr val="lt1"/>
+            <a:schemeClr val="tx1"/>
           </a:fontRef>
         </p:style>
-        <p:txBody>
-          <a:bodyPr rtlCol="0" anchor="ctr"/>
-          <a:lstStyle/>
-          <a:p>
-            <a:pPr algn="ctr"/>
-            <a:endParaRPr lang="ko-KR" altLang="en-US"/>
-          </a:p>
-        </p:txBody>
-      </p:sp>
-      <p:sp>
-        <p:nvSpPr>
-          <p:cNvPr id="9" name="TextBox 8"/>
+      </p:cxnSp>
+      <p:sp>
+        <p:nvSpPr>
+          <p:cNvPr id="28" name="TextBox 27">
+            <a:extLst>
+              <a:ext uri="{FF2B5EF4-FFF2-40B4-BE49-F238E27FC236}">
+                <a16:creationId xmlns:a16="http://schemas.microsoft.com/office/drawing/2014/main" id="{1D970E4A-A9C6-4C76-B413-8F122DEBABDF}"/>
+              </a:ext>
+            </a:extLst>
+          </p:cNvPr>
           <p:cNvSpPr txBox="1"/>
           <p:nvPr/>
         </p:nvSpPr>
         <p:spPr>
           <a:xfrm>
-            <a:off x="3995936" y="479095"/>
-            <a:ext cx="1080120" cy="461665"/>
+            <a:off x="3131840" y="2410238"/>
+            <a:ext cx="4104456" cy="1682961"/>
           </a:xfrm>
           <a:prstGeom prst="rect">
             <a:avLst/>
@@ -21848,75 +22636,103 @@
           </a:bodyPr>
           <a:lstStyle/>
           <a:p>
-            <a:pPr algn="ctr"/>
-            <a:r>
-              <a:rPr lang="en-US" altLang="ko-KR" sz="2400" dirty="0">
+            <a:pPr marL="457200" indent="-457200">
+              <a:lnSpc>
+                <a:spcPct val="150000"/>
+              </a:lnSpc>
+              <a:buAutoNum type="arabicPeriod"/>
+            </a:pPr>
+            <a:r>
+              <a:rPr lang="ko-KR" altLang="en-US" sz="2400" b="1" spc="-150" dirty="0" err="1">
                 <a:solidFill>
-                  <a:schemeClr val="bg1"/>
-                </a:solidFill>
-                <a:latin typeface="HY헤드라인M" pitchFamily="18" charset="-127"/>
-                <a:ea typeface="HY헤드라인M" pitchFamily="18" charset="-127"/>
-              </a:rPr>
-              <a:t>01</a:t>
-            </a:r>
-            <a:endParaRPr lang="ko-KR" altLang="en-US" sz="2400" dirty="0">
-              <a:solidFill>
-                <a:schemeClr val="bg1"/>
-              </a:solidFill>
-              <a:latin typeface="HY헤드라인M" pitchFamily="18" charset="-127"/>
-              <a:ea typeface="HY헤드라인M" pitchFamily="18" charset="-127"/>
-            </a:endParaRPr>
-          </a:p>
-        </p:txBody>
-      </p:sp>
-      <p:sp>
-        <p:nvSpPr>
-          <p:cNvPr id="12" name="TextBox 11"/>
-          <p:cNvSpPr txBox="1"/>
-          <p:nvPr/>
-        </p:nvSpPr>
-        <p:spPr>
-          <a:xfrm>
-            <a:off x="5364088" y="271681"/>
-            <a:ext cx="3600400" cy="276999"/>
-          </a:xfrm>
-          <a:prstGeom prst="rect">
-            <a:avLst/>
-          </a:prstGeom>
-          <a:noFill/>
-        </p:spPr>
-        <p:txBody>
-          <a:bodyPr wrap="square" rtlCol="0">
-            <a:spAutoFit/>
-          </a:bodyPr>
-          <a:lstStyle/>
-          <a:p>
-            <a:pPr algn="dist"/>
-            <a:r>
-              <a:rPr lang="ko-KR" altLang="en-US" sz="1200" dirty="0" err="1">
-                <a:solidFill>
-                  <a:schemeClr val="bg1"/>
+                  <a:srgbClr val="17375E"/>
                 </a:solidFill>
               </a:rPr>
-              <a:t>임베디드소프트웨어</a:t>
-            </a:r>
-            <a:r>
-              <a:rPr lang="en-US" altLang="ko-KR" sz="1200" dirty="0">
+              <a:t>블루라이트</a:t>
+            </a:r>
+            <a:r>
+              <a:rPr lang="ko-KR" altLang="en-US" sz="2400" b="1" spc="-150" dirty="0">
                 <a:solidFill>
-                  <a:schemeClr val="bg1"/>
+                  <a:srgbClr val="17375E"/>
                 </a:solidFill>
               </a:rPr>
-              <a:t>2</a:t>
-            </a:r>
-            <a:endParaRPr lang="ko-KR" altLang="en-US" sz="1200" dirty="0">
+              <a:t> </a:t>
+            </a:r>
+            <a:r>
+              <a:rPr lang="ko-KR" altLang="en-US" sz="2400" b="1" spc="-150" dirty="0" err="1">
+                <a:solidFill>
+                  <a:srgbClr val="17375E"/>
+                </a:solidFill>
+              </a:rPr>
+              <a:t>필터란</a:t>
+            </a:r>
+            <a:r>
+              <a:rPr lang="en-US" altLang="ko-KR" sz="2400" b="1" spc="-150" dirty="0">
+                <a:solidFill>
+                  <a:srgbClr val="17375E"/>
+                </a:solidFill>
+              </a:rPr>
+              <a:t>?</a:t>
+            </a:r>
+          </a:p>
+          <a:p>
+            <a:pPr marL="457200" indent="-457200">
+              <a:lnSpc>
+                <a:spcPct val="150000"/>
+              </a:lnSpc>
+              <a:buAutoNum type="arabicPeriod"/>
+            </a:pPr>
+            <a:r>
+              <a:rPr lang="ko-KR" altLang="en-US" sz="2400" b="1" spc="-150" dirty="0" err="1">
+                <a:solidFill>
+                  <a:srgbClr val="17375E"/>
+                </a:solidFill>
+              </a:rPr>
+              <a:t>블루라이트</a:t>
+            </a:r>
+            <a:r>
+              <a:rPr lang="ko-KR" altLang="en-US" sz="2400" b="1" spc="-150" dirty="0">
+                <a:solidFill>
+                  <a:srgbClr val="17375E"/>
+                </a:solidFill>
+              </a:rPr>
+              <a:t> 필터의 단점</a:t>
+            </a:r>
+            <a:endParaRPr lang="en-US" altLang="ko-KR" sz="2400" b="1" spc="-150" dirty="0">
               <a:solidFill>
-                <a:schemeClr val="bg1"/>
+                <a:srgbClr val="17375E"/>
               </a:solidFill>
             </a:endParaRPr>
           </a:p>
+          <a:p>
+            <a:pPr marL="457200" indent="-457200">
+              <a:lnSpc>
+                <a:spcPct val="150000"/>
+              </a:lnSpc>
+              <a:buAutoNum type="arabicPeriod"/>
+            </a:pPr>
+            <a:r>
+              <a:rPr lang="ko-KR" altLang="en-US" sz="2400" b="1" spc="-150" dirty="0">
+                <a:solidFill>
+                  <a:srgbClr val="17375E"/>
+                </a:solidFill>
+              </a:rPr>
+              <a:t>새로운 눈 보호 방법 고안</a:t>
+            </a:r>
+            <a:endParaRPr lang="en-US" altLang="ko-KR" sz="2400" b="1" spc="-150" dirty="0">
+              <a:solidFill>
+                <a:srgbClr val="17375E"/>
+              </a:solidFill>
+            </a:endParaRPr>
+          </a:p>
         </p:txBody>
       </p:sp>
     </p:spTree>
+    <p:extLst>
+      <p:ext uri="{BB962C8B-B14F-4D97-AF65-F5344CB8AC3E}">
+        <p14:creationId xmlns:p14="http://schemas.microsoft.com/office/powerpoint/2010/main" val="3641290694"/>
+      </p:ext>
+    </p:extLst>
   </p:cSld>
   <p:clrMapOvr>
     <a:masterClrMapping/>
@@ -21951,20 +22767,14 @@
       </p:grpSpPr>
       <p:sp>
         <p:nvSpPr>
-          <p:cNvPr id="3" name="직사각형 2">
-            <a:extLst>
-              <a:ext uri="{FF2B5EF4-FFF2-40B4-BE49-F238E27FC236}">
-                <a16:creationId xmlns:a16="http://schemas.microsoft.com/office/drawing/2014/main" id="{39E0AA23-105E-461E-B595-C43D224D98E7}"/>
-              </a:ext>
-            </a:extLst>
-          </p:cNvPr>
+          <p:cNvPr id="2" name="직사각형 1"/>
           <p:cNvSpPr/>
           <p:nvPr/>
         </p:nvSpPr>
         <p:spPr>
           <a:xfrm>
-            <a:off x="2987824" y="0"/>
-            <a:ext cx="6156176" cy="6858000"/>
+            <a:off x="251520" y="620688"/>
+            <a:ext cx="8640960" cy="5976664"/>
           </a:xfrm>
           <a:prstGeom prst="rect">
             <a:avLst/>
@@ -21973,9 +22783,7 @@
             <a:schemeClr val="bg1"/>
           </a:solidFill>
           <a:ln>
-            <a:solidFill>
-              <a:schemeClr val="bg1"/>
-            </a:solidFill>
+            <a:noFill/>
           </a:ln>
         </p:spPr>
         <p:style>
@@ -22005,86 +22813,101 @@
       </p:sp>
       <p:sp>
         <p:nvSpPr>
-          <p:cNvPr id="2" name="TextBox 1"/>
-          <p:cNvSpPr txBox="1"/>
+          <p:cNvPr id="3" name="타원 2"/>
+          <p:cNvSpPr/>
           <p:nvPr/>
         </p:nvSpPr>
         <p:spPr>
           <a:xfrm>
-            <a:off x="1660104" y="1567803"/>
-            <a:ext cx="1357307" cy="769441"/>
-          </a:xfrm>
-          <a:prstGeom prst="rect">
+            <a:off x="4067944" y="74100"/>
+            <a:ext cx="936104" cy="936104"/>
+          </a:xfrm>
+          <a:prstGeom prst="ellipse">
             <a:avLst/>
           </a:prstGeom>
-          <a:noFill/>
-        </p:spPr>
-        <p:txBody>
-          <a:bodyPr wrap="square" rtlCol="0">
-            <a:spAutoFit/>
-          </a:bodyPr>
-          <a:lstStyle/>
-          <a:p>
-            <a:r>
-              <a:rPr lang="ko-KR" altLang="en-US" sz="4400" b="1" spc="-150" dirty="0">
-                <a:solidFill>
-                  <a:schemeClr val="bg1"/>
-                </a:solidFill>
-              </a:rPr>
-              <a:t>서론</a:t>
-            </a:r>
-          </a:p>
-        </p:txBody>
-      </p:sp>
-      <p:cxnSp>
-        <p:nvCxnSpPr>
-          <p:cNvPr id="8" name="직선 연결선 7">
-            <a:extLst>
-              <a:ext uri="{FF2B5EF4-FFF2-40B4-BE49-F238E27FC236}">
-                <a16:creationId xmlns:a16="http://schemas.microsoft.com/office/drawing/2014/main" id="{20429B64-59F8-4502-87AD-C3E67E73C1D0}"/>
-              </a:ext>
-            </a:extLst>
-          </p:cNvPr>
-          <p:cNvCxnSpPr>
-            <a:cxnSpLocks/>
-          </p:cNvCxnSpPr>
-          <p:nvPr/>
-        </p:nvCxnSpPr>
-        <p:spPr>
-          <a:xfrm>
-            <a:off x="1619672" y="2348880"/>
-            <a:ext cx="1368152" cy="0"/>
-          </a:xfrm>
-          <a:prstGeom prst="line">
-            <a:avLst/>
-          </a:prstGeom>
-          <a:ln w="41275">
-            <a:solidFill>
-              <a:schemeClr val="bg1"/>
-            </a:solidFill>
+          <a:solidFill>
+            <a:schemeClr val="tx2">
+              <a:lumMod val="75000"/>
+            </a:schemeClr>
+          </a:solidFill>
+          <a:ln>
+            <a:noFill/>
           </a:ln>
         </p:spPr>
         <p:style>
-          <a:lnRef idx="1">
-            <a:schemeClr val="accent1"/>
+          <a:lnRef idx="2">
+            <a:schemeClr val="accent1">
+              <a:shade val="50000"/>
+            </a:schemeClr>
           </a:lnRef>
-          <a:fillRef idx="0">
+          <a:fillRef idx="1">
             <a:schemeClr val="accent1"/>
           </a:fillRef>
           <a:effectRef idx="0">
             <a:schemeClr val="accent1"/>
           </a:effectRef>
           <a:fontRef idx="minor">
-            <a:schemeClr val="tx1"/>
+            <a:schemeClr val="lt1"/>
           </a:fontRef>
         </p:style>
-      </p:cxnSp>
-      <p:sp>
-        <p:nvSpPr>
-          <p:cNvPr id="28" name="TextBox 27">
+        <p:txBody>
+          <a:bodyPr rtlCol="0" anchor="ctr"/>
+          <a:lstStyle/>
+          <a:p>
+            <a:pPr algn="ctr"/>
+            <a:endParaRPr lang="ko-KR" altLang="en-US"/>
+          </a:p>
+        </p:txBody>
+      </p:sp>
+      <p:sp>
+        <p:nvSpPr>
+          <p:cNvPr id="9" name="TextBox 8"/>
+          <p:cNvSpPr txBox="1"/>
+          <p:nvPr/>
+        </p:nvSpPr>
+        <p:spPr>
+          <a:xfrm>
+            <a:off x="3995936" y="479095"/>
+            <a:ext cx="1080120" cy="461665"/>
+          </a:xfrm>
+          <a:prstGeom prst="rect">
+            <a:avLst/>
+          </a:prstGeom>
+          <a:noFill/>
+        </p:spPr>
+        <p:txBody>
+          <a:bodyPr wrap="square" rtlCol="0">
+            <a:spAutoFit/>
+          </a:bodyPr>
+          <a:lstStyle/>
+          <a:p>
+            <a:pPr algn="ctr"/>
+            <a:r>
+              <a:rPr lang="en-US" altLang="ko-KR" sz="2400" dirty="0">
+                <a:solidFill>
+                  <a:schemeClr val="bg1"/>
+                </a:solidFill>
+                <a:latin typeface="HY헤드라인M" pitchFamily="18" charset="-127"/>
+                <a:ea typeface="HY헤드라인M" pitchFamily="18" charset="-127"/>
+              </a:rPr>
+              <a:t>01</a:t>
+            </a:r>
+            <a:endParaRPr lang="ko-KR" altLang="en-US" sz="2400" dirty="0">
+              <a:solidFill>
+                <a:schemeClr val="bg1"/>
+              </a:solidFill>
+              <a:latin typeface="HY헤드라인M" pitchFamily="18" charset="-127"/>
+              <a:ea typeface="HY헤드라인M" pitchFamily="18" charset="-127"/>
+            </a:endParaRPr>
+          </a:p>
+        </p:txBody>
+      </p:sp>
+      <p:sp>
+        <p:nvSpPr>
+          <p:cNvPr id="14" name="TextBox 13">
             <a:extLst>
               <a:ext uri="{FF2B5EF4-FFF2-40B4-BE49-F238E27FC236}">
-                <a16:creationId xmlns:a16="http://schemas.microsoft.com/office/drawing/2014/main" id="{1D970E4A-A9C6-4C76-B413-8F122DEBABDF}"/>
+                <a16:creationId xmlns:a16="http://schemas.microsoft.com/office/drawing/2014/main" id="{D7E720C4-8530-BA4F-9A84-E63AA2ABFBEE}"/>
               </a:ext>
             </a:extLst>
           </p:cNvPr>
@@ -22093,8 +22916,8 @@
         </p:nvSpPr>
         <p:spPr>
           <a:xfrm>
-            <a:off x="3131840" y="2410238"/>
-            <a:ext cx="4104456" cy="2236959"/>
+            <a:off x="2267744" y="1556792"/>
+            <a:ext cx="4608512" cy="1015663"/>
           </a:xfrm>
           <a:prstGeom prst="rect">
             <a:avLst/>
@@ -22107,92 +22930,457 @@
           </a:bodyPr>
           <a:lstStyle/>
           <a:p>
-            <a:pPr marL="457200" indent="-457200">
-              <a:lnSpc>
-                <a:spcPct val="150000"/>
-              </a:lnSpc>
-              <a:buAutoNum type="arabicPeriod"/>
-            </a:pPr>
-            <a:r>
-              <a:rPr lang="ko-KR" altLang="en-US" sz="2400" b="1" spc="-150" dirty="0">
+            <a:pPr algn="ctr"/>
+            <a:r>
+              <a:rPr lang="en-US" altLang="ko-KR" sz="6000" dirty="0">
                 <a:solidFill>
-                  <a:srgbClr val="17375E"/>
+                  <a:schemeClr val="bg1">
+                    <a:lumMod val="75000"/>
+                  </a:schemeClr>
+                </a:solidFill>
+                <a:latin typeface="HY헤드라인M" pitchFamily="18" charset="-127"/>
+                <a:ea typeface="HY헤드라인M" pitchFamily="18" charset="-127"/>
+              </a:rPr>
+              <a:t>“           ”</a:t>
+            </a:r>
+            <a:endParaRPr lang="ko-KR" altLang="en-US" sz="6000" dirty="0">
+              <a:solidFill>
+                <a:schemeClr val="bg1">
+                  <a:lumMod val="75000"/>
+                </a:schemeClr>
+              </a:solidFill>
+              <a:latin typeface="HY헤드라인M" pitchFamily="18" charset="-127"/>
+              <a:ea typeface="HY헤드라인M" pitchFamily="18" charset="-127"/>
+            </a:endParaRPr>
+          </a:p>
+        </p:txBody>
+      </p:sp>
+      <p:sp>
+        <p:nvSpPr>
+          <p:cNvPr id="15" name="TextBox 14">
+            <a:extLst>
+              <a:ext uri="{FF2B5EF4-FFF2-40B4-BE49-F238E27FC236}">
+                <a16:creationId xmlns:a16="http://schemas.microsoft.com/office/drawing/2014/main" id="{5224409C-24BA-624A-B19A-55CA061712A8}"/>
+              </a:ext>
+            </a:extLst>
+          </p:cNvPr>
+          <p:cNvSpPr txBox="1"/>
+          <p:nvPr/>
+        </p:nvSpPr>
+        <p:spPr>
+          <a:xfrm>
+            <a:off x="971600" y="2422629"/>
+            <a:ext cx="7128792" cy="646331"/>
+          </a:xfrm>
+          <a:prstGeom prst="rect">
+            <a:avLst/>
+          </a:prstGeom>
+          <a:noFill/>
+        </p:spPr>
+        <p:txBody>
+          <a:bodyPr wrap="square" rtlCol="0">
+            <a:spAutoFit/>
+          </a:bodyPr>
+          <a:lstStyle/>
+          <a:p>
+            <a:pPr algn="ctr"/>
+            <a:r>
+              <a:rPr lang="en-US" altLang="ko-KR" b="1" spc="-150" dirty="0">
+                <a:solidFill>
+                  <a:schemeClr val="tx1">
+                    <a:lumMod val="75000"/>
+                    <a:lumOff val="25000"/>
+                  </a:schemeClr>
                 </a:solidFill>
               </a:rPr>
-              <a:t>아</a:t>
-            </a:r>
-            <a:endParaRPr lang="en-US" altLang="ko-KR" sz="2400" b="1" spc="-150" dirty="0">
+              <a:t>Google Play</a:t>
+            </a:r>
+            <a:r>
+              <a:rPr lang="ko-KR" altLang="en-US" b="1" spc="-150" dirty="0">
+                <a:solidFill>
+                  <a:schemeClr val="tx1">
+                    <a:lumMod val="75000"/>
+                    <a:lumOff val="25000"/>
+                  </a:schemeClr>
+                </a:solidFill>
+              </a:rPr>
+              <a:t>에 등록된 </a:t>
+            </a:r>
+            <a:r>
+              <a:rPr lang="ko-KR" altLang="en-US" b="1" spc="-150" dirty="0" err="1">
+                <a:solidFill>
+                  <a:schemeClr val="tx1">
+                    <a:lumMod val="75000"/>
+                    <a:lumOff val="25000"/>
+                  </a:schemeClr>
+                </a:solidFill>
+              </a:rPr>
+              <a:t>블루라이트</a:t>
+            </a:r>
+            <a:r>
+              <a:rPr lang="ko-KR" altLang="en-US" b="1" spc="-150" dirty="0">
+                <a:solidFill>
+                  <a:schemeClr val="tx1">
+                    <a:lumMod val="75000"/>
+                    <a:lumOff val="25000"/>
+                  </a:schemeClr>
+                </a:solidFill>
+              </a:rPr>
+              <a:t> 차단 어플의 다운로드 수 </a:t>
+            </a:r>
+            <a:r>
+              <a:rPr lang="en-US" altLang="ko-KR" b="1" spc="-150" dirty="0">
+                <a:solidFill>
+                  <a:schemeClr val="tx1">
+                    <a:lumMod val="75000"/>
+                    <a:lumOff val="25000"/>
+                  </a:schemeClr>
+                </a:solidFill>
+              </a:rPr>
+              <a:t>1000</a:t>
+            </a:r>
+            <a:r>
+              <a:rPr lang="ko-KR" altLang="en-US" b="1" spc="-150" dirty="0">
+                <a:solidFill>
+                  <a:schemeClr val="tx1">
+                    <a:lumMod val="75000"/>
+                    <a:lumOff val="25000"/>
+                  </a:schemeClr>
+                </a:solidFill>
+              </a:rPr>
+              <a:t>만 이상</a:t>
+            </a:r>
+            <a:endParaRPr lang="en-US" altLang="ko-KR" b="1" spc="-150" dirty="0">
               <a:solidFill>
-                <a:srgbClr val="17375E"/>
+                <a:schemeClr val="tx1">
+                  <a:lumMod val="75000"/>
+                  <a:lumOff val="25000"/>
+                </a:schemeClr>
               </a:solidFill>
             </a:endParaRPr>
           </a:p>
           <a:p>
-            <a:pPr marL="457200" indent="-457200">
-              <a:lnSpc>
-                <a:spcPct val="150000"/>
-              </a:lnSpc>
-              <a:buAutoNum type="arabicPeriod"/>
-            </a:pPr>
-            <a:r>
-              <a:rPr lang="ko-KR" altLang="en-US" sz="2400" b="1" spc="-150" dirty="0">
+            <a:pPr algn="ctr"/>
+            <a:r>
+              <a:rPr lang="ko-KR" altLang="en-US" b="1" spc="-150" dirty="0">
                 <a:solidFill>
-                  <a:srgbClr val="17375E"/>
+                  <a:schemeClr val="tx1">
+                    <a:lumMod val="75000"/>
+                    <a:lumOff val="25000"/>
+                  </a:schemeClr>
                 </a:solidFill>
               </a:rPr>
-              <a:t>기</a:t>
-            </a:r>
-            <a:endParaRPr lang="en-US" altLang="ko-KR" sz="2400" b="1" spc="-150" dirty="0">
+              <a:t>안드로이드 </a:t>
+            </a:r>
+            <a:r>
+              <a:rPr lang="en-US" altLang="ko-KR" b="1" spc="-150" dirty="0">
+                <a:solidFill>
+                  <a:schemeClr val="tx1">
+                    <a:lumMod val="75000"/>
+                    <a:lumOff val="25000"/>
+                  </a:schemeClr>
+                </a:solidFill>
+              </a:rPr>
+              <a:t>OS</a:t>
+            </a:r>
+            <a:r>
+              <a:rPr lang="ko-KR" altLang="en-US" b="1" spc="-150" dirty="0">
+                <a:solidFill>
+                  <a:schemeClr val="tx1">
+                    <a:lumMod val="75000"/>
+                    <a:lumOff val="25000"/>
+                  </a:schemeClr>
+                </a:solidFill>
+              </a:rPr>
+              <a:t>에 자체적인 필터 기능 제공</a:t>
+            </a:r>
+            <a:endParaRPr lang="ko-KR" altLang="en-US" spc="-150" dirty="0">
               <a:solidFill>
-                <a:srgbClr val="17375E"/>
+                <a:schemeClr val="tx1">
+                  <a:lumMod val="75000"/>
+                  <a:lumOff val="25000"/>
+                </a:schemeClr>
               </a:solidFill>
             </a:endParaRPr>
           </a:p>
-          <a:p>
-            <a:pPr marL="457200" indent="-457200">
-              <a:lnSpc>
-                <a:spcPct val="150000"/>
-              </a:lnSpc>
-              <a:buAutoNum type="arabicPeriod"/>
-            </a:pPr>
-            <a:r>
-              <a:rPr lang="ko-KR" altLang="en-US" sz="2400" b="1" spc="-150" dirty="0">
+        </p:txBody>
+      </p:sp>
+      <p:sp>
+        <p:nvSpPr>
+          <p:cNvPr id="16" name="TextBox 15">
+            <a:extLst>
+              <a:ext uri="{FF2B5EF4-FFF2-40B4-BE49-F238E27FC236}">
+                <a16:creationId xmlns:a16="http://schemas.microsoft.com/office/drawing/2014/main" id="{DCF3ECD3-47D4-DE46-B783-5A009423D0FD}"/>
+              </a:ext>
+            </a:extLst>
+          </p:cNvPr>
+          <p:cNvSpPr txBox="1"/>
+          <p:nvPr/>
+        </p:nvSpPr>
+        <p:spPr>
+          <a:xfrm>
+            <a:off x="2411760" y="1628800"/>
+            <a:ext cx="4320480" cy="584775"/>
+          </a:xfrm>
+          <a:prstGeom prst="rect">
+            <a:avLst/>
+          </a:prstGeom>
+          <a:noFill/>
+        </p:spPr>
+        <p:txBody>
+          <a:bodyPr wrap="square" rtlCol="0">
+            <a:spAutoFit/>
+          </a:bodyPr>
+          <a:lstStyle/>
+          <a:p>
+            <a:pPr algn="ctr"/>
+            <a:r>
+              <a:rPr lang="ko-KR" altLang="en-US" sz="3200" b="1" spc="-150" dirty="0" err="1">
                 <a:solidFill>
-                  <a:srgbClr val="17375E"/>
+                  <a:schemeClr val="tx2">
+                    <a:lumMod val="75000"/>
+                  </a:schemeClr>
+                </a:solidFill>
+                <a:latin typeface="+mj-lt"/>
+                <a:ea typeface="HY헤드라인M" pitchFamily="18" charset="-127"/>
+              </a:rPr>
+              <a:t>블루라이트</a:t>
+            </a:r>
+            <a:r>
+              <a:rPr lang="ko-KR" altLang="en-US" sz="3200" b="1" spc="-150" dirty="0">
+                <a:solidFill>
+                  <a:schemeClr val="tx2">
+                    <a:lumMod val="75000"/>
+                  </a:schemeClr>
+                </a:solidFill>
+                <a:latin typeface="+mj-lt"/>
+                <a:ea typeface="HY헤드라인M" pitchFamily="18" charset="-127"/>
+              </a:rPr>
+              <a:t> 필터</a:t>
+            </a:r>
+          </a:p>
+        </p:txBody>
+      </p:sp>
+      <p:cxnSp>
+        <p:nvCxnSpPr>
+          <p:cNvPr id="17" name="직선 연결선 13">
+            <a:extLst>
+              <a:ext uri="{FF2B5EF4-FFF2-40B4-BE49-F238E27FC236}">
+                <a16:creationId xmlns:a16="http://schemas.microsoft.com/office/drawing/2014/main" id="{C1D1D28A-0EF1-E748-A7C4-FCDA9F9F80A8}"/>
+              </a:ext>
+            </a:extLst>
+          </p:cNvPr>
+          <p:cNvCxnSpPr/>
+          <p:nvPr/>
+        </p:nvCxnSpPr>
+        <p:spPr>
+          <a:xfrm>
+            <a:off x="2123728" y="2276872"/>
+            <a:ext cx="4824536" cy="0"/>
+          </a:xfrm>
+          <a:prstGeom prst="line">
+            <a:avLst/>
+          </a:prstGeom>
+          <a:ln>
+            <a:gradFill>
+              <a:gsLst>
+                <a:gs pos="0">
+                  <a:schemeClr val="bg1"/>
+                </a:gs>
+                <a:gs pos="50000">
+                  <a:schemeClr val="bg1">
+                    <a:lumMod val="50000"/>
+                  </a:schemeClr>
+                </a:gs>
+                <a:gs pos="100000">
+                  <a:schemeClr val="bg1"/>
+                </a:gs>
+              </a:gsLst>
+              <a:lin ang="10800000" scaled="0"/>
+            </a:gradFill>
+          </a:ln>
+        </p:spPr>
+        <p:style>
+          <a:lnRef idx="1">
+            <a:schemeClr val="dk1"/>
+          </a:lnRef>
+          <a:fillRef idx="0">
+            <a:schemeClr val="dk1"/>
+          </a:fillRef>
+          <a:effectRef idx="0">
+            <a:schemeClr val="dk1"/>
+          </a:effectRef>
+          <a:fontRef idx="minor">
+            <a:schemeClr val="tx1"/>
+          </a:fontRef>
+        </p:style>
+      </p:cxnSp>
+      <p:cxnSp>
+        <p:nvCxnSpPr>
+          <p:cNvPr id="24" name="직선 연결선 13">
+            <a:extLst>
+              <a:ext uri="{FF2B5EF4-FFF2-40B4-BE49-F238E27FC236}">
+                <a16:creationId xmlns:a16="http://schemas.microsoft.com/office/drawing/2014/main" id="{6227121D-0408-984F-B08A-FB7E61840A00}"/>
+              </a:ext>
+            </a:extLst>
+          </p:cNvPr>
+          <p:cNvCxnSpPr/>
+          <p:nvPr/>
+        </p:nvCxnSpPr>
+        <p:spPr>
+          <a:xfrm>
+            <a:off x="2123728" y="1484784"/>
+            <a:ext cx="4824536" cy="0"/>
+          </a:xfrm>
+          <a:prstGeom prst="line">
+            <a:avLst/>
+          </a:prstGeom>
+          <a:ln>
+            <a:gradFill>
+              <a:gsLst>
+                <a:gs pos="0">
+                  <a:schemeClr val="bg1"/>
+                </a:gs>
+                <a:gs pos="50000">
+                  <a:schemeClr val="bg1">
+                    <a:lumMod val="50000"/>
+                  </a:schemeClr>
+                </a:gs>
+                <a:gs pos="100000">
+                  <a:schemeClr val="bg1"/>
+                </a:gs>
+              </a:gsLst>
+              <a:lin ang="10800000" scaled="0"/>
+            </a:gradFill>
+          </a:ln>
+        </p:spPr>
+        <p:style>
+          <a:lnRef idx="1">
+            <a:schemeClr val="dk1"/>
+          </a:lnRef>
+          <a:fillRef idx="0">
+            <a:schemeClr val="dk1"/>
+          </a:fillRef>
+          <a:effectRef idx="0">
+            <a:schemeClr val="dk1"/>
+          </a:effectRef>
+          <a:fontRef idx="minor">
+            <a:schemeClr val="tx1"/>
+          </a:fontRef>
+        </p:style>
+      </p:cxnSp>
+      <p:sp>
+        <p:nvSpPr>
+          <p:cNvPr id="19" name="TextBox 18">
+            <a:extLst>
+              <a:ext uri="{FF2B5EF4-FFF2-40B4-BE49-F238E27FC236}">
+                <a16:creationId xmlns:a16="http://schemas.microsoft.com/office/drawing/2014/main" id="{C3417C99-8FE0-4543-BFE5-A93BA57485CC}"/>
+              </a:ext>
+            </a:extLst>
+          </p:cNvPr>
+          <p:cNvSpPr txBox="1"/>
+          <p:nvPr/>
+        </p:nvSpPr>
+        <p:spPr>
+          <a:xfrm>
+            <a:off x="5364088" y="271681"/>
+            <a:ext cx="3600400" cy="276999"/>
+          </a:xfrm>
+          <a:prstGeom prst="rect">
+            <a:avLst/>
+          </a:prstGeom>
+          <a:noFill/>
+        </p:spPr>
+        <p:txBody>
+          <a:bodyPr wrap="square" rtlCol="0">
+            <a:spAutoFit/>
+          </a:bodyPr>
+          <a:lstStyle/>
+          <a:p>
+            <a:pPr algn="dist"/>
+            <a:r>
+              <a:rPr lang="ko-KR" altLang="en-US" sz="1200" dirty="0" err="1">
+                <a:solidFill>
+                  <a:schemeClr val="bg1"/>
                 </a:solidFill>
               </a:rPr>
-              <a:t>그</a:t>
-            </a:r>
-            <a:endParaRPr lang="en-US" altLang="ko-KR" sz="2400" b="1" spc="-150" dirty="0">
+              <a:t>임베디드소프트웨어</a:t>
+            </a:r>
+            <a:r>
+              <a:rPr lang="en-US" altLang="ko-KR" sz="1200" dirty="0">
+                <a:solidFill>
+                  <a:schemeClr val="bg1"/>
+                </a:solidFill>
+              </a:rPr>
+              <a:t>2</a:t>
+            </a:r>
+            <a:endParaRPr lang="ko-KR" altLang="en-US" sz="1200" dirty="0">
               <a:solidFill>
-                <a:srgbClr val="17375E"/>
+                <a:schemeClr val="bg1"/>
               </a:solidFill>
             </a:endParaRPr>
           </a:p>
-          <a:p>
-            <a:pPr marL="457200" indent="-457200">
-              <a:lnSpc>
-                <a:spcPct val="150000"/>
-              </a:lnSpc>
-              <a:buAutoNum type="arabicPeriod"/>
-            </a:pPr>
-            <a:r>
-              <a:rPr lang="ko-KR" altLang="en-US" sz="2400" b="1" spc="-150" dirty="0">
-                <a:solidFill>
-                  <a:srgbClr val="17375E"/>
-                </a:solidFill>
-              </a:rPr>
-              <a:t>데</a:t>
-            </a:r>
-          </a:p>
-        </p:txBody>
-      </p:sp>
+        </p:txBody>
+      </p:sp>
+      <p:pic>
+        <p:nvPicPr>
+          <p:cNvPr id="13" name="그림 12">
+            <a:extLst>
+              <a:ext uri="{FF2B5EF4-FFF2-40B4-BE49-F238E27FC236}">
+                <a16:creationId xmlns:a16="http://schemas.microsoft.com/office/drawing/2014/main" id="{A2B8A03A-36F8-4FD5-AB4A-FCEADAF55C0D}"/>
+              </a:ext>
+            </a:extLst>
+          </p:cNvPr>
+          <p:cNvPicPr>
+            <a:picLocks noChangeAspect="1"/>
+          </p:cNvPicPr>
+          <p:nvPr/>
+        </p:nvPicPr>
+        <p:blipFill rotWithShape="1">
+          <a:blip r:embed="rId3"/>
+          <a:srcRect b="50000"/>
+          <a:stretch/>
+        </p:blipFill>
+        <p:spPr>
+          <a:xfrm>
+            <a:off x="4845240" y="3276391"/>
+            <a:ext cx="2608398" cy="2681009"/>
+          </a:xfrm>
+          <a:prstGeom prst="rect">
+            <a:avLst/>
+          </a:prstGeom>
+        </p:spPr>
+      </p:pic>
+      <p:pic>
+        <p:nvPicPr>
+          <p:cNvPr id="21" name="그림 20">
+            <a:extLst>
+              <a:ext uri="{FF2B5EF4-FFF2-40B4-BE49-F238E27FC236}">
+                <a16:creationId xmlns:a16="http://schemas.microsoft.com/office/drawing/2014/main" id="{86A0B985-A17F-40F0-BFCB-FA89F00B8A4A}"/>
+              </a:ext>
+            </a:extLst>
+          </p:cNvPr>
+          <p:cNvPicPr>
+            <a:picLocks noChangeAspect="1"/>
+          </p:cNvPicPr>
+          <p:nvPr/>
+        </p:nvPicPr>
+        <p:blipFill rotWithShape="1">
+          <a:blip r:embed="rId4"/>
+          <a:srcRect t="3070" b="52831"/>
+          <a:stretch/>
+        </p:blipFill>
+        <p:spPr>
+          <a:xfrm>
+            <a:off x="1414947" y="3276391"/>
+            <a:ext cx="2869022" cy="2600882"/>
+          </a:xfrm>
+          <a:prstGeom prst="rect">
+            <a:avLst/>
+          </a:prstGeom>
+        </p:spPr>
+      </p:pic>
     </p:spTree>
-    <p:extLst>
-      <p:ext uri="{BB962C8B-B14F-4D97-AF65-F5344CB8AC3E}">
-        <p14:creationId xmlns:p14="http://schemas.microsoft.com/office/powerpoint/2010/main" val="3641290694"/>
-      </p:ext>
-    </p:extLst>
   </p:cSld>
   <p:clrMapOvr>
     <a:masterClrMapping/>
@@ -22266,8 +23454,37 @@
           <a:bodyPr rtlCol="0" anchor="ctr"/>
           <a:lstStyle/>
           <a:p>
-            <a:pPr algn="ctr"/>
-            <a:endParaRPr lang="ko-KR" altLang="en-US"/>
+            <a:pPr marL="0" marR="0" lvl="0" indent="0" algn="ctr" defTabSz="914400" rtl="0" eaLnBrk="1" fontAlgn="auto" latinLnBrk="1" hangingPunct="1">
+              <a:lnSpc>
+                <a:spcPct val="100000"/>
+              </a:lnSpc>
+              <a:spcBef>
+                <a:spcPts val="0"/>
+              </a:spcBef>
+              <a:spcAft>
+                <a:spcPts val="0"/>
+              </a:spcAft>
+              <a:buClrTx/>
+              <a:buSzTx/>
+              <a:buFontTx/>
+              <a:buNone/>
+              <a:tabLst/>
+              <a:defRPr/>
+            </a:pPr>
+            <a:endParaRPr kumimoji="0" lang="ko-KR" altLang="en-US" sz="1800" b="0" i="0" u="none" strike="noStrike" kern="1200" cap="none" spc="0" normalizeH="0" baseline="0" noProof="0">
+              <a:ln>
+                <a:noFill/>
+              </a:ln>
+              <a:solidFill>
+                <a:prstClr val="white"/>
+              </a:solidFill>
+              <a:effectLst/>
+              <a:uLnTx/>
+              <a:uFillTx/>
+              <a:latin typeface="맑은 고딕"/>
+              <a:ea typeface="맑은 고딕" panose="020B0503020000020004" pitchFamily="34" charset="-127"/>
+              <a:cs typeface="+mn-cs"/>
+            </a:endParaRPr>
           </a:p>
         </p:txBody>
       </p:sp>
@@ -22314,8 +23531,37 @@
           <a:bodyPr rtlCol="0" anchor="ctr"/>
           <a:lstStyle/>
           <a:p>
-            <a:pPr algn="ctr"/>
-            <a:endParaRPr lang="ko-KR" altLang="en-US"/>
+            <a:pPr marL="0" marR="0" lvl="0" indent="0" algn="ctr" defTabSz="914400" rtl="0" eaLnBrk="1" fontAlgn="auto" latinLnBrk="1" hangingPunct="1">
+              <a:lnSpc>
+                <a:spcPct val="100000"/>
+              </a:lnSpc>
+              <a:spcBef>
+                <a:spcPts val="0"/>
+              </a:spcBef>
+              <a:spcAft>
+                <a:spcPts val="0"/>
+              </a:spcAft>
+              <a:buClrTx/>
+              <a:buSzTx/>
+              <a:buFontTx/>
+              <a:buNone/>
+              <a:tabLst/>
+              <a:defRPr/>
+            </a:pPr>
+            <a:endParaRPr kumimoji="0" lang="ko-KR" altLang="en-US" sz="1800" b="0" i="0" u="none" strike="noStrike" kern="1200" cap="none" spc="0" normalizeH="0" baseline="0" noProof="0">
+              <a:ln>
+                <a:noFill/>
+              </a:ln>
+              <a:solidFill>
+                <a:prstClr val="white"/>
+              </a:solidFill>
+              <a:effectLst/>
+              <a:uLnTx/>
+              <a:uFillTx/>
+              <a:latin typeface="맑은 고딕"/>
+              <a:ea typeface="맑은 고딕" panose="020B0503020000020004" pitchFamily="34" charset="-127"/>
+              <a:cs typeface="+mn-cs"/>
+            </a:endParaRPr>
           </a:p>
         </p:txBody>
       </p:sp>
@@ -22341,33 +23587,63 @@
           </a:bodyPr>
           <a:lstStyle/>
           <a:p>
-            <a:pPr algn="ctr"/>
-            <a:r>
-              <a:rPr lang="en-US" altLang="ko-KR" sz="2400" dirty="0">
+            <a:pPr marL="0" marR="0" lvl="0" indent="0" algn="ctr" defTabSz="914400" rtl="0" eaLnBrk="1" fontAlgn="auto" latinLnBrk="1" hangingPunct="1">
+              <a:lnSpc>
+                <a:spcPct val="100000"/>
+              </a:lnSpc>
+              <a:spcBef>
+                <a:spcPts val="0"/>
+              </a:spcBef>
+              <a:spcAft>
+                <a:spcPts val="0"/>
+              </a:spcAft>
+              <a:buClrTx/>
+              <a:buSzTx/>
+              <a:buFontTx/>
+              <a:buNone/>
+              <a:tabLst/>
+              <a:defRPr/>
+            </a:pPr>
+            <a:r>
+              <a:rPr kumimoji="0" lang="en-US" altLang="ko-KR" sz="2400" b="0" i="0" u="none" strike="noStrike" kern="1200" cap="none" spc="0" normalizeH="0" baseline="0" noProof="0" dirty="0">
+                <a:ln>
+                  <a:noFill/>
+                </a:ln>
                 <a:solidFill>
-                  <a:schemeClr val="bg1"/>
+                  <a:prstClr val="white"/>
                 </a:solidFill>
+                <a:effectLst/>
+                <a:uLnTx/>
+                <a:uFillTx/>
                 <a:latin typeface="HY헤드라인M" pitchFamily="18" charset="-127"/>
                 <a:ea typeface="HY헤드라인M" pitchFamily="18" charset="-127"/>
+                <a:cs typeface="+mn-cs"/>
               </a:rPr>
               <a:t>01</a:t>
             </a:r>
-            <a:endParaRPr lang="ko-KR" altLang="en-US" sz="2400" dirty="0">
+            <a:endParaRPr kumimoji="0" lang="ko-KR" altLang="en-US" sz="2400" b="0" i="0" u="none" strike="noStrike" kern="1200" cap="none" spc="0" normalizeH="0" baseline="0" noProof="0" dirty="0">
+              <a:ln>
+                <a:noFill/>
+              </a:ln>
               <a:solidFill>
-                <a:schemeClr val="bg1"/>
+                <a:prstClr val="white"/>
               </a:solidFill>
+              <a:effectLst/>
+              <a:uLnTx/>
+              <a:uFillTx/>
               <a:latin typeface="HY헤드라인M" pitchFamily="18" charset="-127"/>
               <a:ea typeface="HY헤드라인M" pitchFamily="18" charset="-127"/>
+              <a:cs typeface="+mn-cs"/>
             </a:endParaRPr>
           </a:p>
         </p:txBody>
       </p:sp>
       <p:sp>
         <p:nvSpPr>
-          <p:cNvPr id="14" name="TextBox 13">
+          <p:cNvPr id="22" name="TextBox 21">
             <a:extLst>
               <a:ext uri="{FF2B5EF4-FFF2-40B4-BE49-F238E27FC236}">
-                <a16:creationId xmlns:a16="http://schemas.microsoft.com/office/drawing/2014/main" id="{D7E720C4-8530-BA4F-9A84-E63AA2ABFBEE}"/>
+                <a16:creationId xmlns:a16="http://schemas.microsoft.com/office/drawing/2014/main" id="{3B4AC795-B2C2-6D4F-8FED-E070F474C31F}"/>
               </a:ext>
             </a:extLst>
           </p:cNvPr>
@@ -22376,8 +23652,8 @@
         </p:nvSpPr>
         <p:spPr>
           <a:xfrm>
-            <a:off x="2267744" y="1556792"/>
-            <a:ext cx="4608512" cy="1015663"/>
+            <a:off x="1403648" y="1772816"/>
+            <a:ext cx="6336704" cy="1015663"/>
           </a:xfrm>
           <a:prstGeom prst="rect">
             <a:avLst/>
@@ -22390,37 +23666,67 @@
           </a:bodyPr>
           <a:lstStyle/>
           <a:p>
-            <a:pPr algn="ctr"/>
-            <a:r>
-              <a:rPr lang="en-US" altLang="ko-KR" sz="6000" dirty="0">
+            <a:pPr marL="0" marR="0" lvl="0" indent="0" algn="ctr" defTabSz="914400" rtl="0" eaLnBrk="1" fontAlgn="auto" latinLnBrk="1" hangingPunct="1">
+              <a:lnSpc>
+                <a:spcPct val="100000"/>
+              </a:lnSpc>
+              <a:spcBef>
+                <a:spcPts val="0"/>
+              </a:spcBef>
+              <a:spcAft>
+                <a:spcPts val="0"/>
+              </a:spcAft>
+              <a:buClrTx/>
+              <a:buSzTx/>
+              <a:buFontTx/>
+              <a:buNone/>
+              <a:tabLst/>
+              <a:defRPr/>
+            </a:pPr>
+            <a:r>
+              <a:rPr kumimoji="0" lang="en-US" altLang="ko-KR" sz="6000" b="0" i="0" u="none" strike="noStrike" kern="1200" cap="none" spc="0" normalizeH="0" baseline="0" noProof="0" dirty="0">
+                <a:ln>
+                  <a:noFill/>
+                </a:ln>
                 <a:solidFill>
-                  <a:schemeClr val="bg1">
+                  <a:prstClr val="white">
                     <a:lumMod val="75000"/>
-                  </a:schemeClr>
+                  </a:prstClr>
                 </a:solidFill>
+                <a:effectLst/>
+                <a:uLnTx/>
+                <a:uFillTx/>
                 <a:latin typeface="HY헤드라인M" pitchFamily="18" charset="-127"/>
                 <a:ea typeface="HY헤드라인M" pitchFamily="18" charset="-127"/>
+                <a:cs typeface="+mn-cs"/>
               </a:rPr>
-              <a:t>“           ”</a:t>
-            </a:r>
-            <a:endParaRPr lang="ko-KR" altLang="en-US" sz="6000" dirty="0">
+              <a:t>“               ”</a:t>
+            </a:r>
+            <a:endParaRPr kumimoji="0" lang="ko-KR" altLang="en-US" sz="6000" b="0" i="0" u="none" strike="noStrike" kern="1200" cap="none" spc="0" normalizeH="0" baseline="0" noProof="0" dirty="0">
+              <a:ln>
+                <a:noFill/>
+              </a:ln>
               <a:solidFill>
-                <a:schemeClr val="bg1">
+                <a:prstClr val="white">
                   <a:lumMod val="75000"/>
-                </a:schemeClr>
+                </a:prstClr>
               </a:solidFill>
+              <a:effectLst/>
+              <a:uLnTx/>
+              <a:uFillTx/>
               <a:latin typeface="HY헤드라인M" pitchFamily="18" charset="-127"/>
               <a:ea typeface="HY헤드라인M" pitchFamily="18" charset="-127"/>
+              <a:cs typeface="+mn-cs"/>
             </a:endParaRPr>
           </a:p>
         </p:txBody>
       </p:sp>
       <p:sp>
         <p:nvSpPr>
-          <p:cNvPr id="15" name="TextBox 14">
+          <p:cNvPr id="23" name="TextBox 22">
             <a:extLst>
               <a:ext uri="{FF2B5EF4-FFF2-40B4-BE49-F238E27FC236}">
-                <a16:creationId xmlns:a16="http://schemas.microsoft.com/office/drawing/2014/main" id="{5224409C-24BA-624A-B19A-55CA061712A8}"/>
+                <a16:creationId xmlns:a16="http://schemas.microsoft.com/office/drawing/2014/main" id="{FBA39C41-D316-2E47-AC9F-2B4FF8154E66}"/>
               </a:ext>
             </a:extLst>
           </p:cNvPr>
@@ -22429,8 +23735,8 @@
         </p:nvSpPr>
         <p:spPr>
           <a:xfrm>
-            <a:off x="971600" y="2422629"/>
-            <a:ext cx="7128792" cy="646331"/>
+            <a:off x="971600" y="2860486"/>
+            <a:ext cx="7128792" cy="2554545"/>
           </a:xfrm>
           <a:prstGeom prst="rect">
             <a:avLst/>
@@ -22443,113 +23749,338 @@
           </a:bodyPr>
           <a:lstStyle/>
           <a:p>
-            <a:pPr algn="ctr"/>
-            <a:r>
-              <a:rPr lang="en-US" altLang="ko-KR" b="1" spc="-150" dirty="0"/>
-              <a:t>Google Play</a:t>
-            </a:r>
-            <a:r>
-              <a:rPr lang="ko-KR" altLang="en-US" b="1" spc="-150" dirty="0"/>
-              <a:t>에 등록된 </a:t>
-            </a:r>
-            <a:r>
-              <a:rPr lang="ko-KR" altLang="en-US" b="1" spc="-150" dirty="0" err="1"/>
-              <a:t>블루라이트</a:t>
-            </a:r>
-            <a:r>
-              <a:rPr lang="ko-KR" altLang="en-US" b="1" spc="-150" dirty="0"/>
-              <a:t> 차단 어플의 다운로드 수 </a:t>
-            </a:r>
-            <a:r>
-              <a:rPr lang="en-US" altLang="ko-KR" b="1" spc="-150" dirty="0"/>
-              <a:t>1000</a:t>
-            </a:r>
-            <a:r>
-              <a:rPr lang="ko-KR" altLang="en-US" b="1" spc="-150" dirty="0"/>
-              <a:t>만 이상</a:t>
-            </a:r>
-            <a:endParaRPr lang="en-US" altLang="ko-KR" b="1" spc="-150" dirty="0"/>
-          </a:p>
-          <a:p>
-            <a:pPr algn="ctr"/>
-            <a:r>
-              <a:rPr lang="ko-KR" altLang="en-US" b="1" spc="-150" dirty="0"/>
-              <a:t>안드로이드 </a:t>
-            </a:r>
-            <a:r>
-              <a:rPr lang="en-US" altLang="ko-KR" b="1" spc="-150" dirty="0"/>
-              <a:t>OS</a:t>
-            </a:r>
-            <a:r>
-              <a:rPr lang="ko-KR" altLang="en-US" b="1" spc="-150" dirty="0"/>
-              <a:t>에 자체적인 필터 기능 제공</a:t>
-            </a:r>
-            <a:endParaRPr lang="ko-KR" altLang="en-US" spc="-150" dirty="0"/>
-          </a:p>
-        </p:txBody>
-      </p:sp>
-      <p:sp>
-        <p:nvSpPr>
-          <p:cNvPr id="16" name="TextBox 15">
+            <a:pPr marL="0" marR="0" lvl="0" indent="0" algn="ctr" defTabSz="914400" rtl="0" eaLnBrk="1" fontAlgn="auto" latinLnBrk="1" hangingPunct="1">
+              <a:lnSpc>
+                <a:spcPct val="150000"/>
+              </a:lnSpc>
+              <a:spcBef>
+                <a:spcPts val="0"/>
+              </a:spcBef>
+              <a:spcAft>
+                <a:spcPts val="0"/>
+              </a:spcAft>
+              <a:buClrTx/>
+              <a:buSzTx/>
+              <a:buFontTx/>
+              <a:buNone/>
+              <a:tabLst/>
+              <a:defRPr/>
+            </a:pPr>
+            <a:r>
+              <a:rPr kumimoji="0" lang="ko-KR" altLang="en-US" sz="2000" b="1" i="0" u="none" strike="noStrike" kern="1200" cap="none" spc="-150" normalizeH="0" baseline="0" noProof="0" dirty="0">
+                <a:ln>
+                  <a:noFill/>
+                </a:ln>
+                <a:solidFill>
+                  <a:prstClr val="black"/>
+                </a:solidFill>
+                <a:effectLst/>
+                <a:uLnTx/>
+                <a:uFillTx/>
+                <a:latin typeface="맑은 고딕"/>
+                <a:ea typeface="맑은 고딕" panose="020B0503020000020004" pitchFamily="34" charset="-127"/>
+                <a:cs typeface="+mn-cs"/>
+              </a:rPr>
+              <a:t>노란색 화면</a:t>
+            </a:r>
+          </a:p>
+          <a:p>
+            <a:pPr marL="0" marR="0" lvl="0" indent="0" algn="ctr" defTabSz="914400" rtl="0" eaLnBrk="1" fontAlgn="auto" latinLnBrk="1" hangingPunct="1">
+              <a:lnSpc>
+                <a:spcPct val="100000"/>
+              </a:lnSpc>
+              <a:spcBef>
+                <a:spcPts val="0"/>
+              </a:spcBef>
+              <a:spcAft>
+                <a:spcPts val="0"/>
+              </a:spcAft>
+              <a:buClrTx/>
+              <a:buSzTx/>
+              <a:buFontTx/>
+              <a:buNone/>
+              <a:tabLst/>
+              <a:defRPr/>
+            </a:pPr>
+            <a:r>
+              <a:rPr kumimoji="0" lang="ko-KR" altLang="en-US" sz="1600" b="0" i="0" u="none" strike="noStrike" kern="1200" cap="none" spc="-150" normalizeH="0" baseline="0" noProof="0" dirty="0">
+                <a:ln>
+                  <a:noFill/>
+                </a:ln>
+                <a:solidFill>
+                  <a:prstClr val="black"/>
+                </a:solidFill>
+                <a:effectLst/>
+                <a:uLnTx/>
+                <a:uFillTx/>
+                <a:latin typeface="맑은 고딕"/>
+                <a:ea typeface="맑은 고딕" panose="020B0503020000020004" pitchFamily="34" charset="-127"/>
+                <a:cs typeface="+mn-cs"/>
+              </a:rPr>
+              <a:t>청색을 줄이면서 상대적으로 녹색과 </a:t>
+            </a:r>
+            <a:r>
+              <a:rPr kumimoji="0" lang="ko-KR" altLang="en-US" sz="1600" b="0" i="0" u="none" strike="noStrike" kern="1200" cap="none" spc="-150" normalizeH="0" baseline="0" noProof="0" dirty="0" err="1">
+                <a:ln>
+                  <a:noFill/>
+                </a:ln>
+                <a:solidFill>
+                  <a:prstClr val="black"/>
+                </a:solidFill>
+                <a:effectLst/>
+                <a:uLnTx/>
+                <a:uFillTx/>
+                <a:latin typeface="맑은 고딕"/>
+                <a:ea typeface="맑은 고딕" panose="020B0503020000020004" pitchFamily="34" charset="-127"/>
+                <a:cs typeface="+mn-cs"/>
+              </a:rPr>
+              <a:t>적색값이</a:t>
+            </a:r>
+            <a:r>
+              <a:rPr kumimoji="0" lang="ko-KR" altLang="en-US" sz="1600" b="0" i="0" u="none" strike="noStrike" kern="1200" cap="none" spc="-150" normalizeH="0" baseline="0" noProof="0" dirty="0">
+                <a:ln>
+                  <a:noFill/>
+                </a:ln>
+                <a:solidFill>
+                  <a:prstClr val="black"/>
+                </a:solidFill>
+                <a:effectLst/>
+                <a:uLnTx/>
+                <a:uFillTx/>
+                <a:latin typeface="맑은 고딕"/>
+                <a:ea typeface="맑은 고딕" panose="020B0503020000020004" pitchFamily="34" charset="-127"/>
+                <a:cs typeface="+mn-cs"/>
+              </a:rPr>
+              <a:t> 청색보다 높아지게 되면서 화면이 전체적으로 노란색을 띄게 됨</a:t>
+            </a:r>
+            <a:endParaRPr kumimoji="0" lang="en-US" altLang="ko-KR" sz="1600" b="0" i="0" u="none" strike="noStrike" kern="1200" cap="none" spc="-150" normalizeH="0" baseline="0" noProof="0" dirty="0">
+              <a:ln>
+                <a:noFill/>
+              </a:ln>
+              <a:solidFill>
+                <a:prstClr val="black"/>
+              </a:solidFill>
+              <a:effectLst/>
+              <a:uLnTx/>
+              <a:uFillTx/>
+              <a:latin typeface="맑은 고딕"/>
+              <a:ea typeface="맑은 고딕" panose="020B0503020000020004" pitchFamily="34" charset="-127"/>
+              <a:cs typeface="+mn-cs"/>
+            </a:endParaRPr>
+          </a:p>
+          <a:p>
+            <a:pPr marL="0" marR="0" lvl="0" indent="0" algn="ctr" defTabSz="914400" rtl="0" eaLnBrk="1" fontAlgn="auto" latinLnBrk="1" hangingPunct="1">
+              <a:lnSpc>
+                <a:spcPct val="100000"/>
+              </a:lnSpc>
+              <a:spcBef>
+                <a:spcPts val="0"/>
+              </a:spcBef>
+              <a:spcAft>
+                <a:spcPts val="0"/>
+              </a:spcAft>
+              <a:buClrTx/>
+              <a:buSzTx/>
+              <a:buFontTx/>
+              <a:buNone/>
+              <a:tabLst/>
+              <a:defRPr/>
+            </a:pPr>
+            <a:endParaRPr kumimoji="0" lang="en-US" altLang="ko-KR" sz="1800" b="0" i="0" u="none" strike="noStrike" kern="1200" cap="none" spc="-150" normalizeH="0" baseline="0" noProof="0" dirty="0">
+              <a:ln>
+                <a:noFill/>
+              </a:ln>
+              <a:solidFill>
+                <a:prstClr val="black"/>
+              </a:solidFill>
+              <a:effectLst/>
+              <a:uLnTx/>
+              <a:uFillTx/>
+              <a:latin typeface="맑은 고딕"/>
+              <a:ea typeface="맑은 고딕" panose="020B0503020000020004" pitchFamily="34" charset="-127"/>
+              <a:cs typeface="+mn-cs"/>
+            </a:endParaRPr>
+          </a:p>
+          <a:p>
+            <a:pPr marL="0" marR="0" lvl="0" indent="0" algn="ctr" defTabSz="914400" rtl="0" eaLnBrk="1" fontAlgn="auto" latinLnBrk="1" hangingPunct="1">
+              <a:lnSpc>
+                <a:spcPct val="150000"/>
+              </a:lnSpc>
+              <a:spcBef>
+                <a:spcPts val="0"/>
+              </a:spcBef>
+              <a:spcAft>
+                <a:spcPts val="0"/>
+              </a:spcAft>
+              <a:buClrTx/>
+              <a:buSzTx/>
+              <a:buFontTx/>
+              <a:buNone/>
+              <a:tabLst/>
+              <a:defRPr/>
+            </a:pPr>
+            <a:r>
+              <a:rPr kumimoji="0" lang="ko-KR" altLang="en-US" sz="2000" b="1" i="0" u="none" strike="noStrike" kern="1200" cap="none" spc="-150" normalizeH="0" baseline="0" noProof="0" dirty="0">
+                <a:ln>
+                  <a:noFill/>
+                </a:ln>
+                <a:solidFill>
+                  <a:prstClr val="black"/>
+                </a:solidFill>
+                <a:effectLst/>
+                <a:uLnTx/>
+                <a:uFillTx/>
+                <a:latin typeface="맑은 고딕"/>
+                <a:ea typeface="맑은 고딕" panose="020B0503020000020004" pitchFamily="34" charset="-127"/>
+                <a:cs typeface="+mn-cs"/>
+              </a:rPr>
+              <a:t>실질적인 시력저하 예방효과 부족</a:t>
+            </a:r>
+          </a:p>
+          <a:p>
+            <a:pPr marL="0" marR="0" lvl="0" indent="0" algn="ctr" defTabSz="914400" rtl="0" eaLnBrk="1" fontAlgn="auto" latinLnBrk="1" hangingPunct="1">
+              <a:lnSpc>
+                <a:spcPct val="100000"/>
+              </a:lnSpc>
+              <a:spcBef>
+                <a:spcPts val="0"/>
+              </a:spcBef>
+              <a:spcAft>
+                <a:spcPts val="0"/>
+              </a:spcAft>
+              <a:buClrTx/>
+              <a:buSzTx/>
+              <a:buFontTx/>
+              <a:buNone/>
+              <a:tabLst/>
+              <a:defRPr/>
+            </a:pPr>
+            <a:r>
+              <a:rPr kumimoji="0" lang="ko-KR" altLang="en-US" sz="1600" b="0" i="0" u="none" strike="noStrike" kern="1200" cap="none" spc="-150" normalizeH="0" baseline="0" noProof="0" dirty="0">
+                <a:ln>
+                  <a:noFill/>
+                </a:ln>
+                <a:solidFill>
+                  <a:prstClr val="black"/>
+                </a:solidFill>
+                <a:effectLst/>
+                <a:uLnTx/>
+                <a:uFillTx/>
+                <a:latin typeface="맑은 고딕"/>
+                <a:ea typeface="맑은 고딕" panose="020B0503020000020004" pitchFamily="34" charset="-127"/>
+                <a:cs typeface="+mn-cs"/>
+              </a:rPr>
+              <a:t>사용자는 스마트폰 사용 시 평소보다 눈을 덜 깜빡이는 모습을 볼 수 있는데</a:t>
+            </a:r>
+            <a:endParaRPr kumimoji="0" lang="en-US" altLang="ko-KR" sz="1600" b="0" i="0" u="none" strike="noStrike" kern="1200" cap="none" spc="-150" normalizeH="0" baseline="0" noProof="0" dirty="0">
+              <a:ln>
+                <a:noFill/>
+              </a:ln>
+              <a:solidFill>
+                <a:prstClr val="black"/>
+              </a:solidFill>
+              <a:effectLst/>
+              <a:uLnTx/>
+              <a:uFillTx/>
+              <a:latin typeface="맑은 고딕"/>
+              <a:ea typeface="맑은 고딕" panose="020B0503020000020004" pitchFamily="34" charset="-127"/>
+              <a:cs typeface="+mn-cs"/>
+            </a:endParaRPr>
+          </a:p>
+          <a:p>
+            <a:pPr marL="0" marR="0" lvl="0" indent="0" algn="ctr" defTabSz="914400" rtl="0" eaLnBrk="1" fontAlgn="auto" latinLnBrk="1" hangingPunct="1">
+              <a:lnSpc>
+                <a:spcPct val="100000"/>
+              </a:lnSpc>
+              <a:spcBef>
+                <a:spcPts val="0"/>
+              </a:spcBef>
+              <a:spcAft>
+                <a:spcPts val="0"/>
+              </a:spcAft>
+              <a:buClrTx/>
+              <a:buSzTx/>
+              <a:buFontTx/>
+              <a:buNone/>
+              <a:tabLst/>
+              <a:defRPr/>
+            </a:pPr>
+            <a:r>
+              <a:rPr kumimoji="0" lang="ko-KR" altLang="en-US" sz="1600" b="0" i="0" u="none" strike="noStrike" kern="1200" cap="none" spc="-150" normalizeH="0" baseline="0" noProof="0" dirty="0">
+                <a:ln>
+                  <a:noFill/>
+                </a:ln>
+                <a:solidFill>
+                  <a:prstClr val="black"/>
+                </a:solidFill>
+                <a:effectLst/>
+                <a:uLnTx/>
+                <a:uFillTx/>
+                <a:latin typeface="맑은 고딕"/>
+                <a:ea typeface="맑은 고딕" panose="020B0503020000020004" pitchFamily="34" charset="-127"/>
+                <a:cs typeface="+mn-cs"/>
+              </a:rPr>
+              <a:t>이것은 안구건조증과 시력저하에 큰 영향을 미침</a:t>
+            </a:r>
+            <a:r>
+              <a:rPr kumimoji="0" lang="en-US" altLang="ko-KR" sz="1600" b="0" i="0" u="none" strike="noStrike" kern="1200" cap="none" spc="-150" normalizeH="0" baseline="0" noProof="0" dirty="0">
+                <a:ln>
+                  <a:noFill/>
+                </a:ln>
+                <a:solidFill>
+                  <a:prstClr val="black"/>
+                </a:solidFill>
+                <a:effectLst/>
+                <a:uLnTx/>
+                <a:uFillTx/>
+                <a:latin typeface="맑은 고딕"/>
+                <a:ea typeface="맑은 고딕" panose="020B0503020000020004" pitchFamily="34" charset="-127"/>
+                <a:cs typeface="+mn-cs"/>
+              </a:rPr>
+              <a:t>.</a:t>
+            </a:r>
+          </a:p>
+          <a:p>
+            <a:pPr marL="0" marR="0" lvl="0" indent="0" algn="ctr" defTabSz="914400" rtl="0" eaLnBrk="1" fontAlgn="auto" latinLnBrk="1" hangingPunct="1">
+              <a:lnSpc>
+                <a:spcPct val="100000"/>
+              </a:lnSpc>
+              <a:spcBef>
+                <a:spcPts val="0"/>
+              </a:spcBef>
+              <a:spcAft>
+                <a:spcPts val="0"/>
+              </a:spcAft>
+              <a:buClrTx/>
+              <a:buSzTx/>
+              <a:buFontTx/>
+              <a:buNone/>
+              <a:tabLst/>
+              <a:defRPr/>
+            </a:pPr>
+            <a:endParaRPr kumimoji="0" lang="ko-KR" altLang="en-US" sz="1800" b="0" i="0" u="none" strike="noStrike" kern="1200" cap="none" spc="-150" normalizeH="0" baseline="0" noProof="0" dirty="0">
+              <a:ln>
+                <a:noFill/>
+              </a:ln>
+              <a:solidFill>
+                <a:prstClr val="black"/>
+              </a:solidFill>
+              <a:effectLst/>
+              <a:uLnTx/>
+              <a:uFillTx/>
+              <a:latin typeface="맑은 고딕"/>
+              <a:ea typeface="맑은 고딕" panose="020B0503020000020004" pitchFamily="34" charset="-127"/>
+              <a:cs typeface="+mn-cs"/>
+            </a:endParaRPr>
+          </a:p>
+        </p:txBody>
+      </p:sp>
+      <p:cxnSp>
+        <p:nvCxnSpPr>
+          <p:cNvPr id="24" name="직선 연결선 13">
             <a:extLst>
               <a:ext uri="{FF2B5EF4-FFF2-40B4-BE49-F238E27FC236}">
-                <a16:creationId xmlns:a16="http://schemas.microsoft.com/office/drawing/2014/main" id="{DCF3ECD3-47D4-DE46-B783-5A009423D0FD}"/>
-              </a:ext>
-            </a:extLst>
-          </p:cNvPr>
-          <p:cNvSpPr txBox="1"/>
-          <p:nvPr/>
-        </p:nvSpPr>
-        <p:spPr>
-          <a:xfrm>
-            <a:off x="2411760" y="1628800"/>
-            <a:ext cx="4320480" cy="584775"/>
-          </a:xfrm>
-          <a:prstGeom prst="rect">
-            <a:avLst/>
-          </a:prstGeom>
-          <a:noFill/>
-        </p:spPr>
-        <p:txBody>
-          <a:bodyPr wrap="square" rtlCol="0">
-            <a:spAutoFit/>
-          </a:bodyPr>
-          <a:lstStyle/>
-          <a:p>
-            <a:pPr algn="ctr"/>
-            <a:r>
-              <a:rPr lang="ko-KR" altLang="en-US" sz="3200" b="1" spc="-150" dirty="0" err="1">
-                <a:solidFill>
-                  <a:schemeClr val="tx2">
-                    <a:lumMod val="75000"/>
-                  </a:schemeClr>
-                </a:solidFill>
-                <a:latin typeface="+mj-lt"/>
-                <a:ea typeface="HY헤드라인M" pitchFamily="18" charset="-127"/>
-              </a:rPr>
-              <a:t>블루라이트</a:t>
-            </a:r>
-            <a:r>
-              <a:rPr lang="ko-KR" altLang="en-US" sz="3200" b="1" spc="-150" dirty="0">
-                <a:solidFill>
-                  <a:schemeClr val="tx2">
-                    <a:lumMod val="75000"/>
-                  </a:schemeClr>
-                </a:solidFill>
-                <a:latin typeface="+mj-lt"/>
-                <a:ea typeface="HY헤드라인M" pitchFamily="18" charset="-127"/>
-              </a:rPr>
-              <a:t> 필터</a:t>
-            </a:r>
-          </a:p>
-        </p:txBody>
-      </p:sp>
-      <p:cxnSp>
-        <p:nvCxnSpPr>
-          <p:cNvPr id="17" name="직선 연결선 13">
-            <a:extLst>
-              <a:ext uri="{FF2B5EF4-FFF2-40B4-BE49-F238E27FC236}">
-                <a16:creationId xmlns:a16="http://schemas.microsoft.com/office/drawing/2014/main" id="{C1D1D28A-0EF1-E748-A7C4-FCDA9F9F80A8}"/>
+                <a16:creationId xmlns:a16="http://schemas.microsoft.com/office/drawing/2014/main" id="{F7F37F9B-F31D-364C-8C92-4D51C09377C1}"/>
               </a:ext>
             </a:extLst>
           </p:cNvPr>
@@ -22558,7 +24089,7 @@
         </p:nvCxnSpPr>
         <p:spPr>
           <a:xfrm>
-            <a:off x="2123728" y="2276872"/>
+            <a:off x="2123728" y="2492896"/>
             <a:ext cx="4824536" cy="0"/>
           </a:xfrm>
           <a:prstGeom prst="line">
@@ -22598,12 +24129,98 @@
           </a:fontRef>
         </p:style>
       </p:cxnSp>
+      <p:sp>
+        <p:nvSpPr>
+          <p:cNvPr id="25" name="TextBox 24">
+            <a:extLst>
+              <a:ext uri="{FF2B5EF4-FFF2-40B4-BE49-F238E27FC236}">
+                <a16:creationId xmlns:a16="http://schemas.microsoft.com/office/drawing/2014/main" id="{E767466F-8CBB-6143-9913-5D9CADC55296}"/>
+              </a:ext>
+            </a:extLst>
+          </p:cNvPr>
+          <p:cNvSpPr txBox="1"/>
+          <p:nvPr/>
+        </p:nvSpPr>
+        <p:spPr>
+          <a:xfrm>
+            <a:off x="2411760" y="1844824"/>
+            <a:ext cx="4320480" cy="584775"/>
+          </a:xfrm>
+          <a:prstGeom prst="rect">
+            <a:avLst/>
+          </a:prstGeom>
+          <a:noFill/>
+        </p:spPr>
+        <p:txBody>
+          <a:bodyPr wrap="square" rtlCol="0">
+            <a:spAutoFit/>
+          </a:bodyPr>
+          <a:lstStyle/>
+          <a:p>
+            <a:pPr marL="0" marR="0" lvl="0" indent="0" algn="ctr" defTabSz="914400" rtl="0" eaLnBrk="1" fontAlgn="auto" latinLnBrk="1" hangingPunct="1">
+              <a:lnSpc>
+                <a:spcPct val="100000"/>
+              </a:lnSpc>
+              <a:spcBef>
+                <a:spcPts val="0"/>
+              </a:spcBef>
+              <a:spcAft>
+                <a:spcPts val="0"/>
+              </a:spcAft>
+              <a:buClrTx/>
+              <a:buSzTx/>
+              <a:buFontTx/>
+              <a:buNone/>
+              <a:tabLst/>
+              <a:defRPr/>
+            </a:pPr>
+            <a:r>
+              <a:rPr kumimoji="0" lang="ko-KR" altLang="en-US" sz="3200" b="1" i="0" u="none" strike="noStrike" kern="1200" cap="none" spc="-150" normalizeH="0" baseline="0" noProof="0" dirty="0" err="1">
+                <a:ln>
+                  <a:noFill/>
+                </a:ln>
+                <a:solidFill>
+                  <a:srgbClr val="1F497D">
+                    <a:lumMod val="75000"/>
+                  </a:srgbClr>
+                </a:solidFill>
+                <a:effectLst/>
+                <a:uLnTx/>
+                <a:uFillTx/>
+                <a:latin typeface="맑은 고딕"/>
+                <a:ea typeface="HY헤드라인M" pitchFamily="18" charset="-127"/>
+                <a:cs typeface="+mn-cs"/>
+              </a:rPr>
+              <a:t>블루라이트</a:t>
+            </a:r>
+            <a:r>
+              <a:rPr kumimoji="0" lang="ko-KR" altLang="en-US" sz="3200" b="1" i="0" u="none" strike="noStrike" kern="1200" cap="none" spc="-150" normalizeH="0" baseline="0" noProof="0" dirty="0">
+                <a:ln>
+                  <a:noFill/>
+                </a:ln>
+                <a:solidFill>
+                  <a:srgbClr val="1F497D">
+                    <a:lumMod val="75000"/>
+                  </a:srgbClr>
+                </a:solidFill>
+                <a:effectLst/>
+                <a:uLnTx/>
+                <a:uFillTx/>
+                <a:latin typeface="맑은 고딕"/>
+                <a:ea typeface="HY헤드라인M" pitchFamily="18" charset="-127"/>
+                <a:cs typeface="+mn-cs"/>
+              </a:rPr>
+              <a:t> 필터 단점</a:t>
+            </a:r>
+          </a:p>
+        </p:txBody>
+      </p:sp>
       <p:cxnSp>
         <p:nvCxnSpPr>
-          <p:cNvPr id="24" name="직선 연결선 13">
+          <p:cNvPr id="26" name="직선 연결선 13">
             <a:extLst>
               <a:ext uri="{FF2B5EF4-FFF2-40B4-BE49-F238E27FC236}">
-                <a16:creationId xmlns:a16="http://schemas.microsoft.com/office/drawing/2014/main" id="{6227121D-0408-984F-B08A-FB7E61840A00}"/>
+                <a16:creationId xmlns:a16="http://schemas.microsoft.com/office/drawing/2014/main" id="{30C00388-76D5-0F4E-9637-ECCF14A34B2E}"/>
               </a:ext>
             </a:extLst>
           </p:cNvPr>
@@ -22612,7 +24229,7 @@
         </p:nvCxnSpPr>
         <p:spPr>
           <a:xfrm>
-            <a:off x="2123728" y="1484784"/>
+            <a:off x="2123728" y="1700808"/>
             <a:ext cx="4824536" cy="0"/>
           </a:xfrm>
           <a:prstGeom prst="line">
@@ -22654,10 +24271,10 @@
       </p:cxnSp>
       <p:sp>
         <p:nvSpPr>
-          <p:cNvPr id="19" name="TextBox 18">
+          <p:cNvPr id="13" name="TextBox 12">
             <a:extLst>
               <a:ext uri="{FF2B5EF4-FFF2-40B4-BE49-F238E27FC236}">
-                <a16:creationId xmlns:a16="http://schemas.microsoft.com/office/drawing/2014/main" id="{C3417C99-8FE0-4543-BFE5-A93BA57485CC}"/>
+                <a16:creationId xmlns:a16="http://schemas.microsoft.com/office/drawing/2014/main" id="{127BAF29-AAFA-4FDC-B468-0BA74BB05A29}"/>
               </a:ext>
             </a:extLst>
           </p:cNvPr>
@@ -22705,65 +24322,12 @@
           </a:p>
         </p:txBody>
       </p:sp>
-      <p:pic>
-        <p:nvPicPr>
-          <p:cNvPr id="13" name="그림 12">
-            <a:extLst>
-              <a:ext uri="{FF2B5EF4-FFF2-40B4-BE49-F238E27FC236}">
-                <a16:creationId xmlns:a16="http://schemas.microsoft.com/office/drawing/2014/main" id="{A2B8A03A-36F8-4FD5-AB4A-FCEADAF55C0D}"/>
-              </a:ext>
-            </a:extLst>
-          </p:cNvPr>
-          <p:cNvPicPr>
-            <a:picLocks noChangeAspect="1"/>
-          </p:cNvPicPr>
-          <p:nvPr/>
-        </p:nvPicPr>
-        <p:blipFill rotWithShape="1">
-          <a:blip r:embed="rId3"/>
-          <a:srcRect b="50000"/>
-          <a:stretch/>
-        </p:blipFill>
-        <p:spPr>
-          <a:xfrm>
-            <a:off x="4845240" y="3276391"/>
-            <a:ext cx="2608398" cy="2681009"/>
-          </a:xfrm>
-          <a:prstGeom prst="rect">
-            <a:avLst/>
-          </a:prstGeom>
-        </p:spPr>
-      </p:pic>
-      <p:pic>
-        <p:nvPicPr>
-          <p:cNvPr id="21" name="그림 20">
-            <a:extLst>
-              <a:ext uri="{FF2B5EF4-FFF2-40B4-BE49-F238E27FC236}">
-                <a16:creationId xmlns:a16="http://schemas.microsoft.com/office/drawing/2014/main" id="{86A0B985-A17F-40F0-BFCB-FA89F00B8A4A}"/>
-              </a:ext>
-            </a:extLst>
-          </p:cNvPr>
-          <p:cNvPicPr>
-            <a:picLocks noChangeAspect="1"/>
-          </p:cNvPicPr>
-          <p:nvPr/>
-        </p:nvPicPr>
-        <p:blipFill rotWithShape="1">
-          <a:blip r:embed="rId4"/>
-          <a:srcRect t="3070" b="52831"/>
-          <a:stretch/>
-        </p:blipFill>
-        <p:spPr>
-          <a:xfrm>
-            <a:off x="1414947" y="3276391"/>
-            <a:ext cx="2869022" cy="2600882"/>
-          </a:xfrm>
-          <a:prstGeom prst="rect">
-            <a:avLst/>
-          </a:prstGeom>
-        </p:spPr>
-      </p:pic>
     </p:spTree>
+    <p:extLst>
+      <p:ext uri="{BB962C8B-B14F-4D97-AF65-F5344CB8AC3E}">
+        <p14:creationId xmlns:p14="http://schemas.microsoft.com/office/powerpoint/2010/main" val="3678756825"/>
+      </p:ext>
+    </p:extLst>
   </p:cSld>
   <p:clrMapOvr>
     <a:masterClrMapping/>
@@ -23104,12 +24668,66 @@
           </a:p>
         </p:txBody>
       </p:sp>
-      <p:sp>
-        <p:nvSpPr>
-          <p:cNvPr id="23" name="TextBox 22">
+      <p:cxnSp>
+        <p:nvCxnSpPr>
+          <p:cNvPr id="24" name="직선 연결선 13">
             <a:extLst>
               <a:ext uri="{FF2B5EF4-FFF2-40B4-BE49-F238E27FC236}">
-                <a16:creationId xmlns:a16="http://schemas.microsoft.com/office/drawing/2014/main" id="{FBA39C41-D316-2E47-AC9F-2B4FF8154E66}"/>
+                <a16:creationId xmlns:a16="http://schemas.microsoft.com/office/drawing/2014/main" id="{F7F37F9B-F31D-364C-8C92-4D51C09377C1}"/>
+              </a:ext>
+            </a:extLst>
+          </p:cNvPr>
+          <p:cNvCxnSpPr/>
+          <p:nvPr/>
+        </p:nvCxnSpPr>
+        <p:spPr>
+          <a:xfrm>
+            <a:off x="2123728" y="2492896"/>
+            <a:ext cx="4824536" cy="0"/>
+          </a:xfrm>
+          <a:prstGeom prst="line">
+            <a:avLst/>
+          </a:prstGeom>
+          <a:ln>
+            <a:gradFill>
+              <a:gsLst>
+                <a:gs pos="0">
+                  <a:schemeClr val="bg1"/>
+                </a:gs>
+                <a:gs pos="50000">
+                  <a:schemeClr val="bg1">
+                    <a:lumMod val="50000"/>
+                  </a:schemeClr>
+                </a:gs>
+                <a:gs pos="100000">
+                  <a:schemeClr val="bg1"/>
+                </a:gs>
+              </a:gsLst>
+              <a:lin ang="10800000" scaled="0"/>
+            </a:gradFill>
+          </a:ln>
+        </p:spPr>
+        <p:style>
+          <a:lnRef idx="1">
+            <a:schemeClr val="dk1"/>
+          </a:lnRef>
+          <a:fillRef idx="0">
+            <a:schemeClr val="dk1"/>
+          </a:fillRef>
+          <a:effectRef idx="0">
+            <a:schemeClr val="dk1"/>
+          </a:effectRef>
+          <a:fontRef idx="minor">
+            <a:schemeClr val="tx1"/>
+          </a:fontRef>
+        </p:style>
+      </p:cxnSp>
+      <p:sp>
+        <p:nvSpPr>
+          <p:cNvPr id="25" name="TextBox 24">
+            <a:extLst>
+              <a:ext uri="{FF2B5EF4-FFF2-40B4-BE49-F238E27FC236}">
+                <a16:creationId xmlns:a16="http://schemas.microsoft.com/office/drawing/2014/main" id="{E767466F-8CBB-6143-9913-5D9CADC55296}"/>
               </a:ext>
             </a:extLst>
           </p:cNvPr>
@@ -23118,8 +24736,182 @@
         </p:nvSpPr>
         <p:spPr>
           <a:xfrm>
+            <a:off x="2411760" y="1844824"/>
+            <a:ext cx="4320480" cy="584775"/>
+          </a:xfrm>
+          <a:prstGeom prst="rect">
+            <a:avLst/>
+          </a:prstGeom>
+          <a:noFill/>
+        </p:spPr>
+        <p:txBody>
+          <a:bodyPr wrap="square" rtlCol="0">
+            <a:spAutoFit/>
+          </a:bodyPr>
+          <a:lstStyle/>
+          <a:p>
+            <a:pPr marL="0" marR="0" lvl="0" indent="0" algn="ctr" defTabSz="914400" rtl="0" eaLnBrk="1" fontAlgn="auto" latinLnBrk="1" hangingPunct="1">
+              <a:lnSpc>
+                <a:spcPct val="100000"/>
+              </a:lnSpc>
+              <a:spcBef>
+                <a:spcPts val="0"/>
+              </a:spcBef>
+              <a:spcAft>
+                <a:spcPts val="0"/>
+              </a:spcAft>
+              <a:buClrTx/>
+              <a:buSzTx/>
+              <a:buFontTx/>
+              <a:buNone/>
+              <a:tabLst/>
+              <a:defRPr/>
+            </a:pPr>
+            <a:r>
+              <a:rPr kumimoji="0" lang="ko-KR" altLang="en-US" sz="3200" b="1" i="0" u="none" strike="noStrike" kern="1200" cap="none" spc="-150" normalizeH="0" baseline="0" noProof="0" dirty="0">
+                <a:ln>
+                  <a:noFill/>
+                </a:ln>
+                <a:solidFill>
+                  <a:srgbClr val="1F497D">
+                    <a:lumMod val="75000"/>
+                  </a:srgbClr>
+                </a:solidFill>
+                <a:effectLst/>
+                <a:uLnTx/>
+                <a:uFillTx/>
+                <a:latin typeface="맑은 고딕"/>
+                <a:ea typeface="HY헤드라인M" pitchFamily="18" charset="-127"/>
+                <a:cs typeface="+mn-cs"/>
+              </a:rPr>
+              <a:t>새로운 방향 제시</a:t>
+            </a:r>
+          </a:p>
+        </p:txBody>
+      </p:sp>
+      <p:cxnSp>
+        <p:nvCxnSpPr>
+          <p:cNvPr id="26" name="직선 연결선 13">
+            <a:extLst>
+              <a:ext uri="{FF2B5EF4-FFF2-40B4-BE49-F238E27FC236}">
+                <a16:creationId xmlns:a16="http://schemas.microsoft.com/office/drawing/2014/main" id="{30C00388-76D5-0F4E-9637-ECCF14A34B2E}"/>
+              </a:ext>
+            </a:extLst>
+          </p:cNvPr>
+          <p:cNvCxnSpPr/>
+          <p:nvPr/>
+        </p:nvCxnSpPr>
+        <p:spPr>
+          <a:xfrm>
+            <a:off x="2123728" y="1700808"/>
+            <a:ext cx="4824536" cy="0"/>
+          </a:xfrm>
+          <a:prstGeom prst="line">
+            <a:avLst/>
+          </a:prstGeom>
+          <a:ln>
+            <a:gradFill>
+              <a:gsLst>
+                <a:gs pos="0">
+                  <a:schemeClr val="bg1"/>
+                </a:gs>
+                <a:gs pos="50000">
+                  <a:schemeClr val="bg1">
+                    <a:lumMod val="50000"/>
+                  </a:schemeClr>
+                </a:gs>
+                <a:gs pos="100000">
+                  <a:schemeClr val="bg1"/>
+                </a:gs>
+              </a:gsLst>
+              <a:lin ang="10800000" scaled="0"/>
+            </a:gradFill>
+          </a:ln>
+        </p:spPr>
+        <p:style>
+          <a:lnRef idx="1">
+            <a:schemeClr val="dk1"/>
+          </a:lnRef>
+          <a:fillRef idx="0">
+            <a:schemeClr val="dk1"/>
+          </a:fillRef>
+          <a:effectRef idx="0">
+            <a:schemeClr val="dk1"/>
+          </a:effectRef>
+          <a:fontRef idx="minor">
+            <a:schemeClr val="tx1"/>
+          </a:fontRef>
+        </p:style>
+      </p:cxnSp>
+      <p:sp>
+        <p:nvSpPr>
+          <p:cNvPr id="15" name="TextBox 14">
+            <a:extLst>
+              <a:ext uri="{FF2B5EF4-FFF2-40B4-BE49-F238E27FC236}">
+                <a16:creationId xmlns:a16="http://schemas.microsoft.com/office/drawing/2014/main" id="{655ECB9C-F234-4F8A-A5DA-8C5464AED21F}"/>
+              </a:ext>
+            </a:extLst>
+          </p:cNvPr>
+          <p:cNvSpPr txBox="1"/>
+          <p:nvPr/>
+        </p:nvSpPr>
+        <p:spPr>
+          <a:xfrm>
+            <a:off x="5364088" y="271681"/>
+            <a:ext cx="3600400" cy="276999"/>
+          </a:xfrm>
+          <a:prstGeom prst="rect">
+            <a:avLst/>
+          </a:prstGeom>
+          <a:noFill/>
+        </p:spPr>
+        <p:txBody>
+          <a:bodyPr wrap="square" rtlCol="0">
+            <a:spAutoFit/>
+          </a:bodyPr>
+          <a:lstStyle/>
+          <a:p>
+            <a:pPr algn="dist"/>
+            <a:r>
+              <a:rPr lang="ko-KR" altLang="en-US" sz="1200" dirty="0" err="1">
+                <a:solidFill>
+                  <a:schemeClr val="bg1"/>
+                </a:solidFill>
+              </a:rPr>
+              <a:t>임베디드소프트웨어</a:t>
+            </a:r>
+            <a:r>
+              <a:rPr lang="en-US" altLang="ko-KR" sz="1200" dirty="0">
+                <a:solidFill>
+                  <a:schemeClr val="bg1"/>
+                </a:solidFill>
+              </a:rPr>
+              <a:t>2</a:t>
+            </a:r>
+            <a:endParaRPr lang="ko-KR" altLang="en-US" sz="1200" dirty="0">
+              <a:solidFill>
+                <a:schemeClr val="bg1"/>
+              </a:solidFill>
+            </a:endParaRPr>
+          </a:p>
+        </p:txBody>
+      </p:sp>
+      <p:sp>
+        <p:nvSpPr>
+          <p:cNvPr id="16" name="TextBox 15">
+            <a:extLst>
+              <a:ext uri="{FF2B5EF4-FFF2-40B4-BE49-F238E27FC236}">
+                <a16:creationId xmlns:a16="http://schemas.microsoft.com/office/drawing/2014/main" id="{5B4B743F-712D-4ABE-B587-96F95CAC82E4}"/>
+              </a:ext>
+            </a:extLst>
+          </p:cNvPr>
+          <p:cNvSpPr txBox="1"/>
+          <p:nvPr/>
+        </p:nvSpPr>
+        <p:spPr>
+          <a:xfrm>
             <a:off x="971600" y="2860486"/>
-            <a:ext cx="7128792" cy="2554545"/>
+            <a:ext cx="7128792" cy="2092881"/>
           </a:xfrm>
           <a:prstGeom prst="rect">
             <a:avLst/>
@@ -23164,7 +24956,7 @@
                 <a:ea typeface="맑은 고딕" panose="020B0503020000020004" pitchFamily="34" charset="-127"/>
                 <a:cs typeface="+mn-cs"/>
               </a:rPr>
-              <a:t>노란색 화면</a:t>
+              <a:t>개선 목표</a:t>
             </a:r>
           </a:p>
           <a:p>
@@ -23200,41 +24992,7 @@
                 <a:ea typeface="맑은 고딕" panose="020B0503020000020004" pitchFamily="34" charset="-127"/>
                 <a:cs typeface="+mn-cs"/>
               </a:rPr>
-              <a:t>청색을 줄이면서 상대적으로 녹색과 </a:t>
-            </a:r>
-            <a:r>
-              <a:rPr kumimoji="0" lang="ko-KR" altLang="en-US" sz="1600" b="0" i="0" u="none" strike="noStrike" kern="1200" cap="none" spc="-150" normalizeH="0" baseline="0" noProof="0" dirty="0" err="1">
-                <a:ln>
-                  <a:noFill/>
-                </a:ln>
-                <a:solidFill>
-                  <a:prstClr val="black"/>
-                </a:solidFill>
-                <a:effectLst/>
-                <a:uLnTx/>
-                <a:uFillTx/>
-                <a:latin typeface="맑은 고딕"/>
-                <a:ea typeface="맑은 고딕" panose="020B0503020000020004" pitchFamily="34" charset="-127"/>
-                <a:cs typeface="+mn-cs"/>
-              </a:rPr>
-              <a:t>적색값이</a:t>
-            </a:r>
-            <a:r>
-              <a:rPr kumimoji="0" lang="ko-KR" altLang="en-US" sz="1600" b="0" i="0" u="none" strike="noStrike" kern="1200" cap="none" spc="-150" normalizeH="0" baseline="0" noProof="0" dirty="0">
-                <a:ln>
-                  <a:noFill/>
-                </a:ln>
-                <a:solidFill>
-                  <a:prstClr val="black"/>
-                </a:solidFill>
-                <a:effectLst/>
-                <a:uLnTx/>
-                <a:uFillTx/>
-                <a:latin typeface="맑은 고딕"/>
-                <a:ea typeface="맑은 고딕" panose="020B0503020000020004" pitchFamily="34" charset="-127"/>
-                <a:cs typeface="+mn-cs"/>
-              </a:rPr>
-              <a:t> 청색보다 높아지게 되면서 화면이 전체적으로 노란색을 띄게 됨</a:t>
+              <a:t>화면이 노란색이 되는 것을 방지하고 사용자가 눈을 깜빡이도록 유도</a:t>
             </a:r>
             <a:endParaRPr kumimoji="0" lang="en-US" altLang="ko-KR" sz="1600" b="0" i="0" u="none" strike="noStrike" kern="1200" cap="none" spc="-150" normalizeH="0" baseline="0" noProof="0" dirty="0">
               <a:ln>
@@ -23317,7 +25075,7 @@
                 <a:ea typeface="맑은 고딕" panose="020B0503020000020004" pitchFamily="34" charset="-127"/>
                 <a:cs typeface="+mn-cs"/>
               </a:rPr>
-              <a:t>실질적인 시력저하 예방효과 부족</a:t>
+              <a:t>개발 방향</a:t>
             </a:r>
           </a:p>
           <a:p>
@@ -23339,7 +25097,7 @@
               <a:defRPr/>
             </a:pPr>
             <a:r>
-              <a:rPr kumimoji="0" lang="ko-KR" altLang="en-US" sz="1600" b="0" i="0" u="none" strike="noStrike" kern="1200" cap="none" spc="-150" normalizeH="0" baseline="0" noProof="0" dirty="0">
+              <a:rPr kumimoji="0" lang="ko-KR" altLang="en-US" sz="1800" b="0" i="0" u="none" strike="noStrike" kern="1200" cap="none" spc="-150" normalizeH="0" baseline="0" noProof="0" dirty="0">
                 <a:ln>
                   <a:noFill/>
                 </a:ln>
@@ -23353,9 +25111,9 @@
                 <a:ea typeface="맑은 고딕" panose="020B0503020000020004" pitchFamily="34" charset="-127"/>
                 <a:cs typeface="+mn-cs"/>
               </a:rPr>
-              <a:t>사용자는 스마트폰 사용 시 평소보다 눈을 덜 깜빡이는 모습을 볼 수 있는데</a:t>
-            </a:r>
-            <a:endParaRPr kumimoji="0" lang="en-US" altLang="ko-KR" sz="1600" b="0" i="0" u="none" strike="noStrike" kern="1200" cap="none" spc="-150" normalizeH="0" baseline="0" noProof="0" dirty="0">
+              <a:t>핸드폰 화면 중간에 검은 화면을 순간적으로 넣어</a:t>
+            </a:r>
+            <a:endParaRPr kumimoji="0" lang="en-US" altLang="ko-KR" sz="1800" b="0" i="0" u="none" strike="noStrike" kern="1200" cap="none" spc="-150" normalizeH="0" baseline="0" noProof="0" dirty="0">
               <a:ln>
                 <a:noFill/>
               </a:ln>
@@ -23389,7 +25147,7 @@
               <a:defRPr/>
             </a:pPr>
             <a:r>
-              <a:rPr kumimoji="0" lang="ko-KR" altLang="en-US" sz="1600" b="0" i="0" u="none" strike="noStrike" kern="1200" cap="none" spc="-150" normalizeH="0" baseline="0" noProof="0" dirty="0">
+              <a:rPr kumimoji="0" lang="ko-KR" altLang="en-US" sz="1800" b="0" i="0" u="none" strike="noStrike" kern="1200" cap="none" spc="-150" normalizeH="0" baseline="0" noProof="0" dirty="0">
                 <a:ln>
                   <a:noFill/>
                 </a:ln>
@@ -23403,312 +25161,15 @@
                 <a:ea typeface="맑은 고딕" panose="020B0503020000020004" pitchFamily="34" charset="-127"/>
                 <a:cs typeface="+mn-cs"/>
               </a:rPr>
-              <a:t>이것은 안구건조증과 시력저하에 큰 영향을 미침</a:t>
-            </a:r>
-            <a:r>
-              <a:rPr kumimoji="0" lang="en-US" altLang="ko-KR" sz="1600" b="0" i="0" u="none" strike="noStrike" kern="1200" cap="none" spc="-150" normalizeH="0" baseline="0" noProof="0" dirty="0">
-                <a:ln>
-                  <a:noFill/>
-                </a:ln>
-                <a:solidFill>
-                  <a:prstClr val="black"/>
-                </a:solidFill>
-                <a:effectLst/>
-                <a:uLnTx/>
-                <a:uFillTx/>
-                <a:latin typeface="맑은 고딕"/>
-                <a:ea typeface="맑은 고딕" panose="020B0503020000020004" pitchFamily="34" charset="-127"/>
-                <a:cs typeface="+mn-cs"/>
-              </a:rPr>
-              <a:t>.</a:t>
-            </a:r>
-          </a:p>
-          <a:p>
-            <a:pPr marL="0" marR="0" lvl="0" indent="0" algn="ctr" defTabSz="914400" rtl="0" eaLnBrk="1" fontAlgn="auto" latinLnBrk="1" hangingPunct="1">
-              <a:lnSpc>
-                <a:spcPct val="100000"/>
-              </a:lnSpc>
-              <a:spcBef>
-                <a:spcPts val="0"/>
-              </a:spcBef>
-              <a:spcAft>
-                <a:spcPts val="0"/>
-              </a:spcAft>
-              <a:buClrTx/>
-              <a:buSzTx/>
-              <a:buFontTx/>
-              <a:buNone/>
-              <a:tabLst/>
-              <a:defRPr/>
-            </a:pPr>
-            <a:endParaRPr kumimoji="0" lang="ko-KR" altLang="en-US" sz="1800" b="0" i="0" u="none" strike="noStrike" kern="1200" cap="none" spc="-150" normalizeH="0" baseline="0" noProof="0" dirty="0">
-              <a:ln>
-                <a:noFill/>
-              </a:ln>
-              <a:solidFill>
-                <a:prstClr val="black"/>
-              </a:solidFill>
-              <a:effectLst/>
-              <a:uLnTx/>
-              <a:uFillTx/>
-              <a:latin typeface="맑은 고딕"/>
-              <a:ea typeface="맑은 고딕" panose="020B0503020000020004" pitchFamily="34" charset="-127"/>
-              <a:cs typeface="+mn-cs"/>
-            </a:endParaRPr>
-          </a:p>
-        </p:txBody>
-      </p:sp>
-      <p:cxnSp>
-        <p:nvCxnSpPr>
-          <p:cNvPr id="24" name="직선 연결선 13">
-            <a:extLst>
-              <a:ext uri="{FF2B5EF4-FFF2-40B4-BE49-F238E27FC236}">
-                <a16:creationId xmlns:a16="http://schemas.microsoft.com/office/drawing/2014/main" id="{F7F37F9B-F31D-364C-8C92-4D51C09377C1}"/>
-              </a:ext>
-            </a:extLst>
-          </p:cNvPr>
-          <p:cNvCxnSpPr/>
-          <p:nvPr/>
-        </p:nvCxnSpPr>
-        <p:spPr>
-          <a:xfrm>
-            <a:off x="2123728" y="2492896"/>
-            <a:ext cx="4824536" cy="0"/>
-          </a:xfrm>
-          <a:prstGeom prst="line">
-            <a:avLst/>
-          </a:prstGeom>
-          <a:ln>
-            <a:gradFill>
-              <a:gsLst>
-                <a:gs pos="0">
-                  <a:schemeClr val="bg1"/>
-                </a:gs>
-                <a:gs pos="50000">
-                  <a:schemeClr val="bg1">
-                    <a:lumMod val="50000"/>
-                  </a:schemeClr>
-                </a:gs>
-                <a:gs pos="100000">
-                  <a:schemeClr val="bg1"/>
-                </a:gs>
-              </a:gsLst>
-              <a:lin ang="10800000" scaled="0"/>
-            </a:gradFill>
-          </a:ln>
-        </p:spPr>
-        <p:style>
-          <a:lnRef idx="1">
-            <a:schemeClr val="dk1"/>
-          </a:lnRef>
-          <a:fillRef idx="0">
-            <a:schemeClr val="dk1"/>
-          </a:fillRef>
-          <a:effectRef idx="0">
-            <a:schemeClr val="dk1"/>
-          </a:effectRef>
-          <a:fontRef idx="minor">
-            <a:schemeClr val="tx1"/>
-          </a:fontRef>
-        </p:style>
-      </p:cxnSp>
-      <p:sp>
-        <p:nvSpPr>
-          <p:cNvPr id="25" name="TextBox 24">
-            <a:extLst>
-              <a:ext uri="{FF2B5EF4-FFF2-40B4-BE49-F238E27FC236}">
-                <a16:creationId xmlns:a16="http://schemas.microsoft.com/office/drawing/2014/main" id="{E767466F-8CBB-6143-9913-5D9CADC55296}"/>
-              </a:ext>
-            </a:extLst>
-          </p:cNvPr>
-          <p:cNvSpPr txBox="1"/>
-          <p:nvPr/>
-        </p:nvSpPr>
-        <p:spPr>
-          <a:xfrm>
-            <a:off x="2411760" y="1844824"/>
-            <a:ext cx="4320480" cy="584775"/>
-          </a:xfrm>
-          <a:prstGeom prst="rect">
-            <a:avLst/>
-          </a:prstGeom>
-          <a:noFill/>
-        </p:spPr>
-        <p:txBody>
-          <a:bodyPr wrap="square" rtlCol="0">
-            <a:spAutoFit/>
-          </a:bodyPr>
-          <a:lstStyle/>
-          <a:p>
-            <a:pPr marL="0" marR="0" lvl="0" indent="0" algn="ctr" defTabSz="914400" rtl="0" eaLnBrk="1" fontAlgn="auto" latinLnBrk="1" hangingPunct="1">
-              <a:lnSpc>
-                <a:spcPct val="100000"/>
-              </a:lnSpc>
-              <a:spcBef>
-                <a:spcPts val="0"/>
-              </a:spcBef>
-              <a:spcAft>
-                <a:spcPts val="0"/>
-              </a:spcAft>
-              <a:buClrTx/>
-              <a:buSzTx/>
-              <a:buFontTx/>
-              <a:buNone/>
-              <a:tabLst/>
-              <a:defRPr/>
-            </a:pPr>
-            <a:r>
-              <a:rPr kumimoji="0" lang="ko-KR" altLang="en-US" sz="3200" b="1" i="0" u="none" strike="noStrike" kern="1200" cap="none" spc="-150" normalizeH="0" baseline="0" noProof="0" dirty="0" err="1">
-                <a:ln>
-                  <a:noFill/>
-                </a:ln>
-                <a:solidFill>
-                  <a:srgbClr val="1F497D">
-                    <a:lumMod val="75000"/>
-                  </a:srgbClr>
-                </a:solidFill>
-                <a:effectLst/>
-                <a:uLnTx/>
-                <a:uFillTx/>
-                <a:latin typeface="맑은 고딕"/>
-                <a:ea typeface="HY헤드라인M" pitchFamily="18" charset="-127"/>
-                <a:cs typeface="+mn-cs"/>
-              </a:rPr>
-              <a:t>블루라이트</a:t>
-            </a:r>
-            <a:r>
-              <a:rPr kumimoji="0" lang="ko-KR" altLang="en-US" sz="3200" b="1" i="0" u="none" strike="noStrike" kern="1200" cap="none" spc="-150" normalizeH="0" baseline="0" noProof="0" dirty="0">
-                <a:ln>
-                  <a:noFill/>
-                </a:ln>
-                <a:solidFill>
-                  <a:srgbClr val="1F497D">
-                    <a:lumMod val="75000"/>
-                  </a:srgbClr>
-                </a:solidFill>
-                <a:effectLst/>
-                <a:uLnTx/>
-                <a:uFillTx/>
-                <a:latin typeface="맑은 고딕"/>
-                <a:ea typeface="HY헤드라인M" pitchFamily="18" charset="-127"/>
-                <a:cs typeface="+mn-cs"/>
-              </a:rPr>
-              <a:t> 필터 단점</a:t>
-            </a:r>
-          </a:p>
-        </p:txBody>
-      </p:sp>
-      <p:cxnSp>
-        <p:nvCxnSpPr>
-          <p:cNvPr id="26" name="직선 연결선 13">
-            <a:extLst>
-              <a:ext uri="{FF2B5EF4-FFF2-40B4-BE49-F238E27FC236}">
-                <a16:creationId xmlns:a16="http://schemas.microsoft.com/office/drawing/2014/main" id="{30C00388-76D5-0F4E-9637-ECCF14A34B2E}"/>
-              </a:ext>
-            </a:extLst>
-          </p:cNvPr>
-          <p:cNvCxnSpPr/>
-          <p:nvPr/>
-        </p:nvCxnSpPr>
-        <p:spPr>
-          <a:xfrm>
-            <a:off x="2123728" y="1700808"/>
-            <a:ext cx="4824536" cy="0"/>
-          </a:xfrm>
-          <a:prstGeom prst="line">
-            <a:avLst/>
-          </a:prstGeom>
-          <a:ln>
-            <a:gradFill>
-              <a:gsLst>
-                <a:gs pos="0">
-                  <a:schemeClr val="bg1"/>
-                </a:gs>
-                <a:gs pos="50000">
-                  <a:schemeClr val="bg1">
-                    <a:lumMod val="50000"/>
-                  </a:schemeClr>
-                </a:gs>
-                <a:gs pos="100000">
-                  <a:schemeClr val="bg1"/>
-                </a:gs>
-              </a:gsLst>
-              <a:lin ang="10800000" scaled="0"/>
-            </a:gradFill>
-          </a:ln>
-        </p:spPr>
-        <p:style>
-          <a:lnRef idx="1">
-            <a:schemeClr val="dk1"/>
-          </a:lnRef>
-          <a:fillRef idx="0">
-            <a:schemeClr val="dk1"/>
-          </a:fillRef>
-          <a:effectRef idx="0">
-            <a:schemeClr val="dk1"/>
-          </a:effectRef>
-          <a:fontRef idx="minor">
-            <a:schemeClr val="tx1"/>
-          </a:fontRef>
-        </p:style>
-      </p:cxnSp>
-      <p:sp>
-        <p:nvSpPr>
-          <p:cNvPr id="13" name="TextBox 12">
-            <a:extLst>
-              <a:ext uri="{FF2B5EF4-FFF2-40B4-BE49-F238E27FC236}">
-                <a16:creationId xmlns:a16="http://schemas.microsoft.com/office/drawing/2014/main" id="{127BAF29-AAFA-4FDC-B468-0BA74BB05A29}"/>
-              </a:ext>
-            </a:extLst>
-          </p:cNvPr>
-          <p:cNvSpPr txBox="1"/>
-          <p:nvPr/>
-        </p:nvSpPr>
-        <p:spPr>
-          <a:xfrm>
-            <a:off x="5364088" y="271681"/>
-            <a:ext cx="3600400" cy="276999"/>
-          </a:xfrm>
-          <a:prstGeom prst="rect">
-            <a:avLst/>
-          </a:prstGeom>
-          <a:noFill/>
-        </p:spPr>
-        <p:txBody>
-          <a:bodyPr wrap="square" rtlCol="0">
-            <a:spAutoFit/>
-          </a:bodyPr>
-          <a:lstStyle/>
-          <a:p>
-            <a:pPr algn="dist"/>
-            <a:r>
-              <a:rPr lang="ko-KR" altLang="en-US" sz="1200" dirty="0" err="1">
-                <a:solidFill>
-                  <a:schemeClr val="bg1"/>
-                </a:solidFill>
-              </a:rPr>
-              <a:t>임베디드소프트웨어</a:t>
-            </a:r>
-            <a:r>
-              <a:rPr lang="en-US" altLang="ko-KR" sz="1200" dirty="0">
-                <a:solidFill>
-                  <a:schemeClr val="bg1"/>
-                </a:solidFill>
-              </a:rPr>
-              <a:t>2</a:t>
-            </a:r>
-            <a:endParaRPr lang="ko-KR" altLang="en-US" sz="1200" dirty="0">
-              <a:solidFill>
-                <a:schemeClr val="bg1"/>
-              </a:solidFill>
-            </a:endParaRPr>
+              <a:t>사용자의 눈의 깜빡임을 유도하는 것을 목적으로 개발을 진행</a:t>
+            </a:r>
           </a:p>
         </p:txBody>
       </p:sp>
     </p:spTree>
     <p:extLst>
       <p:ext uri="{BB962C8B-B14F-4D97-AF65-F5344CB8AC3E}">
-        <p14:creationId xmlns:p14="http://schemas.microsoft.com/office/powerpoint/2010/main" val="3678756825"/>
+        <p14:creationId xmlns:p14="http://schemas.microsoft.com/office/powerpoint/2010/main" val="2374186653"/>
       </p:ext>
     </p:extLst>
   </p:cSld>
@@ -23719,12 +25180,14 @@
 </file>
 
 <file path=ppt/slides/slide7.xml><?xml version="1.0" encoding="utf-8"?>
-<p:sld xmlns:a="http://schemas.openxmlformats.org/drawingml/2006/main" xmlns:r="http://schemas.openxmlformats.org/officeDocument/2006/relationships" xmlns:p="http://schemas.openxmlformats.org/presentationml/2006/main">
+<p:sld xmlns:a="http://schemas.openxmlformats.org/drawingml/2006/main" xmlns:r="http://schemas.openxmlformats.org/officeDocument/2006/relationships" xmlns:p="http://schemas.openxmlformats.org/presentationml/2006/main" show="0">
   <p:cSld>
     <p:bg>
       <p:bgPr>
         <a:solidFill>
-          <a:srgbClr val="17375E"/>
+          <a:schemeClr val="tx2">
+            <a:lumMod val="75000"/>
+          </a:schemeClr>
         </a:solidFill>
         <a:effectLst/>
       </p:bgPr>
@@ -23784,37 +25247,8 @@
           <a:bodyPr rtlCol="0" anchor="ctr"/>
           <a:lstStyle/>
           <a:p>
-            <a:pPr marL="0" marR="0" lvl="0" indent="0" algn="ctr" defTabSz="914400" rtl="0" eaLnBrk="1" fontAlgn="auto" latinLnBrk="1" hangingPunct="1">
-              <a:lnSpc>
-                <a:spcPct val="100000"/>
-              </a:lnSpc>
-              <a:spcBef>
-                <a:spcPts val="0"/>
-              </a:spcBef>
-              <a:spcAft>
-                <a:spcPts val="0"/>
-              </a:spcAft>
-              <a:buClrTx/>
-              <a:buSzTx/>
-              <a:buFontTx/>
-              <a:buNone/>
-              <a:tabLst/>
-              <a:defRPr/>
-            </a:pPr>
-            <a:endParaRPr kumimoji="0" lang="ko-KR" altLang="en-US" sz="1800" b="0" i="0" u="none" strike="noStrike" kern="1200" cap="none" spc="0" normalizeH="0" baseline="0" noProof="0">
-              <a:ln>
-                <a:noFill/>
-              </a:ln>
-              <a:solidFill>
-                <a:prstClr val="white"/>
-              </a:solidFill>
-              <a:effectLst/>
-              <a:uLnTx/>
-              <a:uFillTx/>
-              <a:latin typeface="맑은 고딕"/>
-              <a:ea typeface="맑은 고딕" panose="020B0503020000020004" pitchFamily="34" charset="-127"/>
-              <a:cs typeface="+mn-cs"/>
-            </a:endParaRPr>
+            <a:pPr algn="ctr"/>
+            <a:endParaRPr lang="ko-KR" altLang="en-US"/>
           </a:p>
         </p:txBody>
       </p:sp>
@@ -23861,37 +25295,8 @@
           <a:bodyPr rtlCol="0" anchor="ctr"/>
           <a:lstStyle/>
           <a:p>
-            <a:pPr marL="0" marR="0" lvl="0" indent="0" algn="ctr" defTabSz="914400" rtl="0" eaLnBrk="1" fontAlgn="auto" latinLnBrk="1" hangingPunct="1">
-              <a:lnSpc>
-                <a:spcPct val="100000"/>
-              </a:lnSpc>
-              <a:spcBef>
-                <a:spcPts val="0"/>
-              </a:spcBef>
-              <a:spcAft>
-                <a:spcPts val="0"/>
-              </a:spcAft>
-              <a:buClrTx/>
-              <a:buSzTx/>
-              <a:buFontTx/>
-              <a:buNone/>
-              <a:tabLst/>
-              <a:defRPr/>
-            </a:pPr>
-            <a:endParaRPr kumimoji="0" lang="ko-KR" altLang="en-US" sz="1800" b="0" i="0" u="none" strike="noStrike" kern="1200" cap="none" spc="0" normalizeH="0" baseline="0" noProof="0">
-              <a:ln>
-                <a:noFill/>
-              </a:ln>
-              <a:solidFill>
-                <a:prstClr val="white"/>
-              </a:solidFill>
-              <a:effectLst/>
-              <a:uLnTx/>
-              <a:uFillTx/>
-              <a:latin typeface="맑은 고딕"/>
-              <a:ea typeface="맑은 고딕" panose="020B0503020000020004" pitchFamily="34" charset="-127"/>
-              <a:cs typeface="+mn-cs"/>
-            </a:endParaRPr>
+            <a:pPr algn="ctr"/>
+            <a:endParaRPr lang="ko-KR" altLang="en-US"/>
           </a:p>
         </p:txBody>
       </p:sp>
@@ -23917,324 +25322,30 @@
           </a:bodyPr>
           <a:lstStyle/>
           <a:p>
-            <a:pPr marL="0" marR="0" lvl="0" indent="0" algn="ctr" defTabSz="914400" rtl="0" eaLnBrk="1" fontAlgn="auto" latinLnBrk="1" hangingPunct="1">
-              <a:lnSpc>
-                <a:spcPct val="100000"/>
-              </a:lnSpc>
-              <a:spcBef>
-                <a:spcPts val="0"/>
-              </a:spcBef>
-              <a:spcAft>
-                <a:spcPts val="0"/>
-              </a:spcAft>
-              <a:buClrTx/>
-              <a:buSzTx/>
-              <a:buFontTx/>
-              <a:buNone/>
-              <a:tabLst/>
-              <a:defRPr/>
-            </a:pPr>
-            <a:r>
-              <a:rPr kumimoji="0" lang="en-US" altLang="ko-KR" sz="2400" b="0" i="0" u="none" strike="noStrike" kern="1200" cap="none" spc="0" normalizeH="0" baseline="0" noProof="0" dirty="0">
-                <a:ln>
-                  <a:noFill/>
-                </a:ln>
+            <a:pPr algn="ctr"/>
+            <a:r>
+              <a:rPr lang="en-US" altLang="ko-KR" sz="2400" dirty="0">
                 <a:solidFill>
-                  <a:prstClr val="white"/>
+                  <a:schemeClr val="bg1"/>
                 </a:solidFill>
-                <a:effectLst/>
-                <a:uLnTx/>
-                <a:uFillTx/>
                 <a:latin typeface="HY헤드라인M" pitchFamily="18" charset="-127"/>
                 <a:ea typeface="HY헤드라인M" pitchFamily="18" charset="-127"/>
-                <a:cs typeface="+mn-cs"/>
               </a:rPr>
               <a:t>01</a:t>
             </a:r>
-            <a:endParaRPr kumimoji="0" lang="ko-KR" altLang="en-US" sz="2400" b="0" i="0" u="none" strike="noStrike" kern="1200" cap="none" spc="0" normalizeH="0" baseline="0" noProof="0" dirty="0">
-              <a:ln>
-                <a:noFill/>
-              </a:ln>
+            <a:endParaRPr lang="ko-KR" altLang="en-US" sz="2400" dirty="0">
               <a:solidFill>
-                <a:prstClr val="white"/>
+                <a:schemeClr val="bg1"/>
               </a:solidFill>
-              <a:effectLst/>
-              <a:uLnTx/>
-              <a:uFillTx/>
               <a:latin typeface="HY헤드라인M" pitchFamily="18" charset="-127"/>
               <a:ea typeface="HY헤드라인M" pitchFamily="18" charset="-127"/>
-              <a:cs typeface="+mn-cs"/>
             </a:endParaRPr>
           </a:p>
         </p:txBody>
       </p:sp>
       <p:sp>
         <p:nvSpPr>
-          <p:cNvPr id="22" name="TextBox 21">
-            <a:extLst>
-              <a:ext uri="{FF2B5EF4-FFF2-40B4-BE49-F238E27FC236}">
-                <a16:creationId xmlns:a16="http://schemas.microsoft.com/office/drawing/2014/main" id="{3B4AC795-B2C2-6D4F-8FED-E070F474C31F}"/>
-              </a:ext>
-            </a:extLst>
-          </p:cNvPr>
-          <p:cNvSpPr txBox="1"/>
-          <p:nvPr/>
-        </p:nvSpPr>
-        <p:spPr>
-          <a:xfrm>
-            <a:off x="1403648" y="1772816"/>
-            <a:ext cx="6336704" cy="1015663"/>
-          </a:xfrm>
-          <a:prstGeom prst="rect">
-            <a:avLst/>
-          </a:prstGeom>
-          <a:noFill/>
-        </p:spPr>
-        <p:txBody>
-          <a:bodyPr wrap="square" rtlCol="0">
-            <a:spAutoFit/>
-          </a:bodyPr>
-          <a:lstStyle/>
-          <a:p>
-            <a:pPr marL="0" marR="0" lvl="0" indent="0" algn="ctr" defTabSz="914400" rtl="0" eaLnBrk="1" fontAlgn="auto" latinLnBrk="1" hangingPunct="1">
-              <a:lnSpc>
-                <a:spcPct val="100000"/>
-              </a:lnSpc>
-              <a:spcBef>
-                <a:spcPts val="0"/>
-              </a:spcBef>
-              <a:spcAft>
-                <a:spcPts val="0"/>
-              </a:spcAft>
-              <a:buClrTx/>
-              <a:buSzTx/>
-              <a:buFontTx/>
-              <a:buNone/>
-              <a:tabLst/>
-              <a:defRPr/>
-            </a:pPr>
-            <a:r>
-              <a:rPr kumimoji="0" lang="en-US" altLang="ko-KR" sz="6000" b="0" i="0" u="none" strike="noStrike" kern="1200" cap="none" spc="0" normalizeH="0" baseline="0" noProof="0" dirty="0">
-                <a:ln>
-                  <a:noFill/>
-                </a:ln>
-                <a:solidFill>
-                  <a:prstClr val="white">
-                    <a:lumMod val="75000"/>
-                  </a:prstClr>
-                </a:solidFill>
-                <a:effectLst/>
-                <a:uLnTx/>
-                <a:uFillTx/>
-                <a:latin typeface="HY헤드라인M" pitchFamily="18" charset="-127"/>
-                <a:ea typeface="HY헤드라인M" pitchFamily="18" charset="-127"/>
-                <a:cs typeface="+mn-cs"/>
-              </a:rPr>
-              <a:t>“               ”</a:t>
-            </a:r>
-            <a:endParaRPr kumimoji="0" lang="ko-KR" altLang="en-US" sz="6000" b="0" i="0" u="none" strike="noStrike" kern="1200" cap="none" spc="0" normalizeH="0" baseline="0" noProof="0" dirty="0">
-              <a:ln>
-                <a:noFill/>
-              </a:ln>
-              <a:solidFill>
-                <a:prstClr val="white">
-                  <a:lumMod val="75000"/>
-                </a:prstClr>
-              </a:solidFill>
-              <a:effectLst/>
-              <a:uLnTx/>
-              <a:uFillTx/>
-              <a:latin typeface="HY헤드라인M" pitchFamily="18" charset="-127"/>
-              <a:ea typeface="HY헤드라인M" pitchFamily="18" charset="-127"/>
-              <a:cs typeface="+mn-cs"/>
-            </a:endParaRPr>
-          </a:p>
-        </p:txBody>
-      </p:sp>
-      <p:cxnSp>
-        <p:nvCxnSpPr>
-          <p:cNvPr id="24" name="직선 연결선 13">
-            <a:extLst>
-              <a:ext uri="{FF2B5EF4-FFF2-40B4-BE49-F238E27FC236}">
-                <a16:creationId xmlns:a16="http://schemas.microsoft.com/office/drawing/2014/main" id="{F7F37F9B-F31D-364C-8C92-4D51C09377C1}"/>
-              </a:ext>
-            </a:extLst>
-          </p:cNvPr>
-          <p:cNvCxnSpPr/>
-          <p:nvPr/>
-        </p:nvCxnSpPr>
-        <p:spPr>
-          <a:xfrm>
-            <a:off x="2123728" y="2492896"/>
-            <a:ext cx="4824536" cy="0"/>
-          </a:xfrm>
-          <a:prstGeom prst="line">
-            <a:avLst/>
-          </a:prstGeom>
-          <a:ln>
-            <a:gradFill>
-              <a:gsLst>
-                <a:gs pos="0">
-                  <a:schemeClr val="bg1"/>
-                </a:gs>
-                <a:gs pos="50000">
-                  <a:schemeClr val="bg1">
-                    <a:lumMod val="50000"/>
-                  </a:schemeClr>
-                </a:gs>
-                <a:gs pos="100000">
-                  <a:schemeClr val="bg1"/>
-                </a:gs>
-              </a:gsLst>
-              <a:lin ang="10800000" scaled="0"/>
-            </a:gradFill>
-          </a:ln>
-        </p:spPr>
-        <p:style>
-          <a:lnRef idx="1">
-            <a:schemeClr val="dk1"/>
-          </a:lnRef>
-          <a:fillRef idx="0">
-            <a:schemeClr val="dk1"/>
-          </a:fillRef>
-          <a:effectRef idx="0">
-            <a:schemeClr val="dk1"/>
-          </a:effectRef>
-          <a:fontRef idx="minor">
-            <a:schemeClr val="tx1"/>
-          </a:fontRef>
-        </p:style>
-      </p:cxnSp>
-      <p:sp>
-        <p:nvSpPr>
-          <p:cNvPr id="25" name="TextBox 24">
-            <a:extLst>
-              <a:ext uri="{FF2B5EF4-FFF2-40B4-BE49-F238E27FC236}">
-                <a16:creationId xmlns:a16="http://schemas.microsoft.com/office/drawing/2014/main" id="{E767466F-8CBB-6143-9913-5D9CADC55296}"/>
-              </a:ext>
-            </a:extLst>
-          </p:cNvPr>
-          <p:cNvSpPr txBox="1"/>
-          <p:nvPr/>
-        </p:nvSpPr>
-        <p:spPr>
-          <a:xfrm>
-            <a:off x="2411760" y="1844824"/>
-            <a:ext cx="4320480" cy="584775"/>
-          </a:xfrm>
-          <a:prstGeom prst="rect">
-            <a:avLst/>
-          </a:prstGeom>
-          <a:noFill/>
-        </p:spPr>
-        <p:txBody>
-          <a:bodyPr wrap="square" rtlCol="0">
-            <a:spAutoFit/>
-          </a:bodyPr>
-          <a:lstStyle/>
-          <a:p>
-            <a:pPr marL="0" marR="0" lvl="0" indent="0" algn="ctr" defTabSz="914400" rtl="0" eaLnBrk="1" fontAlgn="auto" latinLnBrk="1" hangingPunct="1">
-              <a:lnSpc>
-                <a:spcPct val="100000"/>
-              </a:lnSpc>
-              <a:spcBef>
-                <a:spcPts val="0"/>
-              </a:spcBef>
-              <a:spcAft>
-                <a:spcPts val="0"/>
-              </a:spcAft>
-              <a:buClrTx/>
-              <a:buSzTx/>
-              <a:buFontTx/>
-              <a:buNone/>
-              <a:tabLst/>
-              <a:defRPr/>
-            </a:pPr>
-            <a:r>
-              <a:rPr kumimoji="0" lang="ko-KR" altLang="en-US" sz="3200" b="1" i="0" u="none" strike="noStrike" kern="1200" cap="none" spc="-150" normalizeH="0" baseline="0" noProof="0" dirty="0">
-                <a:ln>
-                  <a:noFill/>
-                </a:ln>
-                <a:solidFill>
-                  <a:srgbClr val="1F497D">
-                    <a:lumMod val="75000"/>
-                  </a:srgbClr>
-                </a:solidFill>
-                <a:effectLst/>
-                <a:uLnTx/>
-                <a:uFillTx/>
-                <a:latin typeface="맑은 고딕"/>
-                <a:ea typeface="HY헤드라인M" pitchFamily="18" charset="-127"/>
-                <a:cs typeface="+mn-cs"/>
-              </a:rPr>
-              <a:t>새로운 방향 제시</a:t>
-            </a:r>
-          </a:p>
-        </p:txBody>
-      </p:sp>
-      <p:cxnSp>
-        <p:nvCxnSpPr>
-          <p:cNvPr id="26" name="직선 연결선 13">
-            <a:extLst>
-              <a:ext uri="{FF2B5EF4-FFF2-40B4-BE49-F238E27FC236}">
-                <a16:creationId xmlns:a16="http://schemas.microsoft.com/office/drawing/2014/main" id="{30C00388-76D5-0F4E-9637-ECCF14A34B2E}"/>
-              </a:ext>
-            </a:extLst>
-          </p:cNvPr>
-          <p:cNvCxnSpPr/>
-          <p:nvPr/>
-        </p:nvCxnSpPr>
-        <p:spPr>
-          <a:xfrm>
-            <a:off x="2123728" y="1700808"/>
-            <a:ext cx="4824536" cy="0"/>
-          </a:xfrm>
-          <a:prstGeom prst="line">
-            <a:avLst/>
-          </a:prstGeom>
-          <a:ln>
-            <a:gradFill>
-              <a:gsLst>
-                <a:gs pos="0">
-                  <a:schemeClr val="bg1"/>
-                </a:gs>
-                <a:gs pos="50000">
-                  <a:schemeClr val="bg1">
-                    <a:lumMod val="50000"/>
-                  </a:schemeClr>
-                </a:gs>
-                <a:gs pos="100000">
-                  <a:schemeClr val="bg1"/>
-                </a:gs>
-              </a:gsLst>
-              <a:lin ang="10800000" scaled="0"/>
-            </a:gradFill>
-          </a:ln>
-        </p:spPr>
-        <p:style>
-          <a:lnRef idx="1">
-            <a:schemeClr val="dk1"/>
-          </a:lnRef>
-          <a:fillRef idx="0">
-            <a:schemeClr val="dk1"/>
-          </a:fillRef>
-          <a:effectRef idx="0">
-            <a:schemeClr val="dk1"/>
-          </a:effectRef>
-          <a:fontRef idx="minor">
-            <a:schemeClr val="tx1"/>
-          </a:fontRef>
-        </p:style>
-      </p:cxnSp>
-      <p:sp>
-        <p:nvSpPr>
-          <p:cNvPr id="15" name="TextBox 14">
-            <a:extLst>
-              <a:ext uri="{FF2B5EF4-FFF2-40B4-BE49-F238E27FC236}">
-                <a16:creationId xmlns:a16="http://schemas.microsoft.com/office/drawing/2014/main" id="{655ECB9C-F234-4F8A-A5DA-8C5464AED21F}"/>
-              </a:ext>
-            </a:extLst>
-          </p:cNvPr>
+          <p:cNvPr id="12" name="TextBox 11"/>
           <p:cNvSpPr txBox="1"/>
           <p:nvPr/>
         </p:nvSpPr>
@@ -24279,282 +25390,7 @@
           </a:p>
         </p:txBody>
       </p:sp>
-      <p:sp>
-        <p:nvSpPr>
-          <p:cNvPr id="16" name="TextBox 15">
-            <a:extLst>
-              <a:ext uri="{FF2B5EF4-FFF2-40B4-BE49-F238E27FC236}">
-                <a16:creationId xmlns:a16="http://schemas.microsoft.com/office/drawing/2014/main" id="{5B4B743F-712D-4ABE-B587-96F95CAC82E4}"/>
-              </a:ext>
-            </a:extLst>
-          </p:cNvPr>
-          <p:cNvSpPr txBox="1"/>
-          <p:nvPr/>
-        </p:nvSpPr>
-        <p:spPr>
-          <a:xfrm>
-            <a:off x="971600" y="2860486"/>
-            <a:ext cx="7128792" cy="2092881"/>
-          </a:xfrm>
-          <a:prstGeom prst="rect">
-            <a:avLst/>
-          </a:prstGeom>
-          <a:noFill/>
-        </p:spPr>
-        <p:txBody>
-          <a:bodyPr wrap="square" rtlCol="0">
-            <a:spAutoFit/>
-          </a:bodyPr>
-          <a:lstStyle/>
-          <a:p>
-            <a:pPr marL="0" marR="0" lvl="0" indent="0" algn="ctr" defTabSz="914400" rtl="0" eaLnBrk="1" fontAlgn="auto" latinLnBrk="1" hangingPunct="1">
-              <a:lnSpc>
-                <a:spcPct val="150000"/>
-              </a:lnSpc>
-              <a:spcBef>
-                <a:spcPts val="0"/>
-              </a:spcBef>
-              <a:spcAft>
-                <a:spcPts val="0"/>
-              </a:spcAft>
-              <a:buClrTx/>
-              <a:buSzTx/>
-              <a:buFontTx/>
-              <a:buNone/>
-              <a:tabLst/>
-              <a:defRPr/>
-            </a:pPr>
-            <a:r>
-              <a:rPr kumimoji="0" lang="ko-KR" altLang="en-US" sz="2000" b="1" i="0" u="none" strike="noStrike" kern="1200" cap="none" spc="-150" normalizeH="0" baseline="0" noProof="0" dirty="0">
-                <a:ln>
-                  <a:noFill/>
-                </a:ln>
-                <a:solidFill>
-                  <a:prstClr val="black"/>
-                </a:solidFill>
-                <a:effectLst/>
-                <a:uLnTx/>
-                <a:uFillTx/>
-                <a:latin typeface="맑은 고딕"/>
-                <a:ea typeface="맑은 고딕" panose="020B0503020000020004" pitchFamily="34" charset="-127"/>
-                <a:cs typeface="+mn-cs"/>
-              </a:rPr>
-              <a:t>개선 목표</a:t>
-            </a:r>
-          </a:p>
-          <a:p>
-            <a:pPr marL="0" marR="0" lvl="0" indent="0" algn="ctr" defTabSz="914400" rtl="0" eaLnBrk="1" fontAlgn="auto" latinLnBrk="1" hangingPunct="1">
-              <a:lnSpc>
-                <a:spcPct val="100000"/>
-              </a:lnSpc>
-              <a:spcBef>
-                <a:spcPts val="0"/>
-              </a:spcBef>
-              <a:spcAft>
-                <a:spcPts val="0"/>
-              </a:spcAft>
-              <a:buClrTx/>
-              <a:buSzTx/>
-              <a:buFontTx/>
-              <a:buNone/>
-              <a:tabLst/>
-              <a:defRPr/>
-            </a:pPr>
-            <a:r>
-              <a:rPr kumimoji="0" lang="ko-KR" altLang="en-US" sz="1600" b="0" i="0" u="none" strike="noStrike" kern="1200" cap="none" spc="-150" normalizeH="0" baseline="0" noProof="0" dirty="0">
-                <a:ln>
-                  <a:noFill/>
-                </a:ln>
-                <a:solidFill>
-                  <a:prstClr val="black"/>
-                </a:solidFill>
-                <a:effectLst/>
-                <a:uLnTx/>
-                <a:uFillTx/>
-                <a:latin typeface="맑은 고딕"/>
-                <a:ea typeface="맑은 고딕" panose="020B0503020000020004" pitchFamily="34" charset="-127"/>
-                <a:cs typeface="+mn-cs"/>
-              </a:rPr>
-              <a:t>화면이 노란색이 되는 것을 방지하고 사용자가 눈을 깜빡이도록 유도</a:t>
-            </a:r>
-            <a:endParaRPr kumimoji="0" lang="en-US" altLang="ko-KR" sz="1600" b="0" i="0" u="none" strike="noStrike" kern="1200" cap="none" spc="-150" normalizeH="0" baseline="0" noProof="0" dirty="0">
-              <a:ln>
-                <a:noFill/>
-              </a:ln>
-              <a:solidFill>
-                <a:prstClr val="black"/>
-              </a:solidFill>
-              <a:effectLst/>
-              <a:uLnTx/>
-              <a:uFillTx/>
-              <a:latin typeface="맑은 고딕"/>
-              <a:ea typeface="맑은 고딕" panose="020B0503020000020004" pitchFamily="34" charset="-127"/>
-              <a:cs typeface="+mn-cs"/>
-            </a:endParaRPr>
-          </a:p>
-          <a:p>
-            <a:pPr marL="0" marR="0" lvl="0" indent="0" algn="ctr" defTabSz="914400" rtl="0" eaLnBrk="1" fontAlgn="auto" latinLnBrk="1" hangingPunct="1">
-              <a:lnSpc>
-                <a:spcPct val="100000"/>
-              </a:lnSpc>
-              <a:spcBef>
-                <a:spcPts val="0"/>
-              </a:spcBef>
-              <a:spcAft>
-                <a:spcPts val="0"/>
-              </a:spcAft>
-              <a:buClrTx/>
-              <a:buSzTx/>
-              <a:buFontTx/>
-              <a:buNone/>
-              <a:tabLst/>
-              <a:defRPr/>
-            </a:pPr>
-            <a:endParaRPr kumimoji="0" lang="en-US" altLang="ko-KR" sz="1800" b="0" i="0" u="none" strike="noStrike" kern="1200" cap="none" spc="-150" normalizeH="0" baseline="0" noProof="0" dirty="0">
-              <a:ln>
-                <a:noFill/>
-              </a:ln>
-              <a:solidFill>
-                <a:prstClr val="black"/>
-              </a:solidFill>
-              <a:effectLst/>
-              <a:uLnTx/>
-              <a:uFillTx/>
-              <a:latin typeface="맑은 고딕"/>
-              <a:ea typeface="맑은 고딕" panose="020B0503020000020004" pitchFamily="34" charset="-127"/>
-              <a:cs typeface="+mn-cs"/>
-            </a:endParaRPr>
-          </a:p>
-          <a:p>
-            <a:pPr marL="0" marR="0" lvl="0" indent="0" algn="ctr" defTabSz="914400" rtl="0" eaLnBrk="1" fontAlgn="auto" latinLnBrk="1" hangingPunct="1">
-              <a:lnSpc>
-                <a:spcPct val="150000"/>
-              </a:lnSpc>
-              <a:spcBef>
-                <a:spcPts val="0"/>
-              </a:spcBef>
-              <a:spcAft>
-                <a:spcPts val="0"/>
-              </a:spcAft>
-              <a:buClrTx/>
-              <a:buSzTx/>
-              <a:buFontTx/>
-              <a:buNone/>
-              <a:tabLst/>
-              <a:defRPr/>
-            </a:pPr>
-            <a:r>
-              <a:rPr kumimoji="0" lang="ko-KR" altLang="en-US" sz="2000" b="1" i="0" u="none" strike="noStrike" kern="1200" cap="none" spc="-150" normalizeH="0" baseline="0" noProof="0" dirty="0">
-                <a:ln>
-                  <a:noFill/>
-                </a:ln>
-                <a:solidFill>
-                  <a:prstClr val="black"/>
-                </a:solidFill>
-                <a:effectLst/>
-                <a:uLnTx/>
-                <a:uFillTx/>
-                <a:latin typeface="맑은 고딕"/>
-                <a:ea typeface="맑은 고딕" panose="020B0503020000020004" pitchFamily="34" charset="-127"/>
-                <a:cs typeface="+mn-cs"/>
-              </a:rPr>
-              <a:t>개발 방향</a:t>
-            </a:r>
-          </a:p>
-          <a:p>
-            <a:pPr marL="0" marR="0" lvl="0" indent="0" algn="ctr" defTabSz="914400" rtl="0" eaLnBrk="1" fontAlgn="auto" latinLnBrk="1" hangingPunct="1">
-              <a:lnSpc>
-                <a:spcPct val="100000"/>
-              </a:lnSpc>
-              <a:spcBef>
-                <a:spcPts val="0"/>
-              </a:spcBef>
-              <a:spcAft>
-                <a:spcPts val="0"/>
-              </a:spcAft>
-              <a:buClrTx/>
-              <a:buSzTx/>
-              <a:buFontTx/>
-              <a:buNone/>
-              <a:tabLst/>
-              <a:defRPr/>
-            </a:pPr>
-            <a:r>
-              <a:rPr kumimoji="0" lang="ko-KR" altLang="en-US" sz="1800" b="0" i="0" u="none" strike="noStrike" kern="1200" cap="none" spc="-150" normalizeH="0" baseline="0" noProof="0" dirty="0">
-                <a:ln>
-                  <a:noFill/>
-                </a:ln>
-                <a:solidFill>
-                  <a:prstClr val="black"/>
-                </a:solidFill>
-                <a:effectLst/>
-                <a:uLnTx/>
-                <a:uFillTx/>
-                <a:latin typeface="맑은 고딕"/>
-                <a:ea typeface="맑은 고딕" panose="020B0503020000020004" pitchFamily="34" charset="-127"/>
-                <a:cs typeface="+mn-cs"/>
-              </a:rPr>
-              <a:t>핸드폰 화면 중간에 검은 화면을 순간적으로 넣어</a:t>
-            </a:r>
-            <a:endParaRPr kumimoji="0" lang="en-US" altLang="ko-KR" sz="1800" b="0" i="0" u="none" strike="noStrike" kern="1200" cap="none" spc="-150" normalizeH="0" baseline="0" noProof="0" dirty="0">
-              <a:ln>
-                <a:noFill/>
-              </a:ln>
-              <a:solidFill>
-                <a:prstClr val="black"/>
-              </a:solidFill>
-              <a:effectLst/>
-              <a:uLnTx/>
-              <a:uFillTx/>
-              <a:latin typeface="맑은 고딕"/>
-              <a:ea typeface="맑은 고딕" panose="020B0503020000020004" pitchFamily="34" charset="-127"/>
-              <a:cs typeface="+mn-cs"/>
-            </a:endParaRPr>
-          </a:p>
-          <a:p>
-            <a:pPr marL="0" marR="0" lvl="0" indent="0" algn="ctr" defTabSz="914400" rtl="0" eaLnBrk="1" fontAlgn="auto" latinLnBrk="1" hangingPunct="1">
-              <a:lnSpc>
-                <a:spcPct val="100000"/>
-              </a:lnSpc>
-              <a:spcBef>
-                <a:spcPts val="0"/>
-              </a:spcBef>
-              <a:spcAft>
-                <a:spcPts val="0"/>
-              </a:spcAft>
-              <a:buClrTx/>
-              <a:buSzTx/>
-              <a:buFontTx/>
-              <a:buNone/>
-              <a:tabLst/>
-              <a:defRPr/>
-            </a:pPr>
-            <a:r>
-              <a:rPr kumimoji="0" lang="ko-KR" altLang="en-US" sz="1800" b="0" i="0" u="none" strike="noStrike" kern="1200" cap="none" spc="-150" normalizeH="0" baseline="0" noProof="0" dirty="0">
-                <a:ln>
-                  <a:noFill/>
-                </a:ln>
-                <a:solidFill>
-                  <a:prstClr val="black"/>
-                </a:solidFill>
-                <a:effectLst/>
-                <a:uLnTx/>
-                <a:uFillTx/>
-                <a:latin typeface="맑은 고딕"/>
-                <a:ea typeface="맑은 고딕" panose="020B0503020000020004" pitchFamily="34" charset="-127"/>
-                <a:cs typeface="+mn-cs"/>
-              </a:rPr>
-              <a:t>사용자의 눈의 깜빡임을 유도하는 것을 목적으로 개발을 진행</a:t>
-            </a:r>
-          </a:p>
-        </p:txBody>
-      </p:sp>
     </p:spTree>
-    <p:extLst>
-      <p:ext uri="{BB962C8B-B14F-4D97-AF65-F5344CB8AC3E}">
-        <p14:creationId xmlns:p14="http://schemas.microsoft.com/office/powerpoint/2010/main" val="2374186653"/>
-      </p:ext>
-    </p:extLst>
   </p:cSld>
   <p:clrMapOvr>
     <a:masterClrMapping/>
